--- a/Proj2/docs/IA-T10-G27-FinalDelivery.pptx
+++ b/Proj2/docs/IA-T10-G27-FinalDelivery.pptx
@@ -5,7 +5,7 @@
     <p:sldMasterId id="2147483671" r:id="rId1"/>
   </p:sldMasterIdLst>
   <p:notesMasterIdLst>
-    <p:notesMasterId r:id="rId12"/>
+    <p:notesMasterId r:id="rId11"/>
   </p:notesMasterIdLst>
   <p:sldIdLst>
     <p:sldId id="256" r:id="rId2"/>
@@ -14,10 +14,9 @@
     <p:sldId id="267" r:id="rId5"/>
     <p:sldId id="268" r:id="rId6"/>
     <p:sldId id="273" r:id="rId7"/>
-    <p:sldId id="275" r:id="rId8"/>
-    <p:sldId id="274" r:id="rId9"/>
-    <p:sldId id="272" r:id="rId10"/>
-    <p:sldId id="265" r:id="rId11"/>
+    <p:sldId id="274" r:id="rId8"/>
+    <p:sldId id="272" r:id="rId9"/>
+    <p:sldId id="265" r:id="rId10"/>
   </p:sldIdLst>
   <p:sldSz cx="9144000" cy="5143500" type="screen16x9"/>
   <p:notesSz cx="6858000" cy="9144000"/>
@@ -803,115 +802,6 @@
 </p:notes>
 </file>
 
-<file path=ppt/notesSlides/notesSlide10.xml><?xml version="1.0" encoding="utf-8"?>
-<p:notes xmlns:a="http://schemas.openxmlformats.org/drawingml/2006/main" xmlns:r="http://schemas.openxmlformats.org/officeDocument/2006/relationships" xmlns:p="http://schemas.openxmlformats.org/presentationml/2006/main" showMasterSp="0" showMasterPhAnim="0">
-  <p:cSld>
-    <p:spTree>
-      <p:nvGrpSpPr>
-        <p:cNvPr id="1" name="Shape 458"/>
-        <p:cNvGrpSpPr/>
-        <p:nvPr/>
-      </p:nvGrpSpPr>
-      <p:grpSpPr>
-        <a:xfrm>
-          <a:off x="0" y="0"/>
-          <a:ext cx="0" cy="0"/>
-          <a:chOff x="0" y="0"/>
-          <a:chExt cx="0" cy="0"/>
-        </a:xfrm>
-      </p:grpSpPr>
-      <p:sp>
-        <p:nvSpPr>
-          <p:cNvPr id="459" name="Google Shape;459;ga4b3b7ab8f_0_0:notes"/>
-          <p:cNvSpPr>
-            <a:spLocks noGrp="1" noRot="1" noChangeAspect="1"/>
-          </p:cNvSpPr>
-          <p:nvPr>
-            <p:ph type="sldImg" idx="2"/>
-          </p:nvPr>
-        </p:nvSpPr>
-        <p:spPr>
-          <a:xfrm>
-            <a:off x="381000" y="685800"/>
-            <a:ext cx="6096000" cy="3429000"/>
-          </a:xfrm>
-          <a:custGeom>
-            <a:avLst/>
-            <a:gdLst/>
-            <a:ahLst/>
-            <a:cxnLst/>
-            <a:rect l="l" t="t" r="r" b="b"/>
-            <a:pathLst>
-              <a:path w="120000" h="120000" extrusionOk="0">
-                <a:moveTo>
-                  <a:pt x="0" y="0"/>
-                </a:moveTo>
-                <a:lnTo>
-                  <a:pt x="120000" y="0"/>
-                </a:lnTo>
-                <a:lnTo>
-                  <a:pt x="120000" y="120000"/>
-                </a:lnTo>
-                <a:lnTo>
-                  <a:pt x="0" y="120000"/>
-                </a:lnTo>
-                <a:close/>
-              </a:path>
-            </a:pathLst>
-          </a:custGeom>
-        </p:spPr>
-      </p:sp>
-      <p:sp>
-        <p:nvSpPr>
-          <p:cNvPr id="460" name="Google Shape;460;ga4b3b7ab8f_0_0:notes"/>
-          <p:cNvSpPr txBox="1">
-            <a:spLocks noGrp="1"/>
-          </p:cNvSpPr>
-          <p:nvPr>
-            <p:ph type="body" idx="1"/>
-          </p:nvPr>
-        </p:nvSpPr>
-        <p:spPr>
-          <a:xfrm>
-            <a:off x="685800" y="4343400"/>
-            <a:ext cx="5486400" cy="4114800"/>
-          </a:xfrm>
-          <a:prstGeom prst="rect">
-            <a:avLst/>
-          </a:prstGeom>
-        </p:spPr>
-        <p:txBody>
-          <a:bodyPr spcFirstLastPara="1" wrap="square" lIns="91425" tIns="91425" rIns="91425" bIns="91425" anchor="t" anchorCtr="0">
-            <a:noAutofit/>
-          </a:bodyPr>
-          <a:lstStyle/>
-          <a:p>
-            <a:pPr marL="0" lvl="0" indent="0" algn="l" rtl="0">
-              <a:spcBef>
-                <a:spcPts val="0"/>
-              </a:spcBef>
-              <a:spcAft>
-                <a:spcPts val="0"/>
-              </a:spcAft>
-              <a:buNone/>
-            </a:pPr>
-            <a:endParaRPr/>
-          </a:p>
-        </p:txBody>
-      </p:sp>
-    </p:spTree>
-    <p:extLst>
-      <p:ext uri="{BB962C8B-B14F-4D97-AF65-F5344CB8AC3E}">
-        <p14:creationId xmlns:p14="http://schemas.microsoft.com/office/powerpoint/2010/main" val="890885969"/>
-      </p:ext>
-    </p:extLst>
-  </p:cSld>
-  <p:clrMapOvr>
-    <a:masterClrMapping/>
-  </p:clrMapOvr>
-</p:notes>
-</file>
-
 <file path=ppt/notesSlides/notesSlide2.xml><?xml version="1.0" encoding="utf-8"?>
 <p:notes xmlns:a="http://schemas.openxmlformats.org/drawingml/2006/main" xmlns:r="http://schemas.openxmlformats.org/officeDocument/2006/relationships" xmlns:p="http://schemas.openxmlformats.org/presentationml/2006/main" showMasterSp="0" showMasterPhAnim="0">
   <p:cSld>
@@ -1551,7 +1441,7 @@
     </p:spTree>
     <p:extLst>
       <p:ext uri="{BB962C8B-B14F-4D97-AF65-F5344CB8AC3E}">
-        <p14:creationId xmlns:p14="http://schemas.microsoft.com/office/powerpoint/2010/main" val="1135946030"/>
+        <p14:creationId xmlns:p14="http://schemas.microsoft.com/office/powerpoint/2010/main" val="1756026680"/>
       </p:ext>
     </p:extLst>
   </p:cSld>
@@ -1660,7 +1550,7 @@
     </p:spTree>
     <p:extLst>
       <p:ext uri="{BB962C8B-B14F-4D97-AF65-F5344CB8AC3E}">
-        <p14:creationId xmlns:p14="http://schemas.microsoft.com/office/powerpoint/2010/main" val="1756026680"/>
+        <p14:creationId xmlns:p14="http://schemas.microsoft.com/office/powerpoint/2010/main" val="1035212988"/>
       </p:ext>
     </p:extLst>
   </p:cSld>
@@ -1769,7 +1659,7 @@
     </p:spTree>
     <p:extLst>
       <p:ext uri="{BB962C8B-B14F-4D97-AF65-F5344CB8AC3E}">
-        <p14:creationId xmlns:p14="http://schemas.microsoft.com/office/powerpoint/2010/main" val="1035212988"/>
+        <p14:creationId xmlns:p14="http://schemas.microsoft.com/office/powerpoint/2010/main" val="890885969"/>
       </p:ext>
     </p:extLst>
   </p:cSld>
@@ -9016,174 +8906,6 @@
 </p:sld>
 </file>
 
-<file path=ppt/slides/slide10.xml><?xml version="1.0" encoding="utf-8"?>
-<p:sld xmlns:a="http://schemas.openxmlformats.org/drawingml/2006/main" xmlns:r="http://schemas.openxmlformats.org/officeDocument/2006/relationships" xmlns:p="http://schemas.openxmlformats.org/presentationml/2006/main">
-  <p:cSld>
-    <p:spTree>
-      <p:nvGrpSpPr>
-        <p:cNvPr id="1" name="Shape 461"/>
-        <p:cNvGrpSpPr/>
-        <p:nvPr/>
-      </p:nvGrpSpPr>
-      <p:grpSpPr>
-        <a:xfrm>
-          <a:off x="0" y="0"/>
-          <a:ext cx="0" cy="0"/>
-          <a:chOff x="0" y="0"/>
-          <a:chExt cx="0" cy="0"/>
-        </a:xfrm>
-      </p:grpSpPr>
-      <p:sp>
-        <p:nvSpPr>
-          <p:cNvPr id="469" name="Google Shape;469;p34"/>
-          <p:cNvSpPr txBox="1">
-            <a:spLocks noGrp="1"/>
-          </p:cNvSpPr>
-          <p:nvPr>
-            <p:ph type="subTitle" idx="2"/>
-          </p:nvPr>
-        </p:nvSpPr>
-        <p:spPr>
-          <a:xfrm>
-            <a:off x="719999" y="1372648"/>
-            <a:ext cx="7262857" cy="2372037"/>
-          </a:xfrm>
-          <a:prstGeom prst="rect">
-            <a:avLst/>
-          </a:prstGeom>
-        </p:spPr>
-        <p:txBody>
-          <a:bodyPr spcFirstLastPara="1" wrap="square" lIns="91425" tIns="91425" rIns="91425" bIns="91425" anchor="t" anchorCtr="0">
-            <a:noAutofit/>
-          </a:bodyPr>
-          <a:lstStyle/>
-          <a:p>
-            <a:pPr marL="285750" lvl="0" indent="-285750" algn="l" rtl="0">
-              <a:spcBef>
-                <a:spcPts val="0"/>
-              </a:spcBef>
-              <a:spcAft>
-                <a:spcPts val="0"/>
-              </a:spcAft>
-              <a:buFont typeface="Arial" panose="020B0604020202020204" pitchFamily="34" charset="0"/>
-              <a:buChar char="•"/>
-            </a:pPr>
-            <a:r>
-              <a:rPr lang="en" dirty="0">
-                <a:latin typeface="Inter"/>
-              </a:rPr>
-              <a:t>IART classes slides and exercises</a:t>
-            </a:r>
-          </a:p>
-          <a:p>
-            <a:pPr marL="285750" lvl="0" indent="-285750" algn="l" rtl="0">
-              <a:spcBef>
-                <a:spcPts val="0"/>
-              </a:spcBef>
-              <a:spcAft>
-                <a:spcPts val="0"/>
-              </a:spcAft>
-              <a:buFont typeface="Arial" panose="020B0604020202020204" pitchFamily="34" charset="0"/>
-              <a:buChar char="•"/>
-            </a:pPr>
-            <a:endParaRPr lang="en" dirty="0">
-              <a:latin typeface="Inter"/>
-            </a:endParaRPr>
-          </a:p>
-          <a:p>
-            <a:pPr marL="285750" lvl="0" indent="-285750" algn="l" rtl="0">
-              <a:spcBef>
-                <a:spcPts val="0"/>
-              </a:spcBef>
-              <a:spcAft>
-                <a:spcPts val="0"/>
-              </a:spcAft>
-              <a:buFont typeface="Arial" panose="020B0604020202020204" pitchFamily="34" charset="0"/>
-              <a:buChar char="•"/>
-            </a:pPr>
-            <a:r>
-              <a:rPr lang="pt-PT" dirty="0">
-                <a:latin typeface="Inter"/>
-                <a:hlinkClick r:id="rId3"/>
-              </a:rPr>
-              <a:t>https://www.kaggle.com/datasets/ulrikthygepedersen/airlines-delay?datasetId=2859795&amp;sortBy=dateRun&amp;tab=bookmarked</a:t>
-            </a:r>
-            <a:endParaRPr lang="en" dirty="0">
-              <a:latin typeface="Inter"/>
-            </a:endParaRPr>
-          </a:p>
-          <a:p>
-            <a:pPr marL="285750" lvl="0" indent="-285750" algn="l" rtl="0">
-              <a:spcBef>
-                <a:spcPts val="0"/>
-              </a:spcBef>
-              <a:spcAft>
-                <a:spcPts val="0"/>
-              </a:spcAft>
-              <a:buFont typeface="Arial" panose="020B0604020202020204" pitchFamily="34" charset="0"/>
-              <a:buChar char="•"/>
-            </a:pPr>
-            <a:endParaRPr dirty="0">
-              <a:latin typeface="Inter"/>
-            </a:endParaRPr>
-          </a:p>
-        </p:txBody>
-      </p:sp>
-      <p:sp>
-        <p:nvSpPr>
-          <p:cNvPr id="470" name="Google Shape;470;p34"/>
-          <p:cNvSpPr txBox="1">
-            <a:spLocks noGrp="1"/>
-          </p:cNvSpPr>
-          <p:nvPr>
-            <p:ph type="title"/>
-          </p:nvPr>
-        </p:nvSpPr>
-        <p:spPr>
-          <a:xfrm>
-            <a:off x="720000" y="387600"/>
-            <a:ext cx="7704000" cy="612600"/>
-          </a:xfrm>
-          <a:prstGeom prst="rect">
-            <a:avLst/>
-          </a:prstGeom>
-        </p:spPr>
-        <p:txBody>
-          <a:bodyPr spcFirstLastPara="1" wrap="square" lIns="91425" tIns="91425" rIns="91425" bIns="91425" anchor="t" anchorCtr="0">
-            <a:noAutofit/>
-          </a:bodyPr>
-          <a:lstStyle/>
-          <a:p>
-            <a:pPr marL="0" lvl="0" indent="0" algn="l" rtl="0">
-              <a:spcBef>
-                <a:spcPts val="0"/>
-              </a:spcBef>
-              <a:spcAft>
-                <a:spcPts val="0"/>
-              </a:spcAft>
-              <a:buNone/>
-            </a:pPr>
-            <a:r>
-              <a:rPr lang="en" dirty="0"/>
-              <a:t>References</a:t>
-            </a:r>
-            <a:endParaRPr dirty="0"/>
-          </a:p>
-        </p:txBody>
-      </p:sp>
-    </p:spTree>
-    <p:extLst>
-      <p:ext uri="{BB962C8B-B14F-4D97-AF65-F5344CB8AC3E}">
-        <p14:creationId xmlns:p14="http://schemas.microsoft.com/office/powerpoint/2010/main" val="391685282"/>
-      </p:ext>
-    </p:extLst>
-  </p:cSld>
-  <p:clrMapOvr>
-    <a:masterClrMapping/>
-  </p:clrMapOvr>
-</p:sld>
-</file>
-
 <file path=ppt/slides/slide2.xml><?xml version="1.0" encoding="utf-8"?>
 <p:sld xmlns:a="http://schemas.openxmlformats.org/drawingml/2006/main" xmlns:r="http://schemas.openxmlformats.org/officeDocument/2006/relationships" xmlns:p="http://schemas.openxmlformats.org/presentationml/2006/main">
   <p:cSld>
@@ -9238,7 +8960,7 @@
             <a:r>
               <a:rPr lang="en-US" b="0" i="0" dirty="0">
                 <a:solidFill>
-                  <a:srgbClr val="3C4043"/>
+                  <a:srgbClr val="263238"/>
                 </a:solidFill>
                 <a:effectLst/>
                 <a:latin typeface="Inter"/>
@@ -9258,7 +8980,7 @@
             </a:pPr>
             <a:endParaRPr lang="en-US" u="sng" dirty="0">
               <a:solidFill>
-                <a:srgbClr val="3C4043"/>
+                <a:srgbClr val="263238"/>
               </a:solidFill>
               <a:latin typeface="Inter"/>
             </a:endParaRPr>
@@ -9276,7 +8998,7 @@
             <a:r>
               <a:rPr lang="en-US" dirty="0">
                 <a:solidFill>
-                  <a:srgbClr val="3C4043"/>
+                  <a:srgbClr val="263238"/>
                 </a:solidFill>
                 <a:latin typeface="Inter"/>
               </a:rPr>
@@ -9298,7 +9020,7 @@
               <a:buChar char="•"/>
             </a:pPr>
             <a:r>
-              <a:rPr lang="en-US" b="0" i="0" u="sng" dirty="0">
+              <a:rPr lang="en-US" b="1" i="0" dirty="0">
                 <a:solidFill>
                   <a:srgbClr val="263238"/>
                 </a:solidFill>
@@ -9308,7 +9030,7 @@
               <a:t>Flight</a:t>
             </a:r>
             <a:r>
-              <a:rPr lang="en-US" dirty="0">
+              <a:rPr lang="en-US" b="1" dirty="0">
                 <a:solidFill>
                   <a:srgbClr val="263238"/>
                 </a:solidFill>
@@ -9339,7 +9061,7 @@
               <a:buChar char="•"/>
             </a:pPr>
             <a:r>
-              <a:rPr lang="en-US" b="0" i="0" u="sng" dirty="0">
+              <a:rPr lang="en-US" b="1" i="0" dirty="0">
                 <a:solidFill>
                   <a:srgbClr val="263238"/>
                 </a:solidFill>
@@ -9349,7 +9071,7 @@
               <a:t>Time</a:t>
             </a:r>
             <a:r>
-              <a:rPr lang="en-US" dirty="0">
+              <a:rPr lang="en-US" b="1" dirty="0">
                 <a:solidFill>
                   <a:srgbClr val="263238"/>
                 </a:solidFill>
@@ -9380,7 +9102,7 @@
               <a:buChar char="•"/>
             </a:pPr>
             <a:r>
-              <a:rPr lang="en-US" b="0" i="0" u="sng" dirty="0">
+              <a:rPr lang="en-US" b="1" i="0" dirty="0">
                 <a:solidFill>
                   <a:srgbClr val="263238"/>
                 </a:solidFill>
@@ -9390,7 +9112,7 @@
               <a:t>Length</a:t>
             </a:r>
             <a:r>
-              <a:rPr lang="en-US" dirty="0">
+              <a:rPr lang="en-US" b="1" dirty="0">
                 <a:solidFill>
                   <a:srgbClr val="263238"/>
                 </a:solidFill>
@@ -9421,7 +9143,7 @@
               <a:buChar char="•"/>
             </a:pPr>
             <a:r>
-              <a:rPr lang="en-US" b="0" i="0" u="sng" dirty="0">
+              <a:rPr lang="en-US" b="1" i="0" dirty="0">
                 <a:solidFill>
                   <a:srgbClr val="263238"/>
                 </a:solidFill>
@@ -9431,7 +9153,7 @@
               <a:t>Airline</a:t>
             </a:r>
             <a:r>
-              <a:rPr lang="en-US" dirty="0">
+              <a:rPr lang="en-US" b="1" dirty="0">
                 <a:solidFill>
                   <a:srgbClr val="263238"/>
                 </a:solidFill>
@@ -9462,7 +9184,7 @@
               <a:buChar char="•"/>
             </a:pPr>
             <a:r>
-              <a:rPr lang="en-US" b="0" i="0" u="sng" dirty="0" err="1">
+              <a:rPr lang="en-US" b="1" i="0" dirty="0" err="1">
                 <a:solidFill>
                   <a:srgbClr val="263238"/>
                 </a:solidFill>
@@ -9472,7 +9194,7 @@
               <a:t>AirportFrom</a:t>
             </a:r>
             <a:r>
-              <a:rPr lang="en-US" dirty="0">
+              <a:rPr lang="en-US" b="1" dirty="0">
                 <a:solidFill>
                   <a:srgbClr val="263238"/>
                 </a:solidFill>
@@ -9503,7 +9225,7 @@
               <a:buChar char="•"/>
             </a:pPr>
             <a:r>
-              <a:rPr lang="en-US" b="0" i="0" u="sng" dirty="0" err="1">
+              <a:rPr lang="en-US" b="1" i="0" dirty="0" err="1">
                 <a:solidFill>
                   <a:srgbClr val="263238"/>
                 </a:solidFill>
@@ -9513,7 +9235,7 @@
               <a:t>AirportTo</a:t>
             </a:r>
             <a:r>
-              <a:rPr lang="en-US" dirty="0">
+              <a:rPr lang="en-US" b="1" dirty="0">
                 <a:solidFill>
                   <a:srgbClr val="263238"/>
                 </a:solidFill>
@@ -9544,7 +9266,7 @@
               <a:buChar char="•"/>
             </a:pPr>
             <a:r>
-              <a:rPr lang="en-US" b="0" i="0" u="sng" dirty="0" err="1">
+              <a:rPr lang="en-US" b="1" i="0" dirty="0" err="1">
                 <a:solidFill>
                   <a:srgbClr val="263238"/>
                 </a:solidFill>
@@ -9554,6 +9276,16 @@
               <a:t>DayOfWeek</a:t>
             </a:r>
             <a:r>
+              <a:rPr lang="en-US" b="1" i="0" dirty="0">
+                <a:solidFill>
+                  <a:srgbClr val="263238"/>
+                </a:solidFill>
+                <a:effectLst/>
+                <a:latin typeface="Inter"/>
+              </a:rPr>
+              <a:t> - </a:t>
+            </a:r>
+            <a:r>
               <a:rPr lang="en-US" b="0" i="0" dirty="0">
                 <a:solidFill>
                   <a:srgbClr val="263238"/>
@@ -9561,7 +9293,7 @@
                 <a:effectLst/>
                 <a:latin typeface="Inter"/>
               </a:rPr>
-              <a:t> - Day of the week of the flight</a:t>
+              <a:t>Day of the week of the flight</a:t>
             </a:r>
           </a:p>
           <a:p>
@@ -9576,14 +9308,14 @@
               <a:buChar char="•"/>
             </a:pPr>
             <a:r>
-              <a:rPr lang="en-US" b="0" i="0" u="sng" dirty="0">
+              <a:rPr lang="en-US" b="1" i="0" dirty="0">
                 <a:solidFill>
                   <a:srgbClr val="263238"/>
                 </a:solidFill>
                 <a:effectLst/>
                 <a:latin typeface="Inter"/>
               </a:rPr>
-              <a:t>Class</a:t>
+              <a:t>Class - </a:t>
             </a:r>
             <a:r>
               <a:rPr lang="en-US" b="0" i="0" dirty="0">
@@ -9593,7 +9325,7 @@
                 <a:effectLst/>
                 <a:latin typeface="Inter"/>
               </a:rPr>
-              <a:t> - Delayed (1) or not (0)</a:t>
+              <a:t>Delayed (1) or not (0)</a:t>
             </a:r>
           </a:p>
           <a:p>
@@ -9717,12 +9449,18 @@
             </a:pPr>
             <a:r>
               <a:rPr lang="en" b="1" dirty="0">
+                <a:solidFill>
+                  <a:srgbClr val="263238"/>
+                </a:solidFill>
                 <a:latin typeface="Inter"/>
               </a:rPr>
               <a:t>Programming language: </a:t>
             </a:r>
             <a:r>
               <a:rPr lang="en" dirty="0">
+                <a:solidFill>
+                  <a:srgbClr val="263238"/>
+                </a:solidFill>
                 <a:latin typeface="Inter"/>
               </a:rPr>
               <a:t>Python</a:t>
@@ -9744,29 +9482,44 @@
             </a:pPr>
             <a:r>
               <a:rPr lang="en" b="1" dirty="0">
+                <a:solidFill>
+                  <a:srgbClr val="263238"/>
+                </a:solidFill>
                 <a:latin typeface="Inter"/>
               </a:rPr>
               <a:t>Python libraries: </a:t>
             </a:r>
             <a:r>
               <a:rPr lang="en" dirty="0">
+                <a:solidFill>
+                  <a:srgbClr val="263238"/>
+                </a:solidFill>
                 <a:latin typeface="Inter"/>
               </a:rPr>
               <a:t>Pandas, Seaborn, </a:t>
             </a:r>
             <a:r>
               <a:rPr lang="pt-PT" dirty="0" err="1">
+                <a:solidFill>
+                  <a:srgbClr val="263238"/>
+                </a:solidFill>
                 <a:latin typeface="Inter"/>
               </a:rPr>
               <a:t>Scikit-Learn</a:t>
             </a:r>
             <a:r>
               <a:rPr lang="pt-PT" dirty="0">
+                <a:solidFill>
+                  <a:srgbClr val="263238"/>
+                </a:solidFill>
                 <a:latin typeface="Inter"/>
               </a:rPr>
               <a:t>, …</a:t>
             </a:r>
             <a:endParaRPr lang="en" dirty="0">
+              <a:solidFill>
+                <a:srgbClr val="263238"/>
+              </a:solidFill>
               <a:latin typeface="Inter"/>
             </a:endParaRPr>
           </a:p>
@@ -9786,12 +9539,18 @@
             </a:pPr>
             <a:r>
               <a:rPr lang="en" b="1" dirty="0">
+                <a:solidFill>
+                  <a:srgbClr val="263238"/>
+                </a:solidFill>
                 <a:latin typeface="Inter"/>
               </a:rPr>
               <a:t>Development environment: </a:t>
             </a:r>
             <a:r>
               <a:rPr lang="en" dirty="0">
+                <a:solidFill>
+                  <a:srgbClr val="263238"/>
+                </a:solidFill>
                 <a:latin typeface="Inter"/>
               </a:rPr>
               <a:t>Jupyter Notebook / VSCode</a:t>
@@ -9813,17 +9572,26 @@
             </a:pPr>
             <a:r>
               <a:rPr lang="en" b="1" dirty="0">
+                <a:solidFill>
+                  <a:srgbClr val="263238"/>
+                </a:solidFill>
                 <a:latin typeface="Inter"/>
               </a:rPr>
               <a:t>Machine learning algorithms: </a:t>
             </a:r>
             <a:r>
               <a:rPr lang="en" dirty="0">
+                <a:solidFill>
+                  <a:srgbClr val="263238"/>
+                </a:solidFill>
                 <a:latin typeface="Inter"/>
               </a:rPr>
               <a:t>Decision Trees, K-Nearest Neighbours, Support Vector Machine, ...</a:t>
             </a:r>
             <a:endParaRPr dirty="0">
+              <a:solidFill>
+                <a:srgbClr val="263238"/>
+              </a:solidFill>
               <a:latin typeface="Inter"/>
             </a:endParaRPr>
           </a:p>
@@ -9926,7 +9694,7 @@
           </a:bodyPr>
           <a:lstStyle/>
           <a:p>
-            <a:pPr marL="0" lvl="0" indent="0" algn="l" rtl="0">
+            <a:pPr marL="0" lvl="0" indent="0" algn="just" rtl="0">
               <a:spcBef>
                 <a:spcPts val="0"/>
               </a:spcBef>
@@ -9937,151 +9705,223 @@
             </a:pPr>
             <a:r>
               <a:rPr lang="pt-PT" dirty="0" err="1">
+                <a:solidFill>
+                  <a:srgbClr val="263238"/>
+                </a:solidFill>
                 <a:latin typeface="Inter"/>
               </a:rPr>
               <a:t>The</a:t>
             </a:r>
             <a:r>
               <a:rPr lang="pt-PT" dirty="0">
+                <a:solidFill>
+                  <a:srgbClr val="263238"/>
+                </a:solidFill>
                 <a:latin typeface="Inter"/>
               </a:rPr>
               <a:t> </a:t>
             </a:r>
             <a:r>
               <a:rPr lang="pt-PT" dirty="0" err="1">
+                <a:solidFill>
+                  <a:srgbClr val="263238"/>
+                </a:solidFill>
                 <a:latin typeface="Inter"/>
               </a:rPr>
               <a:t>dataset</a:t>
             </a:r>
             <a:r>
               <a:rPr lang="pt-PT" dirty="0">
+                <a:solidFill>
+                  <a:srgbClr val="263238"/>
+                </a:solidFill>
                 <a:latin typeface="Inter"/>
               </a:rPr>
               <a:t> </a:t>
             </a:r>
             <a:r>
               <a:rPr lang="pt-PT" dirty="0" err="1">
+                <a:solidFill>
+                  <a:srgbClr val="263238"/>
+                </a:solidFill>
                 <a:latin typeface="Inter"/>
               </a:rPr>
               <a:t>has</a:t>
             </a:r>
             <a:r>
               <a:rPr lang="pt-PT" dirty="0">
+                <a:solidFill>
+                  <a:srgbClr val="263238"/>
+                </a:solidFill>
                 <a:latin typeface="Inter"/>
               </a:rPr>
               <a:t> </a:t>
             </a:r>
             <a:r>
               <a:rPr lang="pt-PT" dirty="0" err="1">
+                <a:solidFill>
+                  <a:srgbClr val="263238"/>
+                </a:solidFill>
                 <a:latin typeface="Inter"/>
               </a:rPr>
               <a:t>been</a:t>
             </a:r>
             <a:r>
               <a:rPr lang="pt-PT" dirty="0">
+                <a:solidFill>
+                  <a:srgbClr val="263238"/>
+                </a:solidFill>
                 <a:latin typeface="Inter"/>
               </a:rPr>
               <a:t> </a:t>
             </a:r>
             <a:r>
               <a:rPr lang="pt-PT" dirty="0" err="1">
+                <a:solidFill>
+                  <a:srgbClr val="263238"/>
+                </a:solidFill>
                 <a:latin typeface="Inter"/>
               </a:rPr>
               <a:t>analysed</a:t>
             </a:r>
             <a:r>
               <a:rPr lang="pt-PT" dirty="0">
+                <a:solidFill>
+                  <a:srgbClr val="263238"/>
+                </a:solidFill>
                 <a:latin typeface="Inter"/>
               </a:rPr>
               <a:t> </a:t>
             </a:r>
             <a:r>
               <a:rPr lang="pt-PT" dirty="0" err="1">
+                <a:solidFill>
+                  <a:srgbClr val="263238"/>
+                </a:solidFill>
                 <a:latin typeface="Inter"/>
               </a:rPr>
               <a:t>and</a:t>
             </a:r>
             <a:r>
               <a:rPr lang="pt-PT" dirty="0">
+                <a:solidFill>
+                  <a:srgbClr val="263238"/>
+                </a:solidFill>
                 <a:latin typeface="Inter"/>
               </a:rPr>
               <a:t> </a:t>
             </a:r>
             <a:r>
               <a:rPr lang="pt-PT" dirty="0" err="1">
+                <a:solidFill>
+                  <a:srgbClr val="263238"/>
+                </a:solidFill>
                 <a:latin typeface="Inter"/>
               </a:rPr>
               <a:t>pre-processed</a:t>
             </a:r>
             <a:r>
               <a:rPr lang="pt-PT" dirty="0">
+                <a:solidFill>
+                  <a:srgbClr val="263238"/>
+                </a:solidFill>
                 <a:latin typeface="Inter"/>
               </a:rPr>
               <a:t>. </a:t>
             </a:r>
             <a:r>
               <a:rPr lang="pt-PT" dirty="0" err="1">
+                <a:solidFill>
+                  <a:srgbClr val="263238"/>
+                </a:solidFill>
                 <a:latin typeface="Inter"/>
               </a:rPr>
               <a:t>The</a:t>
             </a:r>
             <a:r>
               <a:rPr lang="pt-PT" dirty="0">
+                <a:solidFill>
+                  <a:srgbClr val="263238"/>
+                </a:solidFill>
                 <a:latin typeface="Inter"/>
               </a:rPr>
               <a:t> </a:t>
             </a:r>
             <a:r>
               <a:rPr lang="pt-PT" dirty="0" err="1">
+                <a:solidFill>
+                  <a:srgbClr val="263238"/>
+                </a:solidFill>
                 <a:latin typeface="Inter"/>
               </a:rPr>
               <a:t>following</a:t>
             </a:r>
             <a:r>
               <a:rPr lang="pt-PT" dirty="0">
+                <a:solidFill>
+                  <a:srgbClr val="263238"/>
+                </a:solidFill>
                 <a:latin typeface="Inter"/>
               </a:rPr>
               <a:t> </a:t>
             </a:r>
             <a:r>
               <a:rPr lang="pt-PT" dirty="0" err="1">
+                <a:solidFill>
+                  <a:srgbClr val="263238"/>
+                </a:solidFill>
                 <a:latin typeface="Inter"/>
               </a:rPr>
               <a:t>conclusions</a:t>
             </a:r>
             <a:r>
               <a:rPr lang="pt-PT" dirty="0">
+                <a:solidFill>
+                  <a:srgbClr val="263238"/>
+                </a:solidFill>
                 <a:latin typeface="Inter"/>
               </a:rPr>
               <a:t> </a:t>
             </a:r>
             <a:r>
               <a:rPr lang="pt-PT" dirty="0" err="1">
+                <a:solidFill>
+                  <a:srgbClr val="263238"/>
+                </a:solidFill>
                 <a:latin typeface="Inter"/>
               </a:rPr>
               <a:t>were</a:t>
             </a:r>
             <a:r>
               <a:rPr lang="pt-PT" dirty="0">
+                <a:solidFill>
+                  <a:srgbClr val="263238"/>
+                </a:solidFill>
                 <a:latin typeface="Inter"/>
               </a:rPr>
               <a:t> </a:t>
             </a:r>
             <a:r>
               <a:rPr lang="pt-PT" dirty="0" err="1">
+                <a:solidFill>
+                  <a:srgbClr val="263238"/>
+                </a:solidFill>
                 <a:latin typeface="Inter"/>
               </a:rPr>
               <a:t>drawn</a:t>
             </a:r>
             <a:r>
               <a:rPr lang="pt-PT" dirty="0">
+                <a:solidFill>
+                  <a:srgbClr val="263238"/>
+                </a:solidFill>
                 <a:latin typeface="Inter"/>
               </a:rPr>
               <a:t>:</a:t>
             </a:r>
           </a:p>
           <a:p>
-            <a:pPr marL="0" lvl="0" indent="0" algn="l" rtl="0">
+            <a:pPr marL="0" lvl="0" indent="0" algn="just" rtl="0">
               <a:spcBef>
                 <a:spcPts val="0"/>
               </a:spcBef>
@@ -10091,11 +9931,14 @@
               <a:buNone/>
             </a:pPr>
             <a:endParaRPr lang="pt-PT" dirty="0">
+              <a:solidFill>
+                <a:srgbClr val="263238"/>
+              </a:solidFill>
               <a:latin typeface="Inter"/>
             </a:endParaRPr>
           </a:p>
           <a:p>
-            <a:pPr marL="285750" lvl="0" indent="-285750" algn="l" rtl="0">
+            <a:pPr marL="285750" lvl="0" indent="-285750" algn="just" rtl="0">
               <a:spcBef>
                 <a:spcPts val="0"/>
               </a:spcBef>
@@ -10107,13 +9950,16 @@
             </a:pPr>
             <a:r>
               <a:rPr lang="en-US" dirty="0">
+                <a:solidFill>
+                  <a:srgbClr val="263238"/>
+                </a:solidFill>
                 <a:latin typeface="Inter"/>
               </a:rPr>
               <a:t>There are 539382 rows and 8 cols in the dataset</a:t>
             </a:r>
           </a:p>
           <a:p>
-            <a:pPr marL="285750" lvl="0" indent="-285750" algn="l" rtl="0">
+            <a:pPr marL="285750" lvl="0" indent="-285750" algn="just" rtl="0">
               <a:spcBef>
                 <a:spcPts val="0"/>
               </a:spcBef>
@@ -10125,28 +9971,40 @@
             </a:pPr>
             <a:r>
               <a:rPr lang="pt-PT" dirty="0" err="1">
+                <a:solidFill>
+                  <a:srgbClr val="263238"/>
+                </a:solidFill>
                 <a:latin typeface="Inter"/>
               </a:rPr>
               <a:t>There</a:t>
             </a:r>
             <a:r>
               <a:rPr lang="pt-PT" dirty="0">
+                <a:solidFill>
+                  <a:srgbClr val="263238"/>
+                </a:solidFill>
                 <a:latin typeface="Inter"/>
               </a:rPr>
               <a:t> are 216618 </a:t>
             </a:r>
             <a:r>
               <a:rPr lang="pt-PT" dirty="0" err="1">
+                <a:solidFill>
+                  <a:srgbClr val="263238"/>
+                </a:solidFill>
                 <a:latin typeface="Inter"/>
               </a:rPr>
               <a:t>duplicates</a:t>
             </a:r>
             <a:endParaRPr lang="pt-PT" dirty="0">
+              <a:solidFill>
+                <a:srgbClr val="263238"/>
+              </a:solidFill>
               <a:latin typeface="Inter"/>
             </a:endParaRPr>
           </a:p>
           <a:p>
-            <a:pPr marL="285750" lvl="0" indent="-285750" algn="l" rtl="0">
+            <a:pPr marL="285750" lvl="0" indent="-285750" algn="just" rtl="0">
               <a:spcBef>
                 <a:spcPts val="0"/>
               </a:spcBef>
@@ -10158,40 +10016,58 @@
             </a:pPr>
             <a:r>
               <a:rPr lang="pt-PT" dirty="0" err="1">
+                <a:solidFill>
+                  <a:srgbClr val="263238"/>
+                </a:solidFill>
                 <a:latin typeface="Inter"/>
               </a:rPr>
               <a:t>There</a:t>
             </a:r>
             <a:r>
               <a:rPr lang="pt-PT" dirty="0">
+                <a:solidFill>
+                  <a:srgbClr val="263238"/>
+                </a:solidFill>
                 <a:latin typeface="Inter"/>
               </a:rPr>
               <a:t> are no </a:t>
             </a:r>
             <a:r>
               <a:rPr lang="pt-PT" dirty="0" err="1">
+                <a:solidFill>
+                  <a:srgbClr val="263238"/>
+                </a:solidFill>
                 <a:latin typeface="Inter"/>
               </a:rPr>
               <a:t>null</a:t>
             </a:r>
             <a:r>
               <a:rPr lang="pt-PT" dirty="0">
+                <a:solidFill>
+                  <a:srgbClr val="263238"/>
+                </a:solidFill>
                 <a:latin typeface="Inter"/>
               </a:rPr>
               <a:t> </a:t>
             </a:r>
             <a:r>
               <a:rPr lang="pt-PT" dirty="0" err="1">
+                <a:solidFill>
+                  <a:srgbClr val="263238"/>
+                </a:solidFill>
                 <a:latin typeface="Inter"/>
               </a:rPr>
               <a:t>values</a:t>
             </a:r>
             <a:endParaRPr lang="pt-PT" dirty="0">
+              <a:solidFill>
+                <a:srgbClr val="263238"/>
+              </a:solidFill>
               <a:latin typeface="Inter"/>
             </a:endParaRPr>
           </a:p>
           <a:p>
-            <a:pPr marL="285750" lvl="0" indent="-285750" algn="l" rtl="0">
+            <a:pPr marL="285750" lvl="0" indent="-285750" algn="just" rtl="0">
               <a:spcBef>
                 <a:spcPts val="0"/>
               </a:spcBef>
@@ -10203,35 +10079,53 @@
             </a:pPr>
             <a:r>
               <a:rPr lang="pt-PT" dirty="0" err="1">
+                <a:solidFill>
+                  <a:srgbClr val="263238"/>
+                </a:solidFill>
                 <a:latin typeface="Inter"/>
               </a:rPr>
               <a:t>Length</a:t>
             </a:r>
             <a:r>
               <a:rPr lang="pt-PT" dirty="0">
+                <a:solidFill>
+                  <a:srgbClr val="263238"/>
+                </a:solidFill>
                 <a:latin typeface="Inter"/>
               </a:rPr>
               <a:t> </a:t>
             </a:r>
             <a:r>
               <a:rPr lang="pt-PT" dirty="0" err="1">
+                <a:solidFill>
+                  <a:srgbClr val="263238"/>
+                </a:solidFill>
                 <a:latin typeface="Inter"/>
               </a:rPr>
               <a:t>has</a:t>
             </a:r>
             <a:r>
               <a:rPr lang="pt-PT" dirty="0">
+                <a:solidFill>
+                  <a:srgbClr val="263238"/>
+                </a:solidFill>
                 <a:latin typeface="Inter"/>
               </a:rPr>
               <a:t> some </a:t>
             </a:r>
             <a:r>
               <a:rPr lang="pt-PT" dirty="0" err="1">
+                <a:solidFill>
+                  <a:srgbClr val="263238"/>
+                </a:solidFill>
                 <a:latin typeface="Inter"/>
               </a:rPr>
               <a:t>outliers</a:t>
             </a:r>
             <a:endParaRPr dirty="0">
+              <a:solidFill>
+                <a:srgbClr val="263238"/>
+              </a:solidFill>
               <a:latin typeface="Inter"/>
             </a:endParaRPr>
           </a:p>
@@ -10339,6 +10233,60 @@
           <a:chExt cx="0" cy="0"/>
         </a:xfrm>
       </p:grpSpPr>
+      <p:sp>
+        <p:nvSpPr>
+          <p:cNvPr id="5" name="Rectangle 4">
+            <a:extLst>
+              <a:ext uri="{FF2B5EF4-FFF2-40B4-BE49-F238E27FC236}">
+                <a16:creationId xmlns:a16="http://schemas.microsoft.com/office/drawing/2014/main" id="{A62AE5B9-DB7B-E315-5920-C987991D1C4C}"/>
+              </a:ext>
+            </a:extLst>
+          </p:cNvPr>
+          <p:cNvSpPr/>
+          <p:nvPr/>
+        </p:nvSpPr>
+        <p:spPr>
+          <a:xfrm>
+            <a:off x="6982691" y="3379812"/>
+            <a:ext cx="2161309" cy="1756988"/>
+          </a:xfrm>
+          <a:prstGeom prst="rect">
+            <a:avLst/>
+          </a:prstGeom>
+          <a:solidFill>
+            <a:schemeClr val="bg1"/>
+          </a:solidFill>
+          <a:ln>
+            <a:solidFill>
+              <a:schemeClr val="bg1"/>
+            </a:solidFill>
+          </a:ln>
+        </p:spPr>
+        <p:style>
+          <a:lnRef idx="2">
+            <a:schemeClr val="accent1">
+              <a:shade val="50000"/>
+            </a:schemeClr>
+          </a:lnRef>
+          <a:fillRef idx="1">
+            <a:schemeClr val="accent1"/>
+          </a:fillRef>
+          <a:effectRef idx="0">
+            <a:schemeClr val="accent1"/>
+          </a:effectRef>
+          <a:fontRef idx="minor">
+            <a:schemeClr val="lt1"/>
+          </a:fontRef>
+        </p:style>
+        <p:txBody>
+          <a:bodyPr rtlCol="0" anchor="ctr"/>
+          <a:lstStyle/>
+          <a:p>
+            <a:pPr algn="ctr"/>
+            <a:endParaRPr lang="pt-PT" dirty="0"/>
+          </a:p>
+        </p:txBody>
+      </p:sp>
       <p:pic>
         <p:nvPicPr>
           <p:cNvPr id="4" name="Picture 3">
@@ -10361,12 +10309,13 @@
         </p:blipFill>
         <p:spPr>
           <a:xfrm>
-            <a:off x="6288955" y="1579114"/>
-            <a:ext cx="2743533" cy="1985271"/>
+            <a:off x="6345383" y="1098074"/>
+            <a:ext cx="2479964" cy="1794547"/>
           </a:xfrm>
           <a:prstGeom prst="rect">
             <a:avLst/>
           </a:prstGeom>
+          <a:effectLst/>
         </p:spPr>
       </p:pic>
       <p:sp>
@@ -10700,7 +10649,7 @@
                 </a:solidFill>
                 <a:latin typeface="Inter"/>
               </a:rPr>
-              <a:t> </a:t>
+              <a:t>… (</a:t>
             </a:r>
             <a:r>
               <a:rPr lang="en-US" b="0" i="0" dirty="0">
@@ -10729,7 +10678,7 @@
                 <a:effectLst/>
                 <a:latin typeface="Inter"/>
               </a:rPr>
-              <a:t>multiple delays.</a:t>
+              <a:t>multiple delays).</a:t>
             </a:r>
           </a:p>
           <a:p>
@@ -11040,6 +10989,40 @@
           </a:p>
         </p:txBody>
       </p:sp>
+      <p:pic>
+        <p:nvPicPr>
+          <p:cNvPr id="3" name="Picture 2">
+            <a:extLst>
+              <a:ext uri="{FF2B5EF4-FFF2-40B4-BE49-F238E27FC236}">
+                <a16:creationId xmlns:a16="http://schemas.microsoft.com/office/drawing/2014/main" id="{7DE6A792-EE4F-9A7F-1F19-CDA2B00D0647}"/>
+              </a:ext>
+            </a:extLst>
+          </p:cNvPr>
+          <p:cNvPicPr>
+            <a:picLocks noChangeAspect="1"/>
+          </p:cNvPicPr>
+          <p:nvPr/>
+        </p:nvPicPr>
+        <p:blipFill>
+          <a:blip r:embed="rId4"/>
+          <a:stretch>
+            <a:fillRect/>
+          </a:stretch>
+        </p:blipFill>
+        <p:spPr>
+          <a:xfrm>
+            <a:off x="6345383" y="2889052"/>
+            <a:ext cx="2479964" cy="2096775"/>
+          </a:xfrm>
+          <a:prstGeom prst="rect">
+            <a:avLst/>
+          </a:prstGeom>
+          <a:ln>
+            <a:noFill/>
+          </a:ln>
+          <a:effectLst/>
+        </p:spPr>
+      </p:pic>
     </p:spTree>
     <p:extLst>
       <p:ext uri="{BB962C8B-B14F-4D97-AF65-F5344CB8AC3E}">
@@ -11184,8 +11167,8 @@
         </p:nvSpPr>
         <p:spPr>
           <a:xfrm>
-            <a:off x="719997" y="1836044"/>
-            <a:ext cx="3287007" cy="612600"/>
+            <a:off x="719997" y="1836043"/>
+            <a:ext cx="3852003" cy="1265837"/>
           </a:xfrm>
           <a:prstGeom prst="rect">
             <a:avLst/>
@@ -11197,20 +11180,84 @@
           </a:bodyPr>
           <a:lstStyle/>
           <a:p>
-            <a:pPr marL="0" lvl="0" indent="0" algn="l" rtl="0">
-              <a:spcBef>
-                <a:spcPts val="0"/>
-              </a:spcBef>
-              <a:spcAft>
-                <a:spcPts val="0"/>
-              </a:spcAft>
-              <a:buNone/>
+            <a:pPr marL="285750" lvl="0" indent="-285750" algn="l" rtl="0">
+              <a:spcBef>
+                <a:spcPts val="0"/>
+              </a:spcBef>
+              <a:spcAft>
+                <a:spcPts val="0"/>
+              </a:spcAft>
+              <a:buFont typeface="Arial" panose="020B0604020202020204" pitchFamily="34" charset="0"/>
+              <a:buChar char="•"/>
             </a:pPr>
             <a:r>
               <a:rPr lang="en" dirty="0">
                 <a:latin typeface="Inter"/>
               </a:rPr>
-              <a:t>A</a:t>
+              <a:t>To classify this model, </a:t>
+            </a:r>
+            <a:r>
+              <a:rPr lang="pt-PT" b="1" dirty="0" err="1">
+                <a:latin typeface="Inter"/>
+              </a:rPr>
+              <a:t>DecisionTreeClassifier</a:t>
+            </a:r>
+            <a:r>
+              <a:rPr lang="pt-PT" dirty="0">
+                <a:latin typeface="Inter"/>
+              </a:rPr>
+              <a:t> </a:t>
+            </a:r>
+            <a:r>
+              <a:rPr lang="en-US" dirty="0">
+                <a:latin typeface="Inter"/>
+              </a:rPr>
+              <a:t>relative to the </a:t>
+            </a:r>
+            <a:r>
+              <a:rPr lang="en-US" b="1" dirty="0" err="1">
+                <a:latin typeface="Inter"/>
+              </a:rPr>
+              <a:t>sklearn.tree</a:t>
+            </a:r>
+            <a:r>
+              <a:rPr lang="en-US" b="1" dirty="0">
+                <a:latin typeface="Inter"/>
+              </a:rPr>
+              <a:t> </a:t>
+            </a:r>
+            <a:r>
+              <a:rPr lang="en-US" dirty="0">
+                <a:latin typeface="Inter"/>
+              </a:rPr>
+              <a:t>module was used. </a:t>
+            </a:r>
+            <a:endParaRPr lang="en" dirty="0">
+              <a:latin typeface="Inter"/>
+            </a:endParaRPr>
+          </a:p>
+          <a:p>
+            <a:pPr marL="285750" lvl="0" indent="-285750" algn="l" rtl="0">
+              <a:spcBef>
+                <a:spcPts val="0"/>
+              </a:spcBef>
+              <a:spcAft>
+                <a:spcPts val="0"/>
+              </a:spcAft>
+              <a:buFont typeface="Arial" panose="020B0604020202020204" pitchFamily="34" charset="0"/>
+              <a:buChar char="•"/>
+            </a:pPr>
+            <a:r>
+              <a:rPr lang="pt-PT" dirty="0" err="1">
+                <a:latin typeface="Inter"/>
+              </a:rPr>
+              <a:t>max_depth</a:t>
+            </a:r>
+            <a:r>
+              <a:rPr lang="pt-PT" dirty="0">
+                <a:latin typeface="Inter"/>
+              </a:rPr>
+              <a:t> = 5</a:t>
             </a:r>
             <a:endParaRPr dirty="0">
               <a:latin typeface="Inter"/>
@@ -11560,8 +11607,8 @@
         </p:nvSpPr>
         <p:spPr>
           <a:xfrm>
-            <a:off x="5136998" y="1816168"/>
-            <a:ext cx="3287007" cy="612600"/>
+            <a:off x="5136998" y="1816167"/>
+            <a:ext cx="3535947" cy="1285714"/>
           </a:xfrm>
           <a:prstGeom prst="rect">
             <a:avLst/>
@@ -11823,12 +11870,1368 @@
             </a:lvl9pPr>
           </a:lstStyle>
           <a:p>
-            <a:pPr marL="0" indent="0"/>
+            <a:pPr marL="285750" indent="-285750" algn="just">
+              <a:buFont typeface="Arial" panose="020B0604020202020204" pitchFamily="34" charset="0"/>
+              <a:buChar char="•"/>
+            </a:pPr>
             <a:r>
               <a:rPr lang="en-US" dirty="0">
                 <a:latin typeface="Inter"/>
               </a:rPr>
-              <a:t>A</a:t>
+              <a:t>The </a:t>
+            </a:r>
+            <a:r>
+              <a:rPr lang="en-US" b="1" dirty="0" err="1">
+                <a:latin typeface="Inter"/>
+              </a:rPr>
+              <a:t>sklearn</a:t>
+            </a:r>
+            <a:r>
+              <a:rPr lang="en-US" dirty="0">
+                <a:latin typeface="Inter"/>
+              </a:rPr>
+              <a:t> module </a:t>
+            </a:r>
+            <a:r>
+              <a:rPr lang="en-US" b="1" dirty="0" err="1">
+                <a:latin typeface="Inter"/>
+              </a:rPr>
+              <a:t>svm</a:t>
+            </a:r>
+            <a:r>
+              <a:rPr lang="en-US" dirty="0">
+                <a:latin typeface="Inter"/>
+              </a:rPr>
+              <a:t> was used.</a:t>
+            </a:r>
+          </a:p>
+          <a:p>
+            <a:pPr marL="285750" indent="-285750" algn="just">
+              <a:buFont typeface="Arial" panose="020B0604020202020204" pitchFamily="34" charset="0"/>
+              <a:buChar char="•"/>
+            </a:pPr>
+            <a:r>
+              <a:rPr lang="en-US" dirty="0">
+                <a:latin typeface="Inter"/>
+              </a:rPr>
+              <a:t>We use a smaller subset of the data to train the model faster. If we didn't, the model would not execute in doable time.</a:t>
+            </a:r>
+          </a:p>
+          <a:p>
+            <a:pPr marL="285750" indent="-285750" algn="just">
+              <a:buFont typeface="Arial" panose="020B0604020202020204" pitchFamily="34" charset="0"/>
+              <a:buChar char="•"/>
+            </a:pPr>
+            <a:r>
+              <a:rPr lang="en-US" dirty="0">
+                <a:latin typeface="Inter"/>
+              </a:rPr>
+              <a:t>kernel = '</a:t>
+            </a:r>
+            <a:r>
+              <a:rPr lang="en-US" dirty="0" err="1">
+                <a:latin typeface="Inter"/>
+              </a:rPr>
+              <a:t>rbf</a:t>
+            </a:r>
+            <a:r>
+              <a:rPr lang="en-US" dirty="0">
+                <a:latin typeface="Inter"/>
+              </a:rPr>
+              <a:t>'</a:t>
+            </a:r>
+          </a:p>
+        </p:txBody>
+      </p:sp>
+      <p:sp>
+        <p:nvSpPr>
+          <p:cNvPr id="2" name="Google Shape;242;p28">
+            <a:extLst>
+              <a:ext uri="{FF2B5EF4-FFF2-40B4-BE49-F238E27FC236}">
+                <a16:creationId xmlns:a16="http://schemas.microsoft.com/office/drawing/2014/main" id="{86607180-01D7-A59B-1B53-14066DBCA657}"/>
+              </a:ext>
+            </a:extLst>
+          </p:cNvPr>
+          <p:cNvSpPr txBox="1">
+            <a:spLocks/>
+          </p:cNvSpPr>
+          <p:nvPr/>
+        </p:nvSpPr>
+        <p:spPr>
+          <a:xfrm>
+            <a:off x="719993" y="3121757"/>
+            <a:ext cx="2869022" cy="371400"/>
+          </a:xfrm>
+          <a:prstGeom prst="rect">
+            <a:avLst/>
+          </a:prstGeom>
+          <a:noFill/>
+          <a:ln>
+            <a:noFill/>
+          </a:ln>
+        </p:spPr>
+        <p:txBody>
+          <a:bodyPr spcFirstLastPara="1" wrap="square" lIns="91425" tIns="91425" rIns="91425" bIns="91425" anchor="t" anchorCtr="0">
+            <a:noAutofit/>
+          </a:bodyPr>
+          <a:lstStyle>
+            <a:defPPr marR="0" lvl="0" algn="l" rtl="0">
+              <a:lnSpc>
+                <a:spcPct val="100000"/>
+              </a:lnSpc>
+              <a:spcBef>
+                <a:spcPts val="0"/>
+              </a:spcBef>
+              <a:spcAft>
+                <a:spcPts val="0"/>
+              </a:spcAft>
+            </a:defPPr>
+            <a:lvl1pPr marL="457200" marR="0" lvl="0" indent="-342900" algn="l" rtl="0">
+              <a:lnSpc>
+                <a:spcPct val="100000"/>
+              </a:lnSpc>
+              <a:spcBef>
+                <a:spcPts val="0"/>
+              </a:spcBef>
+              <a:spcAft>
+                <a:spcPts val="0"/>
+              </a:spcAft>
+              <a:buClr>
+                <a:schemeClr val="dk1"/>
+              </a:buClr>
+              <a:buSzPts val="1800"/>
+              <a:buFont typeface="Poppins"/>
+              <a:buNone/>
+              <a:defRPr sz="1800" b="0" i="0" u="none" strike="noStrike" cap="none">
+                <a:solidFill>
+                  <a:schemeClr val="dk1"/>
+                </a:solidFill>
+                <a:latin typeface="Poppins Black"/>
+                <a:ea typeface="Poppins Black"/>
+                <a:cs typeface="Poppins Black"/>
+                <a:sym typeface="Poppins Black"/>
+              </a:defRPr>
+            </a:lvl1pPr>
+            <a:lvl2pPr marL="914400" marR="0" lvl="1" indent="-317500" algn="l" rtl="0">
+              <a:lnSpc>
+                <a:spcPct val="100000"/>
+              </a:lnSpc>
+              <a:spcBef>
+                <a:spcPts val="1600"/>
+              </a:spcBef>
+              <a:spcAft>
+                <a:spcPts val="0"/>
+              </a:spcAft>
+              <a:buClr>
+                <a:schemeClr val="dk1"/>
+              </a:buClr>
+              <a:buSzPts val="1400"/>
+              <a:buFont typeface="Poppins"/>
+              <a:buNone/>
+              <a:defRPr sz="1400" b="0" i="0" u="none" strike="noStrike" cap="none">
+                <a:solidFill>
+                  <a:schemeClr val="dk1"/>
+                </a:solidFill>
+                <a:latin typeface="Poppins Black"/>
+                <a:ea typeface="Poppins Black"/>
+                <a:cs typeface="Poppins Black"/>
+                <a:sym typeface="Poppins Black"/>
+              </a:defRPr>
+            </a:lvl2pPr>
+            <a:lvl3pPr marL="1371600" marR="0" lvl="2" indent="-317500" algn="l" rtl="0">
+              <a:lnSpc>
+                <a:spcPct val="100000"/>
+              </a:lnSpc>
+              <a:spcBef>
+                <a:spcPts val="1600"/>
+              </a:spcBef>
+              <a:spcAft>
+                <a:spcPts val="0"/>
+              </a:spcAft>
+              <a:buClr>
+                <a:schemeClr val="dk1"/>
+              </a:buClr>
+              <a:buSzPts val="1400"/>
+              <a:buFont typeface="Poppins"/>
+              <a:buNone/>
+              <a:defRPr sz="1400" b="0" i="0" u="none" strike="noStrike" cap="none">
+                <a:solidFill>
+                  <a:schemeClr val="dk1"/>
+                </a:solidFill>
+                <a:latin typeface="Poppins Black"/>
+                <a:ea typeface="Poppins Black"/>
+                <a:cs typeface="Poppins Black"/>
+                <a:sym typeface="Poppins Black"/>
+              </a:defRPr>
+            </a:lvl3pPr>
+            <a:lvl4pPr marL="1828800" marR="0" lvl="3" indent="-317500" algn="l" rtl="0">
+              <a:lnSpc>
+                <a:spcPct val="100000"/>
+              </a:lnSpc>
+              <a:spcBef>
+                <a:spcPts val="1600"/>
+              </a:spcBef>
+              <a:spcAft>
+                <a:spcPts val="0"/>
+              </a:spcAft>
+              <a:buClr>
+                <a:schemeClr val="dk1"/>
+              </a:buClr>
+              <a:buSzPts val="1400"/>
+              <a:buFont typeface="Poppins"/>
+              <a:buNone/>
+              <a:defRPr sz="1400" b="0" i="0" u="none" strike="noStrike" cap="none">
+                <a:solidFill>
+                  <a:schemeClr val="dk1"/>
+                </a:solidFill>
+                <a:latin typeface="Poppins Black"/>
+                <a:ea typeface="Poppins Black"/>
+                <a:cs typeface="Poppins Black"/>
+                <a:sym typeface="Poppins Black"/>
+              </a:defRPr>
+            </a:lvl4pPr>
+            <a:lvl5pPr marL="2286000" marR="0" lvl="4" indent="-317500" algn="l" rtl="0">
+              <a:lnSpc>
+                <a:spcPct val="100000"/>
+              </a:lnSpc>
+              <a:spcBef>
+                <a:spcPts val="1600"/>
+              </a:spcBef>
+              <a:spcAft>
+                <a:spcPts val="0"/>
+              </a:spcAft>
+              <a:buClr>
+                <a:schemeClr val="dk1"/>
+              </a:buClr>
+              <a:buSzPts val="1400"/>
+              <a:buFont typeface="Poppins"/>
+              <a:buNone/>
+              <a:defRPr sz="1400" b="0" i="0" u="none" strike="noStrike" cap="none">
+                <a:solidFill>
+                  <a:schemeClr val="dk1"/>
+                </a:solidFill>
+                <a:latin typeface="Poppins Black"/>
+                <a:ea typeface="Poppins Black"/>
+                <a:cs typeface="Poppins Black"/>
+                <a:sym typeface="Poppins Black"/>
+              </a:defRPr>
+            </a:lvl5pPr>
+            <a:lvl6pPr marL="2743200" marR="0" lvl="5" indent="-317500" algn="l" rtl="0">
+              <a:lnSpc>
+                <a:spcPct val="100000"/>
+              </a:lnSpc>
+              <a:spcBef>
+                <a:spcPts val="1600"/>
+              </a:spcBef>
+              <a:spcAft>
+                <a:spcPts val="0"/>
+              </a:spcAft>
+              <a:buClr>
+                <a:schemeClr val="dk1"/>
+              </a:buClr>
+              <a:buSzPts val="1400"/>
+              <a:buFont typeface="Poppins"/>
+              <a:buNone/>
+              <a:defRPr sz="1400" b="0" i="0" u="none" strike="noStrike" cap="none">
+                <a:solidFill>
+                  <a:schemeClr val="dk1"/>
+                </a:solidFill>
+                <a:latin typeface="Poppins Black"/>
+                <a:ea typeface="Poppins Black"/>
+                <a:cs typeface="Poppins Black"/>
+                <a:sym typeface="Poppins Black"/>
+              </a:defRPr>
+            </a:lvl6pPr>
+            <a:lvl7pPr marL="3200400" marR="0" lvl="6" indent="-317500" algn="l" rtl="0">
+              <a:lnSpc>
+                <a:spcPct val="100000"/>
+              </a:lnSpc>
+              <a:spcBef>
+                <a:spcPts val="1600"/>
+              </a:spcBef>
+              <a:spcAft>
+                <a:spcPts val="0"/>
+              </a:spcAft>
+              <a:buClr>
+                <a:schemeClr val="dk1"/>
+              </a:buClr>
+              <a:buSzPts val="1400"/>
+              <a:buFont typeface="Poppins"/>
+              <a:buNone/>
+              <a:defRPr sz="1400" b="0" i="0" u="none" strike="noStrike" cap="none">
+                <a:solidFill>
+                  <a:schemeClr val="dk1"/>
+                </a:solidFill>
+                <a:latin typeface="Poppins Black"/>
+                <a:ea typeface="Poppins Black"/>
+                <a:cs typeface="Poppins Black"/>
+                <a:sym typeface="Poppins Black"/>
+              </a:defRPr>
+            </a:lvl7pPr>
+            <a:lvl8pPr marL="3657600" marR="0" lvl="7" indent="-317500" algn="l" rtl="0">
+              <a:lnSpc>
+                <a:spcPct val="100000"/>
+              </a:lnSpc>
+              <a:spcBef>
+                <a:spcPts val="1600"/>
+              </a:spcBef>
+              <a:spcAft>
+                <a:spcPts val="0"/>
+              </a:spcAft>
+              <a:buClr>
+                <a:schemeClr val="dk1"/>
+              </a:buClr>
+              <a:buSzPts val="1400"/>
+              <a:buFont typeface="Poppins"/>
+              <a:buNone/>
+              <a:defRPr sz="1400" b="0" i="0" u="none" strike="noStrike" cap="none">
+                <a:solidFill>
+                  <a:schemeClr val="dk1"/>
+                </a:solidFill>
+                <a:latin typeface="Poppins Black"/>
+                <a:ea typeface="Poppins Black"/>
+                <a:cs typeface="Poppins Black"/>
+                <a:sym typeface="Poppins Black"/>
+              </a:defRPr>
+            </a:lvl8pPr>
+            <a:lvl9pPr marL="4114800" marR="0" lvl="8" indent="-317500" algn="l" rtl="0">
+              <a:lnSpc>
+                <a:spcPct val="100000"/>
+              </a:lnSpc>
+              <a:spcBef>
+                <a:spcPts val="1600"/>
+              </a:spcBef>
+              <a:spcAft>
+                <a:spcPts val="1600"/>
+              </a:spcAft>
+              <a:buClr>
+                <a:schemeClr val="dk1"/>
+              </a:buClr>
+              <a:buSzPts val="1400"/>
+              <a:buFont typeface="Poppins"/>
+              <a:buNone/>
+              <a:defRPr sz="1400" b="0" i="0" u="none" strike="noStrike" cap="none">
+                <a:solidFill>
+                  <a:schemeClr val="dk1"/>
+                </a:solidFill>
+                <a:latin typeface="Poppins Black"/>
+                <a:ea typeface="Poppins Black"/>
+                <a:cs typeface="Poppins Black"/>
+                <a:sym typeface="Poppins Black"/>
+              </a:defRPr>
+            </a:lvl9pPr>
+          </a:lstStyle>
+          <a:p>
+            <a:pPr marL="0" indent="0">
+              <a:spcAft>
+                <a:spcPts val="1600"/>
+              </a:spcAft>
+            </a:pPr>
+            <a:r>
+              <a:rPr lang="pt-PT">
+                <a:latin typeface="Poppins" panose="00000500000000000000" pitchFamily="2" charset="0"/>
+                <a:cs typeface="Poppins" panose="00000500000000000000" pitchFamily="2" charset="0"/>
+              </a:rPr>
+              <a:t>K-Nearest Neightbours</a:t>
+            </a:r>
+            <a:endParaRPr lang="pt-PT" dirty="0">
+              <a:latin typeface="Poppins" panose="00000500000000000000" pitchFamily="2" charset="0"/>
+              <a:cs typeface="Poppins" panose="00000500000000000000" pitchFamily="2" charset="0"/>
+            </a:endParaRPr>
+          </a:p>
+        </p:txBody>
+      </p:sp>
+      <p:sp>
+        <p:nvSpPr>
+          <p:cNvPr id="3" name="Google Shape;244;p28">
+            <a:extLst>
+              <a:ext uri="{FF2B5EF4-FFF2-40B4-BE49-F238E27FC236}">
+                <a16:creationId xmlns:a16="http://schemas.microsoft.com/office/drawing/2014/main" id="{C2F98797-D09C-FEB9-DAC0-37640CEC82CD}"/>
+              </a:ext>
+            </a:extLst>
+          </p:cNvPr>
+          <p:cNvSpPr txBox="1">
+            <a:spLocks/>
+          </p:cNvSpPr>
+          <p:nvPr/>
+        </p:nvSpPr>
+        <p:spPr>
+          <a:xfrm>
+            <a:off x="719994" y="3473281"/>
+            <a:ext cx="3616480" cy="1026604"/>
+          </a:xfrm>
+          <a:prstGeom prst="rect">
+            <a:avLst/>
+          </a:prstGeom>
+          <a:noFill/>
+          <a:ln>
+            <a:noFill/>
+          </a:ln>
+        </p:spPr>
+        <p:txBody>
+          <a:bodyPr spcFirstLastPara="1" wrap="square" lIns="91425" tIns="91425" rIns="91425" bIns="91425" anchor="t" anchorCtr="0">
+            <a:noAutofit/>
+          </a:bodyPr>
+          <a:lstStyle>
+            <a:defPPr marR="0" lvl="0" algn="l" rtl="0">
+              <a:lnSpc>
+                <a:spcPct val="100000"/>
+              </a:lnSpc>
+              <a:spcBef>
+                <a:spcPts val="0"/>
+              </a:spcBef>
+              <a:spcAft>
+                <a:spcPts val="0"/>
+              </a:spcAft>
+            </a:defPPr>
+            <a:lvl1pPr marL="457200" marR="0" lvl="0" indent="-342900" algn="l" rtl="0">
+              <a:lnSpc>
+                <a:spcPct val="100000"/>
+              </a:lnSpc>
+              <a:spcBef>
+                <a:spcPts val="0"/>
+              </a:spcBef>
+              <a:spcAft>
+                <a:spcPts val="0"/>
+              </a:spcAft>
+              <a:buClr>
+                <a:schemeClr val="dk1"/>
+              </a:buClr>
+              <a:buSzPts val="1800"/>
+              <a:buFont typeface="Poppins"/>
+              <a:buNone/>
+              <a:defRPr sz="1400" b="0" i="0" u="none" strike="noStrike" cap="none">
+                <a:solidFill>
+                  <a:schemeClr val="dk1"/>
+                </a:solidFill>
+                <a:latin typeface="Poppins"/>
+                <a:ea typeface="Poppins"/>
+                <a:cs typeface="Poppins"/>
+                <a:sym typeface="Poppins"/>
+              </a:defRPr>
+            </a:lvl1pPr>
+            <a:lvl2pPr marL="914400" marR="0" lvl="1" indent="-317500" algn="l" rtl="0">
+              <a:lnSpc>
+                <a:spcPct val="100000"/>
+              </a:lnSpc>
+              <a:spcBef>
+                <a:spcPts val="0"/>
+              </a:spcBef>
+              <a:spcAft>
+                <a:spcPts val="0"/>
+              </a:spcAft>
+              <a:buClr>
+                <a:schemeClr val="dk1"/>
+              </a:buClr>
+              <a:buSzPts val="1400"/>
+              <a:buFont typeface="Poppins"/>
+              <a:buNone/>
+              <a:defRPr sz="1400" b="0" i="0" u="none" strike="noStrike" cap="none">
+                <a:solidFill>
+                  <a:schemeClr val="dk1"/>
+                </a:solidFill>
+                <a:latin typeface="Poppins"/>
+                <a:ea typeface="Poppins"/>
+                <a:cs typeface="Poppins"/>
+                <a:sym typeface="Poppins"/>
+              </a:defRPr>
+            </a:lvl2pPr>
+            <a:lvl3pPr marL="1371600" marR="0" lvl="2" indent="-317500" algn="l" rtl="0">
+              <a:lnSpc>
+                <a:spcPct val="100000"/>
+              </a:lnSpc>
+              <a:spcBef>
+                <a:spcPts val="0"/>
+              </a:spcBef>
+              <a:spcAft>
+                <a:spcPts val="0"/>
+              </a:spcAft>
+              <a:buClr>
+                <a:schemeClr val="dk1"/>
+              </a:buClr>
+              <a:buSzPts val="1400"/>
+              <a:buFont typeface="Poppins"/>
+              <a:buNone/>
+              <a:defRPr sz="1400" b="0" i="0" u="none" strike="noStrike" cap="none">
+                <a:solidFill>
+                  <a:schemeClr val="dk1"/>
+                </a:solidFill>
+                <a:latin typeface="Poppins"/>
+                <a:ea typeface="Poppins"/>
+                <a:cs typeface="Poppins"/>
+                <a:sym typeface="Poppins"/>
+              </a:defRPr>
+            </a:lvl3pPr>
+            <a:lvl4pPr marL="1828800" marR="0" lvl="3" indent="-317500" algn="l" rtl="0">
+              <a:lnSpc>
+                <a:spcPct val="100000"/>
+              </a:lnSpc>
+              <a:spcBef>
+                <a:spcPts val="0"/>
+              </a:spcBef>
+              <a:spcAft>
+                <a:spcPts val="0"/>
+              </a:spcAft>
+              <a:buClr>
+                <a:schemeClr val="dk1"/>
+              </a:buClr>
+              <a:buSzPts val="1400"/>
+              <a:buFont typeface="Poppins"/>
+              <a:buNone/>
+              <a:defRPr sz="1400" b="0" i="0" u="none" strike="noStrike" cap="none">
+                <a:solidFill>
+                  <a:schemeClr val="dk1"/>
+                </a:solidFill>
+                <a:latin typeface="Poppins"/>
+                <a:ea typeface="Poppins"/>
+                <a:cs typeface="Poppins"/>
+                <a:sym typeface="Poppins"/>
+              </a:defRPr>
+            </a:lvl4pPr>
+            <a:lvl5pPr marL="2286000" marR="0" lvl="4" indent="-317500" algn="l" rtl="0">
+              <a:lnSpc>
+                <a:spcPct val="100000"/>
+              </a:lnSpc>
+              <a:spcBef>
+                <a:spcPts val="0"/>
+              </a:spcBef>
+              <a:spcAft>
+                <a:spcPts val="0"/>
+              </a:spcAft>
+              <a:buClr>
+                <a:schemeClr val="dk1"/>
+              </a:buClr>
+              <a:buSzPts val="1400"/>
+              <a:buFont typeface="Poppins"/>
+              <a:buNone/>
+              <a:defRPr sz="1400" b="0" i="0" u="none" strike="noStrike" cap="none">
+                <a:solidFill>
+                  <a:schemeClr val="dk1"/>
+                </a:solidFill>
+                <a:latin typeface="Poppins"/>
+                <a:ea typeface="Poppins"/>
+                <a:cs typeface="Poppins"/>
+                <a:sym typeface="Poppins"/>
+              </a:defRPr>
+            </a:lvl5pPr>
+            <a:lvl6pPr marL="2743200" marR="0" lvl="5" indent="-317500" algn="l" rtl="0">
+              <a:lnSpc>
+                <a:spcPct val="100000"/>
+              </a:lnSpc>
+              <a:spcBef>
+                <a:spcPts val="0"/>
+              </a:spcBef>
+              <a:spcAft>
+                <a:spcPts val="0"/>
+              </a:spcAft>
+              <a:buClr>
+                <a:schemeClr val="dk1"/>
+              </a:buClr>
+              <a:buSzPts val="1400"/>
+              <a:buFont typeface="Poppins"/>
+              <a:buNone/>
+              <a:defRPr sz="1400" b="0" i="0" u="none" strike="noStrike" cap="none">
+                <a:solidFill>
+                  <a:schemeClr val="dk1"/>
+                </a:solidFill>
+                <a:latin typeface="Poppins"/>
+                <a:ea typeface="Poppins"/>
+                <a:cs typeface="Poppins"/>
+                <a:sym typeface="Poppins"/>
+              </a:defRPr>
+            </a:lvl6pPr>
+            <a:lvl7pPr marL="3200400" marR="0" lvl="6" indent="-317500" algn="l" rtl="0">
+              <a:lnSpc>
+                <a:spcPct val="100000"/>
+              </a:lnSpc>
+              <a:spcBef>
+                <a:spcPts val="0"/>
+              </a:spcBef>
+              <a:spcAft>
+                <a:spcPts val="0"/>
+              </a:spcAft>
+              <a:buClr>
+                <a:schemeClr val="dk1"/>
+              </a:buClr>
+              <a:buSzPts val="1400"/>
+              <a:buFont typeface="Poppins"/>
+              <a:buNone/>
+              <a:defRPr sz="1400" b="0" i="0" u="none" strike="noStrike" cap="none">
+                <a:solidFill>
+                  <a:schemeClr val="dk1"/>
+                </a:solidFill>
+                <a:latin typeface="Poppins"/>
+                <a:ea typeface="Poppins"/>
+                <a:cs typeface="Poppins"/>
+                <a:sym typeface="Poppins"/>
+              </a:defRPr>
+            </a:lvl7pPr>
+            <a:lvl8pPr marL="3657600" marR="0" lvl="7" indent="-317500" algn="l" rtl="0">
+              <a:lnSpc>
+                <a:spcPct val="100000"/>
+              </a:lnSpc>
+              <a:spcBef>
+                <a:spcPts val="0"/>
+              </a:spcBef>
+              <a:spcAft>
+                <a:spcPts val="0"/>
+              </a:spcAft>
+              <a:buClr>
+                <a:schemeClr val="dk1"/>
+              </a:buClr>
+              <a:buSzPts val="1400"/>
+              <a:buFont typeface="Poppins"/>
+              <a:buNone/>
+              <a:defRPr sz="1400" b="0" i="0" u="none" strike="noStrike" cap="none">
+                <a:solidFill>
+                  <a:schemeClr val="dk1"/>
+                </a:solidFill>
+                <a:latin typeface="Poppins"/>
+                <a:ea typeface="Poppins"/>
+                <a:cs typeface="Poppins"/>
+                <a:sym typeface="Poppins"/>
+              </a:defRPr>
+            </a:lvl8pPr>
+            <a:lvl9pPr marL="4114800" marR="0" lvl="8" indent="-317500" algn="l" rtl="0">
+              <a:lnSpc>
+                <a:spcPct val="100000"/>
+              </a:lnSpc>
+              <a:spcBef>
+                <a:spcPts val="0"/>
+              </a:spcBef>
+              <a:spcAft>
+                <a:spcPts val="0"/>
+              </a:spcAft>
+              <a:buClr>
+                <a:schemeClr val="dk1"/>
+              </a:buClr>
+              <a:buSzPts val="1400"/>
+              <a:buFont typeface="Poppins"/>
+              <a:buNone/>
+              <a:defRPr sz="1400" b="0" i="0" u="none" strike="noStrike" cap="none">
+                <a:solidFill>
+                  <a:schemeClr val="dk1"/>
+                </a:solidFill>
+                <a:latin typeface="Poppins"/>
+                <a:ea typeface="Poppins"/>
+                <a:cs typeface="Poppins"/>
+                <a:sym typeface="Poppins"/>
+              </a:defRPr>
+            </a:lvl9pPr>
+          </a:lstStyle>
+          <a:p>
+            <a:pPr marL="285750" indent="-285750" algn="just">
+              <a:buFont typeface="Arial" panose="020B0604020202020204" pitchFamily="34" charset="0"/>
+              <a:buChar char="•"/>
+            </a:pPr>
+            <a:r>
+              <a:rPr lang="en-US" dirty="0">
+                <a:latin typeface="Inter"/>
+              </a:rPr>
+              <a:t>To classify this model, </a:t>
+            </a:r>
+            <a:r>
+              <a:rPr lang="en-US" b="1" dirty="0" err="1">
+                <a:latin typeface="Inter"/>
+              </a:rPr>
+              <a:t>KNeighborsClassifier</a:t>
+            </a:r>
+            <a:r>
+              <a:rPr lang="en-US" dirty="0">
+                <a:latin typeface="Inter"/>
+              </a:rPr>
+              <a:t> relative to the </a:t>
+            </a:r>
+            <a:r>
+              <a:rPr lang="en-US" b="1" dirty="0" err="1">
+                <a:latin typeface="Inter"/>
+              </a:rPr>
+              <a:t>sklearn.neighbors</a:t>
+            </a:r>
+            <a:r>
+              <a:rPr lang="en-US" b="1" dirty="0">
+                <a:latin typeface="Inter"/>
+              </a:rPr>
+              <a:t> </a:t>
+            </a:r>
+            <a:r>
+              <a:rPr lang="en-US" dirty="0">
+                <a:latin typeface="Inter"/>
+              </a:rPr>
+              <a:t>module was used. </a:t>
+            </a:r>
+          </a:p>
+          <a:p>
+            <a:pPr marL="285750" indent="-285750" algn="just">
+              <a:buFont typeface="Arial" panose="020B0604020202020204" pitchFamily="34" charset="0"/>
+              <a:buChar char="•"/>
+            </a:pPr>
+            <a:r>
+              <a:rPr lang="en-US" dirty="0" err="1">
+                <a:latin typeface="Inter"/>
+              </a:rPr>
+              <a:t>n_neighbors</a:t>
+            </a:r>
+            <a:r>
+              <a:rPr lang="en-US" dirty="0">
+                <a:latin typeface="Inter"/>
+              </a:rPr>
+              <a:t> = 5</a:t>
+            </a:r>
+            <a:endParaRPr lang="pt-PT" dirty="0">
+              <a:latin typeface="Inter"/>
+            </a:endParaRPr>
+          </a:p>
+        </p:txBody>
+      </p:sp>
+      <p:sp>
+        <p:nvSpPr>
+          <p:cNvPr id="4" name="Google Shape;242;p28">
+            <a:extLst>
+              <a:ext uri="{FF2B5EF4-FFF2-40B4-BE49-F238E27FC236}">
+                <a16:creationId xmlns:a16="http://schemas.microsoft.com/office/drawing/2014/main" id="{9EAF30D0-B464-D528-3C9B-5968660FD105}"/>
+              </a:ext>
+            </a:extLst>
+          </p:cNvPr>
+          <p:cNvSpPr txBox="1">
+            <a:spLocks/>
+          </p:cNvSpPr>
+          <p:nvPr/>
+        </p:nvSpPr>
+        <p:spPr>
+          <a:xfrm>
+            <a:off x="5136994" y="3101881"/>
+            <a:ext cx="2682600" cy="371400"/>
+          </a:xfrm>
+          <a:prstGeom prst="rect">
+            <a:avLst/>
+          </a:prstGeom>
+          <a:noFill/>
+          <a:ln>
+            <a:noFill/>
+          </a:ln>
+        </p:spPr>
+        <p:txBody>
+          <a:bodyPr spcFirstLastPara="1" wrap="square" lIns="91425" tIns="91425" rIns="91425" bIns="91425" anchor="t" anchorCtr="0">
+            <a:noAutofit/>
+          </a:bodyPr>
+          <a:lstStyle>
+            <a:defPPr marR="0" lvl="0" algn="l" rtl="0">
+              <a:lnSpc>
+                <a:spcPct val="100000"/>
+              </a:lnSpc>
+              <a:spcBef>
+                <a:spcPts val="0"/>
+              </a:spcBef>
+              <a:spcAft>
+                <a:spcPts val="0"/>
+              </a:spcAft>
+            </a:defPPr>
+            <a:lvl1pPr marL="457200" marR="0" lvl="0" indent="-342900" algn="l" rtl="0">
+              <a:lnSpc>
+                <a:spcPct val="100000"/>
+              </a:lnSpc>
+              <a:spcBef>
+                <a:spcPts val="0"/>
+              </a:spcBef>
+              <a:spcAft>
+                <a:spcPts val="0"/>
+              </a:spcAft>
+              <a:buClr>
+                <a:schemeClr val="dk1"/>
+              </a:buClr>
+              <a:buSzPts val="1800"/>
+              <a:buFont typeface="Poppins"/>
+              <a:buNone/>
+              <a:defRPr sz="1800" b="0" i="0" u="none" strike="noStrike" cap="none">
+                <a:solidFill>
+                  <a:schemeClr val="dk1"/>
+                </a:solidFill>
+                <a:latin typeface="Poppins Black"/>
+                <a:ea typeface="Poppins Black"/>
+                <a:cs typeface="Poppins Black"/>
+                <a:sym typeface="Poppins Black"/>
+              </a:defRPr>
+            </a:lvl1pPr>
+            <a:lvl2pPr marL="914400" marR="0" lvl="1" indent="-317500" algn="l" rtl="0">
+              <a:lnSpc>
+                <a:spcPct val="100000"/>
+              </a:lnSpc>
+              <a:spcBef>
+                <a:spcPts val="1600"/>
+              </a:spcBef>
+              <a:spcAft>
+                <a:spcPts val="0"/>
+              </a:spcAft>
+              <a:buClr>
+                <a:schemeClr val="dk1"/>
+              </a:buClr>
+              <a:buSzPts val="1400"/>
+              <a:buFont typeface="Poppins"/>
+              <a:buNone/>
+              <a:defRPr sz="1400" b="0" i="0" u="none" strike="noStrike" cap="none">
+                <a:solidFill>
+                  <a:schemeClr val="dk1"/>
+                </a:solidFill>
+                <a:latin typeface="Poppins Black"/>
+                <a:ea typeface="Poppins Black"/>
+                <a:cs typeface="Poppins Black"/>
+                <a:sym typeface="Poppins Black"/>
+              </a:defRPr>
+            </a:lvl2pPr>
+            <a:lvl3pPr marL="1371600" marR="0" lvl="2" indent="-317500" algn="l" rtl="0">
+              <a:lnSpc>
+                <a:spcPct val="100000"/>
+              </a:lnSpc>
+              <a:spcBef>
+                <a:spcPts val="1600"/>
+              </a:spcBef>
+              <a:spcAft>
+                <a:spcPts val="0"/>
+              </a:spcAft>
+              <a:buClr>
+                <a:schemeClr val="dk1"/>
+              </a:buClr>
+              <a:buSzPts val="1400"/>
+              <a:buFont typeface="Poppins"/>
+              <a:buNone/>
+              <a:defRPr sz="1400" b="0" i="0" u="none" strike="noStrike" cap="none">
+                <a:solidFill>
+                  <a:schemeClr val="dk1"/>
+                </a:solidFill>
+                <a:latin typeface="Poppins Black"/>
+                <a:ea typeface="Poppins Black"/>
+                <a:cs typeface="Poppins Black"/>
+                <a:sym typeface="Poppins Black"/>
+              </a:defRPr>
+            </a:lvl3pPr>
+            <a:lvl4pPr marL="1828800" marR="0" lvl="3" indent="-317500" algn="l" rtl="0">
+              <a:lnSpc>
+                <a:spcPct val="100000"/>
+              </a:lnSpc>
+              <a:spcBef>
+                <a:spcPts val="1600"/>
+              </a:spcBef>
+              <a:spcAft>
+                <a:spcPts val="0"/>
+              </a:spcAft>
+              <a:buClr>
+                <a:schemeClr val="dk1"/>
+              </a:buClr>
+              <a:buSzPts val="1400"/>
+              <a:buFont typeface="Poppins"/>
+              <a:buNone/>
+              <a:defRPr sz="1400" b="0" i="0" u="none" strike="noStrike" cap="none">
+                <a:solidFill>
+                  <a:schemeClr val="dk1"/>
+                </a:solidFill>
+                <a:latin typeface="Poppins Black"/>
+                <a:ea typeface="Poppins Black"/>
+                <a:cs typeface="Poppins Black"/>
+                <a:sym typeface="Poppins Black"/>
+              </a:defRPr>
+            </a:lvl4pPr>
+            <a:lvl5pPr marL="2286000" marR="0" lvl="4" indent="-317500" algn="l" rtl="0">
+              <a:lnSpc>
+                <a:spcPct val="100000"/>
+              </a:lnSpc>
+              <a:spcBef>
+                <a:spcPts val="1600"/>
+              </a:spcBef>
+              <a:spcAft>
+                <a:spcPts val="0"/>
+              </a:spcAft>
+              <a:buClr>
+                <a:schemeClr val="dk1"/>
+              </a:buClr>
+              <a:buSzPts val="1400"/>
+              <a:buFont typeface="Poppins"/>
+              <a:buNone/>
+              <a:defRPr sz="1400" b="0" i="0" u="none" strike="noStrike" cap="none">
+                <a:solidFill>
+                  <a:schemeClr val="dk1"/>
+                </a:solidFill>
+                <a:latin typeface="Poppins Black"/>
+                <a:ea typeface="Poppins Black"/>
+                <a:cs typeface="Poppins Black"/>
+                <a:sym typeface="Poppins Black"/>
+              </a:defRPr>
+            </a:lvl5pPr>
+            <a:lvl6pPr marL="2743200" marR="0" lvl="5" indent="-317500" algn="l" rtl="0">
+              <a:lnSpc>
+                <a:spcPct val="100000"/>
+              </a:lnSpc>
+              <a:spcBef>
+                <a:spcPts val="1600"/>
+              </a:spcBef>
+              <a:spcAft>
+                <a:spcPts val="0"/>
+              </a:spcAft>
+              <a:buClr>
+                <a:schemeClr val="dk1"/>
+              </a:buClr>
+              <a:buSzPts val="1400"/>
+              <a:buFont typeface="Poppins"/>
+              <a:buNone/>
+              <a:defRPr sz="1400" b="0" i="0" u="none" strike="noStrike" cap="none">
+                <a:solidFill>
+                  <a:schemeClr val="dk1"/>
+                </a:solidFill>
+                <a:latin typeface="Poppins Black"/>
+                <a:ea typeface="Poppins Black"/>
+                <a:cs typeface="Poppins Black"/>
+                <a:sym typeface="Poppins Black"/>
+              </a:defRPr>
+            </a:lvl6pPr>
+            <a:lvl7pPr marL="3200400" marR="0" lvl="6" indent="-317500" algn="l" rtl="0">
+              <a:lnSpc>
+                <a:spcPct val="100000"/>
+              </a:lnSpc>
+              <a:spcBef>
+                <a:spcPts val="1600"/>
+              </a:spcBef>
+              <a:spcAft>
+                <a:spcPts val="0"/>
+              </a:spcAft>
+              <a:buClr>
+                <a:schemeClr val="dk1"/>
+              </a:buClr>
+              <a:buSzPts val="1400"/>
+              <a:buFont typeface="Poppins"/>
+              <a:buNone/>
+              <a:defRPr sz="1400" b="0" i="0" u="none" strike="noStrike" cap="none">
+                <a:solidFill>
+                  <a:schemeClr val="dk1"/>
+                </a:solidFill>
+                <a:latin typeface="Poppins Black"/>
+                <a:ea typeface="Poppins Black"/>
+                <a:cs typeface="Poppins Black"/>
+                <a:sym typeface="Poppins Black"/>
+              </a:defRPr>
+            </a:lvl7pPr>
+            <a:lvl8pPr marL="3657600" marR="0" lvl="7" indent="-317500" algn="l" rtl="0">
+              <a:lnSpc>
+                <a:spcPct val="100000"/>
+              </a:lnSpc>
+              <a:spcBef>
+                <a:spcPts val="1600"/>
+              </a:spcBef>
+              <a:spcAft>
+                <a:spcPts val="0"/>
+              </a:spcAft>
+              <a:buClr>
+                <a:schemeClr val="dk1"/>
+              </a:buClr>
+              <a:buSzPts val="1400"/>
+              <a:buFont typeface="Poppins"/>
+              <a:buNone/>
+              <a:defRPr sz="1400" b="0" i="0" u="none" strike="noStrike" cap="none">
+                <a:solidFill>
+                  <a:schemeClr val="dk1"/>
+                </a:solidFill>
+                <a:latin typeface="Poppins Black"/>
+                <a:ea typeface="Poppins Black"/>
+                <a:cs typeface="Poppins Black"/>
+                <a:sym typeface="Poppins Black"/>
+              </a:defRPr>
+            </a:lvl8pPr>
+            <a:lvl9pPr marL="4114800" marR="0" lvl="8" indent="-317500" algn="l" rtl="0">
+              <a:lnSpc>
+                <a:spcPct val="100000"/>
+              </a:lnSpc>
+              <a:spcBef>
+                <a:spcPts val="1600"/>
+              </a:spcBef>
+              <a:spcAft>
+                <a:spcPts val="1600"/>
+              </a:spcAft>
+              <a:buClr>
+                <a:schemeClr val="dk1"/>
+              </a:buClr>
+              <a:buSzPts val="1400"/>
+              <a:buFont typeface="Poppins"/>
+              <a:buNone/>
+              <a:defRPr sz="1400" b="0" i="0" u="none" strike="noStrike" cap="none">
+                <a:solidFill>
+                  <a:schemeClr val="dk1"/>
+                </a:solidFill>
+                <a:latin typeface="Poppins Black"/>
+                <a:ea typeface="Poppins Black"/>
+                <a:cs typeface="Poppins Black"/>
+                <a:sym typeface="Poppins Black"/>
+              </a:defRPr>
+            </a:lvl9pPr>
+          </a:lstStyle>
+          <a:p>
+            <a:pPr marL="0" indent="0">
+              <a:spcAft>
+                <a:spcPts val="1600"/>
+              </a:spcAft>
+            </a:pPr>
+            <a:r>
+              <a:rPr lang="pt-PT" dirty="0">
+                <a:latin typeface="Poppins" panose="00000500000000000000" pitchFamily="2" charset="0"/>
+                <a:cs typeface="Poppins" panose="00000500000000000000" pitchFamily="2" charset="0"/>
+              </a:rPr>
+              <a:t>Neural Networks</a:t>
+            </a:r>
+          </a:p>
+        </p:txBody>
+      </p:sp>
+      <p:sp>
+        <p:nvSpPr>
+          <p:cNvPr id="5" name="Google Shape;244;p28">
+            <a:extLst>
+              <a:ext uri="{FF2B5EF4-FFF2-40B4-BE49-F238E27FC236}">
+                <a16:creationId xmlns:a16="http://schemas.microsoft.com/office/drawing/2014/main" id="{6C8D2E74-1E39-AF88-FDB9-3DE12D221B2C}"/>
+              </a:ext>
+            </a:extLst>
+          </p:cNvPr>
+          <p:cNvSpPr txBox="1">
+            <a:spLocks/>
+          </p:cNvSpPr>
+          <p:nvPr/>
+        </p:nvSpPr>
+        <p:spPr>
+          <a:xfrm>
+            <a:off x="5136993" y="3453404"/>
+            <a:ext cx="3348916" cy="1423396"/>
+          </a:xfrm>
+          <a:prstGeom prst="rect">
+            <a:avLst/>
+          </a:prstGeom>
+          <a:noFill/>
+          <a:ln>
+            <a:noFill/>
+          </a:ln>
+        </p:spPr>
+        <p:txBody>
+          <a:bodyPr spcFirstLastPara="1" wrap="square" lIns="91425" tIns="91425" rIns="91425" bIns="91425" anchor="t" anchorCtr="0">
+            <a:noAutofit/>
+          </a:bodyPr>
+          <a:lstStyle>
+            <a:defPPr marR="0" lvl="0" algn="l" rtl="0">
+              <a:lnSpc>
+                <a:spcPct val="100000"/>
+              </a:lnSpc>
+              <a:spcBef>
+                <a:spcPts val="0"/>
+              </a:spcBef>
+              <a:spcAft>
+                <a:spcPts val="0"/>
+              </a:spcAft>
+            </a:defPPr>
+            <a:lvl1pPr marL="457200" marR="0" lvl="0" indent="-342900" algn="l" rtl="0">
+              <a:lnSpc>
+                <a:spcPct val="100000"/>
+              </a:lnSpc>
+              <a:spcBef>
+                <a:spcPts val="0"/>
+              </a:spcBef>
+              <a:spcAft>
+                <a:spcPts val="0"/>
+              </a:spcAft>
+              <a:buClr>
+                <a:schemeClr val="dk1"/>
+              </a:buClr>
+              <a:buSzPts val="1800"/>
+              <a:buFont typeface="Poppins"/>
+              <a:buNone/>
+              <a:defRPr sz="1400" b="0" i="0" u="none" strike="noStrike" cap="none">
+                <a:solidFill>
+                  <a:schemeClr val="dk1"/>
+                </a:solidFill>
+                <a:latin typeface="Poppins"/>
+                <a:ea typeface="Poppins"/>
+                <a:cs typeface="Poppins"/>
+                <a:sym typeface="Poppins"/>
+              </a:defRPr>
+            </a:lvl1pPr>
+            <a:lvl2pPr marL="914400" marR="0" lvl="1" indent="-317500" algn="l" rtl="0">
+              <a:lnSpc>
+                <a:spcPct val="100000"/>
+              </a:lnSpc>
+              <a:spcBef>
+                <a:spcPts val="0"/>
+              </a:spcBef>
+              <a:spcAft>
+                <a:spcPts val="0"/>
+              </a:spcAft>
+              <a:buClr>
+                <a:schemeClr val="dk1"/>
+              </a:buClr>
+              <a:buSzPts val="1400"/>
+              <a:buFont typeface="Poppins"/>
+              <a:buNone/>
+              <a:defRPr sz="1400" b="0" i="0" u="none" strike="noStrike" cap="none">
+                <a:solidFill>
+                  <a:schemeClr val="dk1"/>
+                </a:solidFill>
+                <a:latin typeface="Poppins"/>
+                <a:ea typeface="Poppins"/>
+                <a:cs typeface="Poppins"/>
+                <a:sym typeface="Poppins"/>
+              </a:defRPr>
+            </a:lvl2pPr>
+            <a:lvl3pPr marL="1371600" marR="0" lvl="2" indent="-317500" algn="l" rtl="0">
+              <a:lnSpc>
+                <a:spcPct val="100000"/>
+              </a:lnSpc>
+              <a:spcBef>
+                <a:spcPts val="0"/>
+              </a:spcBef>
+              <a:spcAft>
+                <a:spcPts val="0"/>
+              </a:spcAft>
+              <a:buClr>
+                <a:schemeClr val="dk1"/>
+              </a:buClr>
+              <a:buSzPts val="1400"/>
+              <a:buFont typeface="Poppins"/>
+              <a:buNone/>
+              <a:defRPr sz="1400" b="0" i="0" u="none" strike="noStrike" cap="none">
+                <a:solidFill>
+                  <a:schemeClr val="dk1"/>
+                </a:solidFill>
+                <a:latin typeface="Poppins"/>
+                <a:ea typeface="Poppins"/>
+                <a:cs typeface="Poppins"/>
+                <a:sym typeface="Poppins"/>
+              </a:defRPr>
+            </a:lvl3pPr>
+            <a:lvl4pPr marL="1828800" marR="0" lvl="3" indent="-317500" algn="l" rtl="0">
+              <a:lnSpc>
+                <a:spcPct val="100000"/>
+              </a:lnSpc>
+              <a:spcBef>
+                <a:spcPts val="0"/>
+              </a:spcBef>
+              <a:spcAft>
+                <a:spcPts val="0"/>
+              </a:spcAft>
+              <a:buClr>
+                <a:schemeClr val="dk1"/>
+              </a:buClr>
+              <a:buSzPts val="1400"/>
+              <a:buFont typeface="Poppins"/>
+              <a:buNone/>
+              <a:defRPr sz="1400" b="0" i="0" u="none" strike="noStrike" cap="none">
+                <a:solidFill>
+                  <a:schemeClr val="dk1"/>
+                </a:solidFill>
+                <a:latin typeface="Poppins"/>
+                <a:ea typeface="Poppins"/>
+                <a:cs typeface="Poppins"/>
+                <a:sym typeface="Poppins"/>
+              </a:defRPr>
+            </a:lvl4pPr>
+            <a:lvl5pPr marL="2286000" marR="0" lvl="4" indent="-317500" algn="l" rtl="0">
+              <a:lnSpc>
+                <a:spcPct val="100000"/>
+              </a:lnSpc>
+              <a:spcBef>
+                <a:spcPts val="0"/>
+              </a:spcBef>
+              <a:spcAft>
+                <a:spcPts val="0"/>
+              </a:spcAft>
+              <a:buClr>
+                <a:schemeClr val="dk1"/>
+              </a:buClr>
+              <a:buSzPts val="1400"/>
+              <a:buFont typeface="Poppins"/>
+              <a:buNone/>
+              <a:defRPr sz="1400" b="0" i="0" u="none" strike="noStrike" cap="none">
+                <a:solidFill>
+                  <a:schemeClr val="dk1"/>
+                </a:solidFill>
+                <a:latin typeface="Poppins"/>
+                <a:ea typeface="Poppins"/>
+                <a:cs typeface="Poppins"/>
+                <a:sym typeface="Poppins"/>
+              </a:defRPr>
+            </a:lvl5pPr>
+            <a:lvl6pPr marL="2743200" marR="0" lvl="5" indent="-317500" algn="l" rtl="0">
+              <a:lnSpc>
+                <a:spcPct val="100000"/>
+              </a:lnSpc>
+              <a:spcBef>
+                <a:spcPts val="0"/>
+              </a:spcBef>
+              <a:spcAft>
+                <a:spcPts val="0"/>
+              </a:spcAft>
+              <a:buClr>
+                <a:schemeClr val="dk1"/>
+              </a:buClr>
+              <a:buSzPts val="1400"/>
+              <a:buFont typeface="Poppins"/>
+              <a:buNone/>
+              <a:defRPr sz="1400" b="0" i="0" u="none" strike="noStrike" cap="none">
+                <a:solidFill>
+                  <a:schemeClr val="dk1"/>
+                </a:solidFill>
+                <a:latin typeface="Poppins"/>
+                <a:ea typeface="Poppins"/>
+                <a:cs typeface="Poppins"/>
+                <a:sym typeface="Poppins"/>
+              </a:defRPr>
+            </a:lvl6pPr>
+            <a:lvl7pPr marL="3200400" marR="0" lvl="6" indent="-317500" algn="l" rtl="0">
+              <a:lnSpc>
+                <a:spcPct val="100000"/>
+              </a:lnSpc>
+              <a:spcBef>
+                <a:spcPts val="0"/>
+              </a:spcBef>
+              <a:spcAft>
+                <a:spcPts val="0"/>
+              </a:spcAft>
+              <a:buClr>
+                <a:schemeClr val="dk1"/>
+              </a:buClr>
+              <a:buSzPts val="1400"/>
+              <a:buFont typeface="Poppins"/>
+              <a:buNone/>
+              <a:defRPr sz="1400" b="0" i="0" u="none" strike="noStrike" cap="none">
+                <a:solidFill>
+                  <a:schemeClr val="dk1"/>
+                </a:solidFill>
+                <a:latin typeface="Poppins"/>
+                <a:ea typeface="Poppins"/>
+                <a:cs typeface="Poppins"/>
+                <a:sym typeface="Poppins"/>
+              </a:defRPr>
+            </a:lvl7pPr>
+            <a:lvl8pPr marL="3657600" marR="0" lvl="7" indent="-317500" algn="l" rtl="0">
+              <a:lnSpc>
+                <a:spcPct val="100000"/>
+              </a:lnSpc>
+              <a:spcBef>
+                <a:spcPts val="0"/>
+              </a:spcBef>
+              <a:spcAft>
+                <a:spcPts val="0"/>
+              </a:spcAft>
+              <a:buClr>
+                <a:schemeClr val="dk1"/>
+              </a:buClr>
+              <a:buSzPts val="1400"/>
+              <a:buFont typeface="Poppins"/>
+              <a:buNone/>
+              <a:defRPr sz="1400" b="0" i="0" u="none" strike="noStrike" cap="none">
+                <a:solidFill>
+                  <a:schemeClr val="dk1"/>
+                </a:solidFill>
+                <a:latin typeface="Poppins"/>
+                <a:ea typeface="Poppins"/>
+                <a:cs typeface="Poppins"/>
+                <a:sym typeface="Poppins"/>
+              </a:defRPr>
+            </a:lvl8pPr>
+            <a:lvl9pPr marL="4114800" marR="0" lvl="8" indent="-317500" algn="l" rtl="0">
+              <a:lnSpc>
+                <a:spcPct val="100000"/>
+              </a:lnSpc>
+              <a:spcBef>
+                <a:spcPts val="0"/>
+              </a:spcBef>
+              <a:spcAft>
+                <a:spcPts val="0"/>
+              </a:spcAft>
+              <a:buClr>
+                <a:schemeClr val="dk1"/>
+              </a:buClr>
+              <a:buSzPts val="1400"/>
+              <a:buFont typeface="Poppins"/>
+              <a:buNone/>
+              <a:defRPr sz="1400" b="0" i="0" u="none" strike="noStrike" cap="none">
+                <a:solidFill>
+                  <a:schemeClr val="dk1"/>
+                </a:solidFill>
+                <a:latin typeface="Poppins"/>
+                <a:ea typeface="Poppins"/>
+                <a:cs typeface="Poppins"/>
+                <a:sym typeface="Poppins"/>
+              </a:defRPr>
+            </a:lvl9pPr>
+          </a:lstStyle>
+          <a:p>
+            <a:pPr marL="285750" indent="-285750" algn="just">
+              <a:buFont typeface="Arial" panose="020B0604020202020204" pitchFamily="34" charset="0"/>
+              <a:buChar char="•"/>
+            </a:pPr>
+            <a:r>
+              <a:rPr lang="en-US" dirty="0">
+                <a:latin typeface="Inter"/>
+              </a:rPr>
+              <a:t>This model was based on the implementation of the </a:t>
+            </a:r>
+            <a:r>
+              <a:rPr lang="en-US" b="1" dirty="0" err="1">
+                <a:latin typeface="Inter"/>
+              </a:rPr>
+              <a:t>MLPClassifier</a:t>
+            </a:r>
+            <a:r>
+              <a:rPr lang="en-US" dirty="0">
+                <a:latin typeface="Inter"/>
+              </a:rPr>
+              <a:t> relative to the </a:t>
+            </a:r>
+            <a:r>
+              <a:rPr lang="en-US" b="1" dirty="0" err="1">
+                <a:latin typeface="Inter"/>
+              </a:rPr>
+              <a:t>sklearn.neural_network</a:t>
+            </a:r>
+            <a:r>
+              <a:rPr lang="en-US" b="1" dirty="0">
+                <a:latin typeface="Inter"/>
+              </a:rPr>
+              <a:t> </a:t>
+            </a:r>
+            <a:r>
+              <a:rPr lang="en-US" dirty="0">
+                <a:latin typeface="Inter"/>
+              </a:rPr>
+              <a:t>module.</a:t>
+            </a:r>
+          </a:p>
+          <a:p>
+            <a:pPr marL="285750" indent="-285750" algn="just">
+              <a:buFont typeface="Arial" panose="020B0604020202020204" pitchFamily="34" charset="0"/>
+              <a:buChar char="•"/>
+            </a:pPr>
+            <a:r>
+              <a:rPr lang="en-US" dirty="0" err="1">
+                <a:latin typeface="Inter"/>
+              </a:rPr>
+              <a:t>hidden_layer_sizes</a:t>
+            </a:r>
+            <a:r>
+              <a:rPr lang="en-US" dirty="0">
+                <a:latin typeface="Inter"/>
+              </a:rPr>
+              <a:t>=(100,)</a:t>
+            </a:r>
+          </a:p>
+          <a:p>
+            <a:pPr marL="285750" indent="-285750" algn="just">
+              <a:buFont typeface="Arial" panose="020B0604020202020204" pitchFamily="34" charset="0"/>
+              <a:buChar char="•"/>
+            </a:pPr>
+            <a:r>
+              <a:rPr lang="en-US" dirty="0" err="1">
+                <a:latin typeface="Inter"/>
+              </a:rPr>
+              <a:t>max_iter</a:t>
+            </a:r>
+            <a:r>
+              <a:rPr lang="en-US" dirty="0">
+                <a:latin typeface="Inter"/>
+              </a:rPr>
+              <a:t>: 1000</a:t>
             </a:r>
           </a:p>
         </p:txBody>
@@ -11847,767 +13250,6 @@
 </file>
 
 <file path=ppt/slides/slide7.xml><?xml version="1.0" encoding="utf-8"?>
-<p:sld xmlns:a="http://schemas.openxmlformats.org/drawingml/2006/main" xmlns:r="http://schemas.openxmlformats.org/officeDocument/2006/relationships" xmlns:p="http://schemas.openxmlformats.org/presentationml/2006/main">
-  <p:cSld>
-    <p:spTree>
-      <p:nvGrpSpPr>
-        <p:cNvPr id="1" name="Shape 461"/>
-        <p:cNvGrpSpPr/>
-        <p:nvPr/>
-      </p:nvGrpSpPr>
-      <p:grpSpPr>
-        <a:xfrm>
-          <a:off x="0" y="0"/>
-          <a:ext cx="0" cy="0"/>
-          <a:chOff x="0" y="0"/>
-          <a:chExt cx="0" cy="0"/>
-        </a:xfrm>
-      </p:grpSpPr>
-      <p:sp>
-        <p:nvSpPr>
-          <p:cNvPr id="470" name="Google Shape;470;p34"/>
-          <p:cNvSpPr txBox="1">
-            <a:spLocks noGrp="1"/>
-          </p:cNvSpPr>
-          <p:nvPr>
-            <p:ph type="title"/>
-          </p:nvPr>
-        </p:nvSpPr>
-        <p:spPr>
-          <a:xfrm>
-            <a:off x="720000" y="387600"/>
-            <a:ext cx="7704000" cy="682917"/>
-          </a:xfrm>
-          <a:prstGeom prst="rect">
-            <a:avLst/>
-          </a:prstGeom>
-        </p:spPr>
-        <p:txBody>
-          <a:bodyPr spcFirstLastPara="1" wrap="square" lIns="91425" tIns="91425" rIns="91425" bIns="91425" anchor="t" anchorCtr="0">
-            <a:noAutofit/>
-          </a:bodyPr>
-          <a:lstStyle/>
-          <a:p>
-            <a:pPr marL="0" lvl="0" indent="0" algn="l" rtl="0">
-              <a:spcBef>
-                <a:spcPts val="0"/>
-              </a:spcBef>
-              <a:spcAft>
-                <a:spcPts val="0"/>
-              </a:spcAft>
-              <a:buNone/>
-            </a:pPr>
-            <a:r>
-              <a:rPr lang="en" dirty="0"/>
-              <a:t>Developed Algorithms</a:t>
-            </a:r>
-            <a:endParaRPr dirty="0"/>
-          </a:p>
-        </p:txBody>
-      </p:sp>
-      <p:sp>
-        <p:nvSpPr>
-          <p:cNvPr id="7" name="Google Shape;242;p28">
-            <a:extLst>
-              <a:ext uri="{FF2B5EF4-FFF2-40B4-BE49-F238E27FC236}">
-                <a16:creationId xmlns:a16="http://schemas.microsoft.com/office/drawing/2014/main" id="{5216487F-5949-2CBB-B396-51FDB8452610}"/>
-              </a:ext>
-            </a:extLst>
-          </p:cNvPr>
-          <p:cNvSpPr txBox="1">
-            <a:spLocks noGrp="1"/>
-          </p:cNvSpPr>
-          <p:nvPr>
-            <p:ph type="subTitle" idx="1"/>
-          </p:nvPr>
-        </p:nvSpPr>
-        <p:spPr>
-          <a:xfrm>
-            <a:off x="719998" y="1484520"/>
-            <a:ext cx="2869022" cy="371400"/>
-          </a:xfrm>
-          <a:prstGeom prst="rect">
-            <a:avLst/>
-          </a:prstGeom>
-        </p:spPr>
-        <p:txBody>
-          <a:bodyPr spcFirstLastPara="1" wrap="square" lIns="91425" tIns="91425" rIns="91425" bIns="91425" anchor="t" anchorCtr="0">
-            <a:noAutofit/>
-          </a:bodyPr>
-          <a:lstStyle/>
-          <a:p>
-            <a:pPr marL="0" lvl="0" indent="0" algn="l" rtl="0">
-              <a:spcBef>
-                <a:spcPts val="0"/>
-              </a:spcBef>
-              <a:spcAft>
-                <a:spcPts val="1600"/>
-              </a:spcAft>
-              <a:buNone/>
-            </a:pPr>
-            <a:r>
-              <a:rPr lang="en" dirty="0">
-                <a:latin typeface="Poppins" panose="00000500000000000000" pitchFamily="2" charset="0"/>
-                <a:cs typeface="Poppins" panose="00000500000000000000" pitchFamily="2" charset="0"/>
-              </a:rPr>
-              <a:t>K-Nearest Neightbours</a:t>
-            </a:r>
-            <a:endParaRPr dirty="0">
-              <a:latin typeface="Poppins" panose="00000500000000000000" pitchFamily="2" charset="0"/>
-              <a:cs typeface="Poppins" panose="00000500000000000000" pitchFamily="2" charset="0"/>
-            </a:endParaRPr>
-          </a:p>
-        </p:txBody>
-      </p:sp>
-      <p:sp>
-        <p:nvSpPr>
-          <p:cNvPr id="8" name="Google Shape;244;p28">
-            <a:extLst>
-              <a:ext uri="{FF2B5EF4-FFF2-40B4-BE49-F238E27FC236}">
-                <a16:creationId xmlns:a16="http://schemas.microsoft.com/office/drawing/2014/main" id="{B9786FAA-FC2E-8FE9-CB76-0F573CBDB04A}"/>
-              </a:ext>
-            </a:extLst>
-          </p:cNvPr>
-          <p:cNvSpPr txBox="1">
-            <a:spLocks noGrp="1"/>
-          </p:cNvSpPr>
-          <p:nvPr>
-            <p:ph type="subTitle" idx="2"/>
-          </p:nvPr>
-        </p:nvSpPr>
-        <p:spPr>
-          <a:xfrm>
-            <a:off x="719997" y="1836044"/>
-            <a:ext cx="3287007" cy="612600"/>
-          </a:xfrm>
-          <a:prstGeom prst="rect">
-            <a:avLst/>
-          </a:prstGeom>
-        </p:spPr>
-        <p:txBody>
-          <a:bodyPr spcFirstLastPara="1" wrap="square" lIns="91425" tIns="91425" rIns="91425" bIns="91425" anchor="t" anchorCtr="0">
-            <a:noAutofit/>
-          </a:bodyPr>
-          <a:lstStyle/>
-          <a:p>
-            <a:pPr marL="0" lvl="0" indent="0" algn="l" rtl="0">
-              <a:spcBef>
-                <a:spcPts val="0"/>
-              </a:spcBef>
-              <a:spcAft>
-                <a:spcPts val="0"/>
-              </a:spcAft>
-              <a:buNone/>
-            </a:pPr>
-            <a:r>
-              <a:rPr lang="en" dirty="0">
-                <a:latin typeface="Inter"/>
-              </a:rPr>
-              <a:t>A</a:t>
-            </a:r>
-            <a:endParaRPr dirty="0">
-              <a:latin typeface="Inter"/>
-            </a:endParaRPr>
-          </a:p>
-        </p:txBody>
-      </p:sp>
-      <p:sp>
-        <p:nvSpPr>
-          <p:cNvPr id="13" name="Google Shape;242;p28">
-            <a:extLst>
-              <a:ext uri="{FF2B5EF4-FFF2-40B4-BE49-F238E27FC236}">
-                <a16:creationId xmlns:a16="http://schemas.microsoft.com/office/drawing/2014/main" id="{BBA3E85D-298E-11AC-4154-677FA5B72B59}"/>
-              </a:ext>
-            </a:extLst>
-          </p:cNvPr>
-          <p:cNvSpPr txBox="1">
-            <a:spLocks/>
-          </p:cNvSpPr>
-          <p:nvPr/>
-        </p:nvSpPr>
-        <p:spPr>
-          <a:xfrm>
-            <a:off x="5136999" y="1464644"/>
-            <a:ext cx="2682600" cy="371400"/>
-          </a:xfrm>
-          <a:prstGeom prst="rect">
-            <a:avLst/>
-          </a:prstGeom>
-          <a:noFill/>
-          <a:ln>
-            <a:noFill/>
-          </a:ln>
-        </p:spPr>
-        <p:txBody>
-          <a:bodyPr spcFirstLastPara="1" wrap="square" lIns="91425" tIns="91425" rIns="91425" bIns="91425" anchor="t" anchorCtr="0">
-            <a:noAutofit/>
-          </a:bodyPr>
-          <a:lstStyle>
-            <a:defPPr marR="0" lvl="0" algn="l" rtl="0">
-              <a:lnSpc>
-                <a:spcPct val="100000"/>
-              </a:lnSpc>
-              <a:spcBef>
-                <a:spcPts val="0"/>
-              </a:spcBef>
-              <a:spcAft>
-                <a:spcPts val="0"/>
-              </a:spcAft>
-            </a:defPPr>
-            <a:lvl1pPr marL="457200" marR="0" lvl="0" indent="-342900" algn="l" rtl="0">
-              <a:lnSpc>
-                <a:spcPct val="100000"/>
-              </a:lnSpc>
-              <a:spcBef>
-                <a:spcPts val="0"/>
-              </a:spcBef>
-              <a:spcAft>
-                <a:spcPts val="0"/>
-              </a:spcAft>
-              <a:buClr>
-                <a:schemeClr val="dk1"/>
-              </a:buClr>
-              <a:buSzPts val="1800"/>
-              <a:buFont typeface="Poppins"/>
-              <a:buNone/>
-              <a:defRPr sz="1800" b="0" i="0" u="none" strike="noStrike" cap="none">
-                <a:solidFill>
-                  <a:schemeClr val="dk1"/>
-                </a:solidFill>
-                <a:latin typeface="Poppins Black"/>
-                <a:ea typeface="Poppins Black"/>
-                <a:cs typeface="Poppins Black"/>
-                <a:sym typeface="Poppins Black"/>
-              </a:defRPr>
-            </a:lvl1pPr>
-            <a:lvl2pPr marL="914400" marR="0" lvl="1" indent="-317500" algn="l" rtl="0">
-              <a:lnSpc>
-                <a:spcPct val="100000"/>
-              </a:lnSpc>
-              <a:spcBef>
-                <a:spcPts val="1600"/>
-              </a:spcBef>
-              <a:spcAft>
-                <a:spcPts val="0"/>
-              </a:spcAft>
-              <a:buClr>
-                <a:schemeClr val="dk1"/>
-              </a:buClr>
-              <a:buSzPts val="1400"/>
-              <a:buFont typeface="Poppins"/>
-              <a:buNone/>
-              <a:defRPr sz="1400" b="0" i="0" u="none" strike="noStrike" cap="none">
-                <a:solidFill>
-                  <a:schemeClr val="dk1"/>
-                </a:solidFill>
-                <a:latin typeface="Poppins Black"/>
-                <a:ea typeface="Poppins Black"/>
-                <a:cs typeface="Poppins Black"/>
-                <a:sym typeface="Poppins Black"/>
-              </a:defRPr>
-            </a:lvl2pPr>
-            <a:lvl3pPr marL="1371600" marR="0" lvl="2" indent="-317500" algn="l" rtl="0">
-              <a:lnSpc>
-                <a:spcPct val="100000"/>
-              </a:lnSpc>
-              <a:spcBef>
-                <a:spcPts val="1600"/>
-              </a:spcBef>
-              <a:spcAft>
-                <a:spcPts val="0"/>
-              </a:spcAft>
-              <a:buClr>
-                <a:schemeClr val="dk1"/>
-              </a:buClr>
-              <a:buSzPts val="1400"/>
-              <a:buFont typeface="Poppins"/>
-              <a:buNone/>
-              <a:defRPr sz="1400" b="0" i="0" u="none" strike="noStrike" cap="none">
-                <a:solidFill>
-                  <a:schemeClr val="dk1"/>
-                </a:solidFill>
-                <a:latin typeface="Poppins Black"/>
-                <a:ea typeface="Poppins Black"/>
-                <a:cs typeface="Poppins Black"/>
-                <a:sym typeface="Poppins Black"/>
-              </a:defRPr>
-            </a:lvl3pPr>
-            <a:lvl4pPr marL="1828800" marR="0" lvl="3" indent="-317500" algn="l" rtl="0">
-              <a:lnSpc>
-                <a:spcPct val="100000"/>
-              </a:lnSpc>
-              <a:spcBef>
-                <a:spcPts val="1600"/>
-              </a:spcBef>
-              <a:spcAft>
-                <a:spcPts val="0"/>
-              </a:spcAft>
-              <a:buClr>
-                <a:schemeClr val="dk1"/>
-              </a:buClr>
-              <a:buSzPts val="1400"/>
-              <a:buFont typeface="Poppins"/>
-              <a:buNone/>
-              <a:defRPr sz="1400" b="0" i="0" u="none" strike="noStrike" cap="none">
-                <a:solidFill>
-                  <a:schemeClr val="dk1"/>
-                </a:solidFill>
-                <a:latin typeface="Poppins Black"/>
-                <a:ea typeface="Poppins Black"/>
-                <a:cs typeface="Poppins Black"/>
-                <a:sym typeface="Poppins Black"/>
-              </a:defRPr>
-            </a:lvl4pPr>
-            <a:lvl5pPr marL="2286000" marR="0" lvl="4" indent="-317500" algn="l" rtl="0">
-              <a:lnSpc>
-                <a:spcPct val="100000"/>
-              </a:lnSpc>
-              <a:spcBef>
-                <a:spcPts val="1600"/>
-              </a:spcBef>
-              <a:spcAft>
-                <a:spcPts val="0"/>
-              </a:spcAft>
-              <a:buClr>
-                <a:schemeClr val="dk1"/>
-              </a:buClr>
-              <a:buSzPts val="1400"/>
-              <a:buFont typeface="Poppins"/>
-              <a:buNone/>
-              <a:defRPr sz="1400" b="0" i="0" u="none" strike="noStrike" cap="none">
-                <a:solidFill>
-                  <a:schemeClr val="dk1"/>
-                </a:solidFill>
-                <a:latin typeface="Poppins Black"/>
-                <a:ea typeface="Poppins Black"/>
-                <a:cs typeface="Poppins Black"/>
-                <a:sym typeface="Poppins Black"/>
-              </a:defRPr>
-            </a:lvl5pPr>
-            <a:lvl6pPr marL="2743200" marR="0" lvl="5" indent="-317500" algn="l" rtl="0">
-              <a:lnSpc>
-                <a:spcPct val="100000"/>
-              </a:lnSpc>
-              <a:spcBef>
-                <a:spcPts val="1600"/>
-              </a:spcBef>
-              <a:spcAft>
-                <a:spcPts val="0"/>
-              </a:spcAft>
-              <a:buClr>
-                <a:schemeClr val="dk1"/>
-              </a:buClr>
-              <a:buSzPts val="1400"/>
-              <a:buFont typeface="Poppins"/>
-              <a:buNone/>
-              <a:defRPr sz="1400" b="0" i="0" u="none" strike="noStrike" cap="none">
-                <a:solidFill>
-                  <a:schemeClr val="dk1"/>
-                </a:solidFill>
-                <a:latin typeface="Poppins Black"/>
-                <a:ea typeface="Poppins Black"/>
-                <a:cs typeface="Poppins Black"/>
-                <a:sym typeface="Poppins Black"/>
-              </a:defRPr>
-            </a:lvl6pPr>
-            <a:lvl7pPr marL="3200400" marR="0" lvl="6" indent="-317500" algn="l" rtl="0">
-              <a:lnSpc>
-                <a:spcPct val="100000"/>
-              </a:lnSpc>
-              <a:spcBef>
-                <a:spcPts val="1600"/>
-              </a:spcBef>
-              <a:spcAft>
-                <a:spcPts val="0"/>
-              </a:spcAft>
-              <a:buClr>
-                <a:schemeClr val="dk1"/>
-              </a:buClr>
-              <a:buSzPts val="1400"/>
-              <a:buFont typeface="Poppins"/>
-              <a:buNone/>
-              <a:defRPr sz="1400" b="0" i="0" u="none" strike="noStrike" cap="none">
-                <a:solidFill>
-                  <a:schemeClr val="dk1"/>
-                </a:solidFill>
-                <a:latin typeface="Poppins Black"/>
-                <a:ea typeface="Poppins Black"/>
-                <a:cs typeface="Poppins Black"/>
-                <a:sym typeface="Poppins Black"/>
-              </a:defRPr>
-            </a:lvl7pPr>
-            <a:lvl8pPr marL="3657600" marR="0" lvl="7" indent="-317500" algn="l" rtl="0">
-              <a:lnSpc>
-                <a:spcPct val="100000"/>
-              </a:lnSpc>
-              <a:spcBef>
-                <a:spcPts val="1600"/>
-              </a:spcBef>
-              <a:spcAft>
-                <a:spcPts val="0"/>
-              </a:spcAft>
-              <a:buClr>
-                <a:schemeClr val="dk1"/>
-              </a:buClr>
-              <a:buSzPts val="1400"/>
-              <a:buFont typeface="Poppins"/>
-              <a:buNone/>
-              <a:defRPr sz="1400" b="0" i="0" u="none" strike="noStrike" cap="none">
-                <a:solidFill>
-                  <a:schemeClr val="dk1"/>
-                </a:solidFill>
-                <a:latin typeface="Poppins Black"/>
-                <a:ea typeface="Poppins Black"/>
-                <a:cs typeface="Poppins Black"/>
-                <a:sym typeface="Poppins Black"/>
-              </a:defRPr>
-            </a:lvl8pPr>
-            <a:lvl9pPr marL="4114800" marR="0" lvl="8" indent="-317500" algn="l" rtl="0">
-              <a:lnSpc>
-                <a:spcPct val="100000"/>
-              </a:lnSpc>
-              <a:spcBef>
-                <a:spcPts val="1600"/>
-              </a:spcBef>
-              <a:spcAft>
-                <a:spcPts val="1600"/>
-              </a:spcAft>
-              <a:buClr>
-                <a:schemeClr val="dk1"/>
-              </a:buClr>
-              <a:buSzPts val="1400"/>
-              <a:buFont typeface="Poppins"/>
-              <a:buNone/>
-              <a:defRPr sz="1400" b="0" i="0" u="none" strike="noStrike" cap="none">
-                <a:solidFill>
-                  <a:schemeClr val="dk1"/>
-                </a:solidFill>
-                <a:latin typeface="Poppins Black"/>
-                <a:ea typeface="Poppins Black"/>
-                <a:cs typeface="Poppins Black"/>
-                <a:sym typeface="Poppins Black"/>
-              </a:defRPr>
-            </a:lvl9pPr>
-          </a:lstStyle>
-          <a:p>
-            <a:pPr marL="0" indent="0">
-              <a:spcAft>
-                <a:spcPts val="1600"/>
-              </a:spcAft>
-            </a:pPr>
-            <a:r>
-              <a:rPr lang="pt-PT" dirty="0">
-                <a:latin typeface="Poppins" panose="00000500000000000000" pitchFamily="2" charset="0"/>
-                <a:cs typeface="Poppins" panose="00000500000000000000" pitchFamily="2" charset="0"/>
-              </a:rPr>
-              <a:t>Neural Networks</a:t>
-            </a:r>
-          </a:p>
-        </p:txBody>
-      </p:sp>
-      <p:sp>
-        <p:nvSpPr>
-          <p:cNvPr id="14" name="Google Shape;244;p28">
-            <a:extLst>
-              <a:ext uri="{FF2B5EF4-FFF2-40B4-BE49-F238E27FC236}">
-                <a16:creationId xmlns:a16="http://schemas.microsoft.com/office/drawing/2014/main" id="{A4F21A8A-06E7-8110-B14D-DF47D837CDC6}"/>
-              </a:ext>
-            </a:extLst>
-          </p:cNvPr>
-          <p:cNvSpPr txBox="1">
-            <a:spLocks/>
-          </p:cNvSpPr>
-          <p:nvPr/>
-        </p:nvSpPr>
-        <p:spPr>
-          <a:xfrm>
-            <a:off x="5136998" y="1816168"/>
-            <a:ext cx="3287007" cy="612600"/>
-          </a:xfrm>
-          <a:prstGeom prst="rect">
-            <a:avLst/>
-          </a:prstGeom>
-          <a:noFill/>
-          <a:ln>
-            <a:noFill/>
-          </a:ln>
-        </p:spPr>
-        <p:txBody>
-          <a:bodyPr spcFirstLastPara="1" wrap="square" lIns="91425" tIns="91425" rIns="91425" bIns="91425" anchor="t" anchorCtr="0">
-            <a:noAutofit/>
-          </a:bodyPr>
-          <a:lstStyle>
-            <a:defPPr marR="0" lvl="0" algn="l" rtl="0">
-              <a:lnSpc>
-                <a:spcPct val="100000"/>
-              </a:lnSpc>
-              <a:spcBef>
-                <a:spcPts val="0"/>
-              </a:spcBef>
-              <a:spcAft>
-                <a:spcPts val="0"/>
-              </a:spcAft>
-            </a:defPPr>
-            <a:lvl1pPr marL="457200" marR="0" lvl="0" indent="-342900" algn="l" rtl="0">
-              <a:lnSpc>
-                <a:spcPct val="100000"/>
-              </a:lnSpc>
-              <a:spcBef>
-                <a:spcPts val="0"/>
-              </a:spcBef>
-              <a:spcAft>
-                <a:spcPts val="0"/>
-              </a:spcAft>
-              <a:buClr>
-                <a:schemeClr val="dk1"/>
-              </a:buClr>
-              <a:buSzPts val="1800"/>
-              <a:buFont typeface="Poppins"/>
-              <a:buNone/>
-              <a:defRPr sz="1400" b="0" i="0" u="none" strike="noStrike" cap="none">
-                <a:solidFill>
-                  <a:schemeClr val="dk1"/>
-                </a:solidFill>
-                <a:latin typeface="Poppins"/>
-                <a:ea typeface="Poppins"/>
-                <a:cs typeface="Poppins"/>
-                <a:sym typeface="Poppins"/>
-              </a:defRPr>
-            </a:lvl1pPr>
-            <a:lvl2pPr marL="914400" marR="0" lvl="1" indent="-317500" algn="l" rtl="0">
-              <a:lnSpc>
-                <a:spcPct val="100000"/>
-              </a:lnSpc>
-              <a:spcBef>
-                <a:spcPts val="0"/>
-              </a:spcBef>
-              <a:spcAft>
-                <a:spcPts val="0"/>
-              </a:spcAft>
-              <a:buClr>
-                <a:schemeClr val="dk1"/>
-              </a:buClr>
-              <a:buSzPts val="1400"/>
-              <a:buFont typeface="Poppins"/>
-              <a:buNone/>
-              <a:defRPr sz="1400" b="0" i="0" u="none" strike="noStrike" cap="none">
-                <a:solidFill>
-                  <a:schemeClr val="dk1"/>
-                </a:solidFill>
-                <a:latin typeface="Poppins"/>
-                <a:ea typeface="Poppins"/>
-                <a:cs typeface="Poppins"/>
-                <a:sym typeface="Poppins"/>
-              </a:defRPr>
-            </a:lvl2pPr>
-            <a:lvl3pPr marL="1371600" marR="0" lvl="2" indent="-317500" algn="l" rtl="0">
-              <a:lnSpc>
-                <a:spcPct val="100000"/>
-              </a:lnSpc>
-              <a:spcBef>
-                <a:spcPts val="0"/>
-              </a:spcBef>
-              <a:spcAft>
-                <a:spcPts val="0"/>
-              </a:spcAft>
-              <a:buClr>
-                <a:schemeClr val="dk1"/>
-              </a:buClr>
-              <a:buSzPts val="1400"/>
-              <a:buFont typeface="Poppins"/>
-              <a:buNone/>
-              <a:defRPr sz="1400" b="0" i="0" u="none" strike="noStrike" cap="none">
-                <a:solidFill>
-                  <a:schemeClr val="dk1"/>
-                </a:solidFill>
-                <a:latin typeface="Poppins"/>
-                <a:ea typeface="Poppins"/>
-                <a:cs typeface="Poppins"/>
-                <a:sym typeface="Poppins"/>
-              </a:defRPr>
-            </a:lvl3pPr>
-            <a:lvl4pPr marL="1828800" marR="0" lvl="3" indent="-317500" algn="l" rtl="0">
-              <a:lnSpc>
-                <a:spcPct val="100000"/>
-              </a:lnSpc>
-              <a:spcBef>
-                <a:spcPts val="0"/>
-              </a:spcBef>
-              <a:spcAft>
-                <a:spcPts val="0"/>
-              </a:spcAft>
-              <a:buClr>
-                <a:schemeClr val="dk1"/>
-              </a:buClr>
-              <a:buSzPts val="1400"/>
-              <a:buFont typeface="Poppins"/>
-              <a:buNone/>
-              <a:defRPr sz="1400" b="0" i="0" u="none" strike="noStrike" cap="none">
-                <a:solidFill>
-                  <a:schemeClr val="dk1"/>
-                </a:solidFill>
-                <a:latin typeface="Poppins"/>
-                <a:ea typeface="Poppins"/>
-                <a:cs typeface="Poppins"/>
-                <a:sym typeface="Poppins"/>
-              </a:defRPr>
-            </a:lvl4pPr>
-            <a:lvl5pPr marL="2286000" marR="0" lvl="4" indent="-317500" algn="l" rtl="0">
-              <a:lnSpc>
-                <a:spcPct val="100000"/>
-              </a:lnSpc>
-              <a:spcBef>
-                <a:spcPts val="0"/>
-              </a:spcBef>
-              <a:spcAft>
-                <a:spcPts val="0"/>
-              </a:spcAft>
-              <a:buClr>
-                <a:schemeClr val="dk1"/>
-              </a:buClr>
-              <a:buSzPts val="1400"/>
-              <a:buFont typeface="Poppins"/>
-              <a:buNone/>
-              <a:defRPr sz="1400" b="0" i="0" u="none" strike="noStrike" cap="none">
-                <a:solidFill>
-                  <a:schemeClr val="dk1"/>
-                </a:solidFill>
-                <a:latin typeface="Poppins"/>
-                <a:ea typeface="Poppins"/>
-                <a:cs typeface="Poppins"/>
-                <a:sym typeface="Poppins"/>
-              </a:defRPr>
-            </a:lvl5pPr>
-            <a:lvl6pPr marL="2743200" marR="0" lvl="5" indent="-317500" algn="l" rtl="0">
-              <a:lnSpc>
-                <a:spcPct val="100000"/>
-              </a:lnSpc>
-              <a:spcBef>
-                <a:spcPts val="0"/>
-              </a:spcBef>
-              <a:spcAft>
-                <a:spcPts val="0"/>
-              </a:spcAft>
-              <a:buClr>
-                <a:schemeClr val="dk1"/>
-              </a:buClr>
-              <a:buSzPts val="1400"/>
-              <a:buFont typeface="Poppins"/>
-              <a:buNone/>
-              <a:defRPr sz="1400" b="0" i="0" u="none" strike="noStrike" cap="none">
-                <a:solidFill>
-                  <a:schemeClr val="dk1"/>
-                </a:solidFill>
-                <a:latin typeface="Poppins"/>
-                <a:ea typeface="Poppins"/>
-                <a:cs typeface="Poppins"/>
-                <a:sym typeface="Poppins"/>
-              </a:defRPr>
-            </a:lvl6pPr>
-            <a:lvl7pPr marL="3200400" marR="0" lvl="6" indent="-317500" algn="l" rtl="0">
-              <a:lnSpc>
-                <a:spcPct val="100000"/>
-              </a:lnSpc>
-              <a:spcBef>
-                <a:spcPts val="0"/>
-              </a:spcBef>
-              <a:spcAft>
-                <a:spcPts val="0"/>
-              </a:spcAft>
-              <a:buClr>
-                <a:schemeClr val="dk1"/>
-              </a:buClr>
-              <a:buSzPts val="1400"/>
-              <a:buFont typeface="Poppins"/>
-              <a:buNone/>
-              <a:defRPr sz="1400" b="0" i="0" u="none" strike="noStrike" cap="none">
-                <a:solidFill>
-                  <a:schemeClr val="dk1"/>
-                </a:solidFill>
-                <a:latin typeface="Poppins"/>
-                <a:ea typeface="Poppins"/>
-                <a:cs typeface="Poppins"/>
-                <a:sym typeface="Poppins"/>
-              </a:defRPr>
-            </a:lvl7pPr>
-            <a:lvl8pPr marL="3657600" marR="0" lvl="7" indent="-317500" algn="l" rtl="0">
-              <a:lnSpc>
-                <a:spcPct val="100000"/>
-              </a:lnSpc>
-              <a:spcBef>
-                <a:spcPts val="0"/>
-              </a:spcBef>
-              <a:spcAft>
-                <a:spcPts val="0"/>
-              </a:spcAft>
-              <a:buClr>
-                <a:schemeClr val="dk1"/>
-              </a:buClr>
-              <a:buSzPts val="1400"/>
-              <a:buFont typeface="Poppins"/>
-              <a:buNone/>
-              <a:defRPr sz="1400" b="0" i="0" u="none" strike="noStrike" cap="none">
-                <a:solidFill>
-                  <a:schemeClr val="dk1"/>
-                </a:solidFill>
-                <a:latin typeface="Poppins"/>
-                <a:ea typeface="Poppins"/>
-                <a:cs typeface="Poppins"/>
-                <a:sym typeface="Poppins"/>
-              </a:defRPr>
-            </a:lvl8pPr>
-            <a:lvl9pPr marL="4114800" marR="0" lvl="8" indent="-317500" algn="l" rtl="0">
-              <a:lnSpc>
-                <a:spcPct val="100000"/>
-              </a:lnSpc>
-              <a:spcBef>
-                <a:spcPts val="0"/>
-              </a:spcBef>
-              <a:spcAft>
-                <a:spcPts val="0"/>
-              </a:spcAft>
-              <a:buClr>
-                <a:schemeClr val="dk1"/>
-              </a:buClr>
-              <a:buSzPts val="1400"/>
-              <a:buFont typeface="Poppins"/>
-              <a:buNone/>
-              <a:defRPr sz="1400" b="0" i="0" u="none" strike="noStrike" cap="none">
-                <a:solidFill>
-                  <a:schemeClr val="dk1"/>
-                </a:solidFill>
-                <a:latin typeface="Poppins"/>
-                <a:ea typeface="Poppins"/>
-                <a:cs typeface="Poppins"/>
-                <a:sym typeface="Poppins"/>
-              </a:defRPr>
-            </a:lvl9pPr>
-          </a:lstStyle>
-          <a:p>
-            <a:pPr marL="0" indent="0"/>
-            <a:r>
-              <a:rPr lang="en-US" dirty="0">
-                <a:latin typeface="Inter"/>
-              </a:rPr>
-              <a:t>A</a:t>
-            </a:r>
-          </a:p>
-        </p:txBody>
-      </p:sp>
-    </p:spTree>
-    <p:extLst>
-      <p:ext uri="{BB962C8B-B14F-4D97-AF65-F5344CB8AC3E}">
-        <p14:creationId xmlns:p14="http://schemas.microsoft.com/office/powerpoint/2010/main" val="2674782891"/>
-      </p:ext>
-    </p:extLst>
-  </p:cSld>
-  <p:clrMapOvr>
-    <a:masterClrMapping/>
-  </p:clrMapOvr>
-</p:sld>
-</file>
-
-<file path=ppt/slides/slide8.xml><?xml version="1.0" encoding="utf-8"?>
 <p:sld xmlns:a="http://schemas.openxmlformats.org/drawingml/2006/main" xmlns:r="http://schemas.openxmlformats.org/officeDocument/2006/relationships" xmlns:p="http://schemas.openxmlformats.org/presentationml/2006/main">
   <p:cSld>
     <p:spTree>
@@ -12646,7 +13288,7 @@
         </p:blipFill>
         <p:spPr>
           <a:xfrm>
-            <a:off x="4250092" y="1484900"/>
+            <a:off x="4250092" y="1482922"/>
             <a:ext cx="2905087" cy="2177656"/>
           </a:xfrm>
           <a:prstGeom prst="rect">
@@ -12686,55 +13328,1303 @@
       </p:pic>
       <p:sp>
         <p:nvSpPr>
-          <p:cNvPr id="12" name="Rectangle 11">
+          <p:cNvPr id="470" name="Google Shape;470;p34"/>
+          <p:cNvSpPr txBox="1">
+            <a:spLocks noGrp="1"/>
+          </p:cNvSpPr>
+          <p:nvPr>
+            <p:ph type="title"/>
+          </p:nvPr>
+        </p:nvSpPr>
+        <p:spPr>
+          <a:xfrm>
+            <a:off x="720000" y="387600"/>
+            <a:ext cx="7704000" cy="682917"/>
+          </a:xfrm>
+          <a:prstGeom prst="rect">
+            <a:avLst/>
+          </a:prstGeom>
+        </p:spPr>
+        <p:txBody>
+          <a:bodyPr spcFirstLastPara="1" wrap="square" lIns="91425" tIns="91425" rIns="91425" bIns="91425" anchor="t" anchorCtr="0">
+            <a:noAutofit/>
+          </a:bodyPr>
+          <a:lstStyle/>
+          <a:p>
+            <a:pPr marL="0" lvl="0" indent="0" algn="l" rtl="0">
+              <a:spcBef>
+                <a:spcPts val="0"/>
+              </a:spcBef>
+              <a:spcAft>
+                <a:spcPts val="0"/>
+              </a:spcAft>
+              <a:buNone/>
+            </a:pPr>
+            <a:r>
+              <a:rPr lang="en" dirty="0"/>
+              <a:t>Developed Algorithms</a:t>
+            </a:r>
+            <a:endParaRPr dirty="0"/>
+          </a:p>
+        </p:txBody>
+      </p:sp>
+      <p:sp>
+        <p:nvSpPr>
+          <p:cNvPr id="6" name="Google Shape;469;p34">
             <a:extLst>
               <a:ext uri="{FF2B5EF4-FFF2-40B4-BE49-F238E27FC236}">
-                <a16:creationId xmlns:a16="http://schemas.microsoft.com/office/drawing/2014/main" id="{9E477386-1B29-D051-D21B-01DABCA6F49D}"/>
+                <a16:creationId xmlns:a16="http://schemas.microsoft.com/office/drawing/2014/main" id="{AA3961F8-7018-A193-E85A-6227DEFDB257}"/>
               </a:ext>
             </a:extLst>
           </p:cNvPr>
-          <p:cNvSpPr/>
+          <p:cNvSpPr txBox="1">
+            <a:spLocks/>
+          </p:cNvSpPr>
           <p:nvPr/>
         </p:nvSpPr>
         <p:spPr>
           <a:xfrm>
-            <a:off x="7231380" y="3423999"/>
-            <a:ext cx="1897380" cy="1704498"/>
+            <a:off x="77585" y="1395003"/>
+            <a:ext cx="4172507" cy="3246270"/>
           </a:xfrm>
           <a:prstGeom prst="rect">
             <a:avLst/>
           </a:prstGeom>
-          <a:solidFill>
-            <a:schemeClr val="bg1"/>
-          </a:solidFill>
-          <a:ln>
-            <a:solidFill>
-              <a:schemeClr val="bg1"/>
-            </a:solidFill>
-          </a:ln>
         </p:spPr>
-        <p:style>
-          <a:lnRef idx="2">
-            <a:schemeClr val="accent1">
-              <a:shade val="50000"/>
-            </a:schemeClr>
-          </a:lnRef>
-          <a:fillRef idx="1">
-            <a:schemeClr val="accent1"/>
-          </a:fillRef>
-          <a:effectRef idx="0">
-            <a:schemeClr val="accent1"/>
-          </a:effectRef>
-          <a:fontRef idx="minor">
-            <a:schemeClr val="lt1"/>
-          </a:fontRef>
-        </p:style>
         <p:txBody>
-          <a:bodyPr rtlCol="0" anchor="ctr"/>
+          <a:bodyPr spcFirstLastPara="1" wrap="square" lIns="91425" tIns="91425" rIns="91425" bIns="91425" anchor="t" anchorCtr="0">
+            <a:noAutofit/>
+          </a:bodyPr>
+          <a:lstStyle>
+            <a:defPPr marR="0" lvl="0" algn="l" rtl="0">
+              <a:lnSpc>
+                <a:spcPct val="100000"/>
+              </a:lnSpc>
+              <a:spcBef>
+                <a:spcPts val="0"/>
+              </a:spcBef>
+              <a:spcAft>
+                <a:spcPts val="0"/>
+              </a:spcAft>
+            </a:defPPr>
+            <a:lvl1pPr marR="0" lvl="0" algn="l" rtl="0">
+              <a:lnSpc>
+                <a:spcPct val="100000"/>
+              </a:lnSpc>
+              <a:spcBef>
+                <a:spcPts val="0"/>
+              </a:spcBef>
+              <a:spcAft>
+                <a:spcPts val="0"/>
+              </a:spcAft>
+              <a:buClr>
+                <a:srgbClr val="000000"/>
+              </a:buClr>
+              <a:buFont typeface="Arial"/>
+              <a:defRPr sz="1400" b="0" i="0" u="none" strike="noStrike" cap="none">
+                <a:solidFill>
+                  <a:srgbClr val="000000"/>
+                </a:solidFill>
+                <a:latin typeface="Arial"/>
+                <a:ea typeface="Arial"/>
+                <a:cs typeface="Arial"/>
+                <a:sym typeface="Arial"/>
+              </a:defRPr>
+            </a:lvl1pPr>
+            <a:lvl2pPr marR="0" lvl="1" algn="l" rtl="0">
+              <a:lnSpc>
+                <a:spcPct val="100000"/>
+              </a:lnSpc>
+              <a:spcBef>
+                <a:spcPts val="0"/>
+              </a:spcBef>
+              <a:spcAft>
+                <a:spcPts val="0"/>
+              </a:spcAft>
+              <a:buClr>
+                <a:srgbClr val="000000"/>
+              </a:buClr>
+              <a:buFont typeface="Arial"/>
+              <a:defRPr sz="1400" b="0" i="0" u="none" strike="noStrike" cap="none">
+                <a:solidFill>
+                  <a:srgbClr val="000000"/>
+                </a:solidFill>
+                <a:latin typeface="Arial"/>
+                <a:ea typeface="Arial"/>
+                <a:cs typeface="Arial"/>
+                <a:sym typeface="Arial"/>
+              </a:defRPr>
+            </a:lvl2pPr>
+            <a:lvl3pPr marR="0" lvl="2" algn="l" rtl="0">
+              <a:lnSpc>
+                <a:spcPct val="100000"/>
+              </a:lnSpc>
+              <a:spcBef>
+                <a:spcPts val="0"/>
+              </a:spcBef>
+              <a:spcAft>
+                <a:spcPts val="0"/>
+              </a:spcAft>
+              <a:buClr>
+                <a:srgbClr val="000000"/>
+              </a:buClr>
+              <a:buFont typeface="Arial"/>
+              <a:defRPr sz="1400" b="0" i="0" u="none" strike="noStrike" cap="none">
+                <a:solidFill>
+                  <a:srgbClr val="000000"/>
+                </a:solidFill>
+                <a:latin typeface="Arial"/>
+                <a:ea typeface="Arial"/>
+                <a:cs typeface="Arial"/>
+                <a:sym typeface="Arial"/>
+              </a:defRPr>
+            </a:lvl3pPr>
+            <a:lvl4pPr marR="0" lvl="3" algn="l" rtl="0">
+              <a:lnSpc>
+                <a:spcPct val="100000"/>
+              </a:lnSpc>
+              <a:spcBef>
+                <a:spcPts val="0"/>
+              </a:spcBef>
+              <a:spcAft>
+                <a:spcPts val="0"/>
+              </a:spcAft>
+              <a:buClr>
+                <a:srgbClr val="000000"/>
+              </a:buClr>
+              <a:buFont typeface="Arial"/>
+              <a:defRPr sz="1400" b="0" i="0" u="none" strike="noStrike" cap="none">
+                <a:solidFill>
+                  <a:srgbClr val="000000"/>
+                </a:solidFill>
+                <a:latin typeface="Arial"/>
+                <a:ea typeface="Arial"/>
+                <a:cs typeface="Arial"/>
+                <a:sym typeface="Arial"/>
+              </a:defRPr>
+            </a:lvl4pPr>
+            <a:lvl5pPr marR="0" lvl="4" algn="l" rtl="0">
+              <a:lnSpc>
+                <a:spcPct val="100000"/>
+              </a:lnSpc>
+              <a:spcBef>
+                <a:spcPts val="0"/>
+              </a:spcBef>
+              <a:spcAft>
+                <a:spcPts val="0"/>
+              </a:spcAft>
+              <a:buClr>
+                <a:srgbClr val="000000"/>
+              </a:buClr>
+              <a:buFont typeface="Arial"/>
+              <a:defRPr sz="1400" b="0" i="0" u="none" strike="noStrike" cap="none">
+                <a:solidFill>
+                  <a:srgbClr val="000000"/>
+                </a:solidFill>
+                <a:latin typeface="Arial"/>
+                <a:ea typeface="Arial"/>
+                <a:cs typeface="Arial"/>
+                <a:sym typeface="Arial"/>
+              </a:defRPr>
+            </a:lvl5pPr>
+            <a:lvl6pPr marR="0" lvl="5" algn="l" rtl="0">
+              <a:lnSpc>
+                <a:spcPct val="100000"/>
+              </a:lnSpc>
+              <a:spcBef>
+                <a:spcPts val="0"/>
+              </a:spcBef>
+              <a:spcAft>
+                <a:spcPts val="0"/>
+              </a:spcAft>
+              <a:buClr>
+                <a:srgbClr val="000000"/>
+              </a:buClr>
+              <a:buFont typeface="Arial"/>
+              <a:defRPr sz="1400" b="0" i="0" u="none" strike="noStrike" cap="none">
+                <a:solidFill>
+                  <a:srgbClr val="000000"/>
+                </a:solidFill>
+                <a:latin typeface="Arial"/>
+                <a:ea typeface="Arial"/>
+                <a:cs typeface="Arial"/>
+                <a:sym typeface="Arial"/>
+              </a:defRPr>
+            </a:lvl6pPr>
+            <a:lvl7pPr marR="0" lvl="6" algn="l" rtl="0">
+              <a:lnSpc>
+                <a:spcPct val="100000"/>
+              </a:lnSpc>
+              <a:spcBef>
+                <a:spcPts val="0"/>
+              </a:spcBef>
+              <a:spcAft>
+                <a:spcPts val="0"/>
+              </a:spcAft>
+              <a:buClr>
+                <a:srgbClr val="000000"/>
+              </a:buClr>
+              <a:buFont typeface="Arial"/>
+              <a:defRPr sz="1400" b="0" i="0" u="none" strike="noStrike" cap="none">
+                <a:solidFill>
+                  <a:srgbClr val="000000"/>
+                </a:solidFill>
+                <a:latin typeface="Arial"/>
+                <a:ea typeface="Arial"/>
+                <a:cs typeface="Arial"/>
+                <a:sym typeface="Arial"/>
+              </a:defRPr>
+            </a:lvl7pPr>
+            <a:lvl8pPr marR="0" lvl="7" algn="l" rtl="0">
+              <a:lnSpc>
+                <a:spcPct val="100000"/>
+              </a:lnSpc>
+              <a:spcBef>
+                <a:spcPts val="0"/>
+              </a:spcBef>
+              <a:spcAft>
+                <a:spcPts val="0"/>
+              </a:spcAft>
+              <a:buClr>
+                <a:srgbClr val="000000"/>
+              </a:buClr>
+              <a:buFont typeface="Arial"/>
+              <a:defRPr sz="1400" b="0" i="0" u="none" strike="noStrike" cap="none">
+                <a:solidFill>
+                  <a:srgbClr val="000000"/>
+                </a:solidFill>
+                <a:latin typeface="Arial"/>
+                <a:ea typeface="Arial"/>
+                <a:cs typeface="Arial"/>
+                <a:sym typeface="Arial"/>
+              </a:defRPr>
+            </a:lvl8pPr>
+            <a:lvl9pPr marR="0" lvl="8" algn="l" rtl="0">
+              <a:lnSpc>
+                <a:spcPct val="100000"/>
+              </a:lnSpc>
+              <a:spcBef>
+                <a:spcPts val="0"/>
+              </a:spcBef>
+              <a:spcAft>
+                <a:spcPts val="0"/>
+              </a:spcAft>
+              <a:buClr>
+                <a:srgbClr val="000000"/>
+              </a:buClr>
+              <a:buFont typeface="Arial"/>
+              <a:defRPr sz="1400" b="0" i="0" u="none" strike="noStrike" cap="none">
+                <a:solidFill>
+                  <a:srgbClr val="000000"/>
+                </a:solidFill>
+                <a:latin typeface="Arial"/>
+                <a:ea typeface="Arial"/>
+                <a:cs typeface="Arial"/>
+                <a:sym typeface="Arial"/>
+              </a:defRPr>
+            </a:lvl9pPr>
+          </a:lstStyle>
+          <a:p>
+            <a:pPr marL="285750" indent="-285750" algn="just">
+              <a:buFont typeface="Arial" panose="020B0604020202020204" pitchFamily="34" charset="0"/>
+              <a:buChar char="•"/>
+            </a:pPr>
+            <a:r>
+              <a:rPr lang="en-US" sz="1200" b="0" i="0" dirty="0">
+                <a:solidFill>
+                  <a:srgbClr val="263238"/>
+                </a:solidFill>
+                <a:effectLst/>
+                <a:latin typeface="Inter"/>
+              </a:rPr>
+              <a:t>DT has a slightly higher </a:t>
+            </a:r>
+            <a:r>
+              <a:rPr lang="en-US" sz="1200" b="1" i="0" dirty="0">
+                <a:solidFill>
+                  <a:srgbClr val="263238"/>
+                </a:solidFill>
+                <a:effectLst/>
+                <a:latin typeface="Inter"/>
+              </a:rPr>
+              <a:t>precision</a:t>
+            </a:r>
+            <a:r>
+              <a:rPr lang="en-US" sz="1200" b="0" i="0" dirty="0">
+                <a:solidFill>
+                  <a:srgbClr val="263238"/>
+                </a:solidFill>
+                <a:effectLst/>
+                <a:latin typeface="Inter"/>
+              </a:rPr>
+              <a:t> score (65.4%) than the other algorithms.</a:t>
+            </a:r>
+          </a:p>
+          <a:p>
+            <a:pPr algn="just"/>
+            <a:endParaRPr lang="en-US" sz="1200" b="0" i="0" dirty="0">
+              <a:solidFill>
+                <a:srgbClr val="263238"/>
+              </a:solidFill>
+              <a:effectLst/>
+              <a:latin typeface="Inter"/>
+            </a:endParaRPr>
+          </a:p>
+          <a:p>
+            <a:pPr marL="285750" indent="-285750" algn="just">
+              <a:buFont typeface="Arial" panose="020B0604020202020204" pitchFamily="34" charset="0"/>
+              <a:buChar char="•"/>
+            </a:pPr>
+            <a:r>
+              <a:rPr lang="en-US" sz="1200" dirty="0">
+                <a:solidFill>
+                  <a:srgbClr val="263238"/>
+                </a:solidFill>
+                <a:latin typeface="Inter"/>
+              </a:rPr>
+              <a:t>KNN has the highest </a:t>
+            </a:r>
+            <a:r>
+              <a:rPr lang="en-US" sz="1200" b="1" dirty="0">
+                <a:solidFill>
+                  <a:srgbClr val="263238"/>
+                </a:solidFill>
+                <a:latin typeface="Inter"/>
+              </a:rPr>
+              <a:t>recall</a:t>
+            </a:r>
+            <a:r>
+              <a:rPr lang="en-US" sz="1200" dirty="0">
+                <a:solidFill>
+                  <a:srgbClr val="263238"/>
+                </a:solidFill>
+                <a:latin typeface="Inter"/>
+              </a:rPr>
+              <a:t> (55.51%) and </a:t>
+            </a:r>
+            <a:r>
+              <a:rPr lang="en-US" sz="1200" b="1" dirty="0">
+                <a:solidFill>
+                  <a:srgbClr val="263238"/>
+                </a:solidFill>
+                <a:latin typeface="Inter"/>
+              </a:rPr>
+              <a:t>accuracy</a:t>
+            </a:r>
+            <a:r>
+              <a:rPr lang="en-US" sz="1200" dirty="0">
+                <a:solidFill>
+                  <a:srgbClr val="263238"/>
+                </a:solidFill>
+                <a:latin typeface="Inter"/>
+              </a:rPr>
+              <a:t> (64.06%) scores</a:t>
+            </a:r>
+            <a:r>
+              <a:rPr lang="en-US" sz="1200" b="0" i="0" dirty="0">
+                <a:solidFill>
+                  <a:srgbClr val="263238"/>
+                </a:solidFill>
+                <a:effectLst/>
+                <a:latin typeface="Inter"/>
+              </a:rPr>
+              <a:t>.</a:t>
+            </a:r>
+          </a:p>
+          <a:p>
+            <a:pPr algn="just"/>
+            <a:endParaRPr lang="en-US" sz="1200" b="0" i="0" dirty="0">
+              <a:solidFill>
+                <a:srgbClr val="263238"/>
+              </a:solidFill>
+              <a:effectLst/>
+              <a:latin typeface="Inter"/>
+            </a:endParaRPr>
+          </a:p>
+          <a:p>
+            <a:pPr marL="285750" indent="-285750" algn="just">
+              <a:buFont typeface="Arial" panose="020B0604020202020204" pitchFamily="34" charset="0"/>
+              <a:buChar char="•"/>
+            </a:pPr>
+            <a:r>
+              <a:rPr lang="en-US" sz="1200" b="0" i="0" dirty="0">
+                <a:solidFill>
+                  <a:srgbClr val="263238"/>
+                </a:solidFill>
+                <a:effectLst/>
+                <a:latin typeface="Inter"/>
+              </a:rPr>
+              <a:t>DT and KNN models also have the higher </a:t>
+            </a:r>
+            <a:r>
+              <a:rPr lang="en-US" sz="1200" b="1" i="0" dirty="0">
+                <a:solidFill>
+                  <a:srgbClr val="263238"/>
+                </a:solidFill>
+                <a:effectLst/>
+                <a:latin typeface="Inter"/>
+              </a:rPr>
+              <a:t>F-1</a:t>
+            </a:r>
+            <a:r>
+              <a:rPr lang="en-US" sz="1200" b="0" i="0" dirty="0">
+                <a:solidFill>
+                  <a:srgbClr val="263238"/>
+                </a:solidFill>
+                <a:effectLst/>
+                <a:latin typeface="Inter"/>
+              </a:rPr>
+              <a:t> scores (48.97% and 58.0%, respectively).</a:t>
+            </a:r>
+          </a:p>
+          <a:p>
+            <a:pPr algn="just"/>
+            <a:endParaRPr lang="en-US" sz="1200" dirty="0">
+              <a:solidFill>
+                <a:srgbClr val="263238"/>
+              </a:solidFill>
+              <a:latin typeface="Inter"/>
+            </a:endParaRPr>
+          </a:p>
+          <a:p>
+            <a:pPr marL="285750" indent="-285750" algn="just">
+              <a:buFont typeface="Arial" panose="020B0604020202020204" pitchFamily="34" charset="0"/>
+              <a:buChar char="•"/>
+            </a:pPr>
+            <a:r>
+              <a:rPr lang="en-US" sz="1200" dirty="0">
+                <a:solidFill>
+                  <a:srgbClr val="263238"/>
+                </a:solidFill>
+                <a:latin typeface="Inter"/>
+              </a:rPr>
+              <a:t>In terms of </a:t>
+            </a:r>
+            <a:r>
+              <a:rPr lang="en-US" sz="1200" b="1" dirty="0">
+                <a:solidFill>
+                  <a:srgbClr val="263238"/>
+                </a:solidFill>
+                <a:latin typeface="Inter"/>
+              </a:rPr>
+              <a:t>training time</a:t>
+            </a:r>
+            <a:r>
+              <a:rPr lang="en-US" sz="1200" dirty="0">
+                <a:solidFill>
+                  <a:srgbClr val="263238"/>
+                </a:solidFill>
+                <a:latin typeface="Inter"/>
+              </a:rPr>
+              <a:t>, DT was the fastest (1.29s) and NN the slowest (1643.99s </a:t>
+            </a:r>
+            <a:r>
+              <a:rPr lang="pt-PT" sz="1200" b="0" i="0" dirty="0">
+                <a:solidFill>
+                  <a:srgbClr val="263238"/>
+                </a:solidFill>
+                <a:effectLst/>
+                <a:latin typeface="Inter"/>
+              </a:rPr>
+              <a:t>≈ 27 min</a:t>
+            </a:r>
+            <a:r>
+              <a:rPr lang="en-US" sz="1200" dirty="0">
+                <a:solidFill>
+                  <a:srgbClr val="263238"/>
+                </a:solidFill>
+                <a:latin typeface="Inter"/>
+              </a:rPr>
+              <a:t>).</a:t>
+            </a:r>
+          </a:p>
+          <a:p>
+            <a:pPr algn="just"/>
+            <a:endParaRPr lang="en-US" sz="1200" dirty="0">
+              <a:solidFill>
+                <a:srgbClr val="263238"/>
+              </a:solidFill>
+              <a:latin typeface="Inter"/>
+            </a:endParaRPr>
+          </a:p>
+          <a:p>
+            <a:pPr marL="285750" indent="-285750" algn="just">
+              <a:buFont typeface="Arial" panose="020B0604020202020204" pitchFamily="34" charset="0"/>
+              <a:buChar char="•"/>
+            </a:pPr>
+            <a:r>
+              <a:rPr lang="en-US" sz="1200" dirty="0">
+                <a:solidFill>
+                  <a:srgbClr val="263238"/>
+                </a:solidFill>
+                <a:latin typeface="Inter"/>
+              </a:rPr>
+              <a:t>In terms of </a:t>
+            </a:r>
+            <a:r>
+              <a:rPr lang="en-US" sz="1200" b="1" dirty="0">
+                <a:solidFill>
+                  <a:srgbClr val="263238"/>
+                </a:solidFill>
+                <a:latin typeface="Inter"/>
+              </a:rPr>
+              <a:t>testing time</a:t>
+            </a:r>
+            <a:r>
+              <a:rPr lang="en-US" sz="1200" dirty="0">
+                <a:solidFill>
+                  <a:srgbClr val="263238"/>
+                </a:solidFill>
+                <a:latin typeface="Inter"/>
+              </a:rPr>
+              <a:t>, DT was once again the fastest (0.02s) and SVM was by far the slowest (443.29s </a:t>
+            </a:r>
+            <a:r>
+              <a:rPr lang="pt-PT" sz="1200" b="0" i="0" dirty="0">
+                <a:solidFill>
+                  <a:srgbClr val="263238"/>
+                </a:solidFill>
+                <a:effectLst/>
+                <a:latin typeface="Inter"/>
+              </a:rPr>
+              <a:t>≈ 7 min</a:t>
+            </a:r>
+            <a:r>
+              <a:rPr lang="en-US" sz="1200" dirty="0">
+                <a:solidFill>
+                  <a:srgbClr val="263238"/>
+                </a:solidFill>
+                <a:latin typeface="Inter"/>
+              </a:rPr>
+              <a:t>).</a:t>
+            </a:r>
+          </a:p>
+          <a:p>
+            <a:pPr marL="285750" indent="-285750" algn="just">
+              <a:buFont typeface="Arial" panose="020B0604020202020204" pitchFamily="34" charset="0"/>
+              <a:buChar char="•"/>
+            </a:pPr>
+            <a:endParaRPr lang="en-US" sz="1200" dirty="0">
+              <a:solidFill>
+                <a:srgbClr val="263238"/>
+              </a:solidFill>
+              <a:latin typeface="Inter"/>
+            </a:endParaRPr>
+          </a:p>
+          <a:p>
+            <a:pPr marL="285750" indent="-285750" algn="just">
+              <a:buFont typeface="Arial" panose="020B0604020202020204" pitchFamily="34" charset="0"/>
+              <a:buChar char="•"/>
+            </a:pPr>
+            <a:r>
+              <a:rPr lang="en-US" sz="1200" dirty="0">
+                <a:solidFill>
+                  <a:srgbClr val="263238"/>
+                </a:solidFill>
+                <a:latin typeface="Inter"/>
+              </a:rPr>
+              <a:t>But we must consider that the train size of SVM (10%) was smaller than the others (30%).</a:t>
+            </a:r>
+          </a:p>
+          <a:p>
+            <a:pPr marL="285750" indent="-285750" algn="just">
+              <a:buFont typeface="Arial" panose="020B0604020202020204" pitchFamily="34" charset="0"/>
+              <a:buChar char="•"/>
+            </a:pPr>
+            <a:endParaRPr lang="en-US" dirty="0">
+              <a:solidFill>
+                <a:srgbClr val="263238"/>
+              </a:solidFill>
+              <a:latin typeface="Inter"/>
+            </a:endParaRPr>
+          </a:p>
+        </p:txBody>
+      </p:sp>
+      <p:pic>
+        <p:nvPicPr>
+          <p:cNvPr id="10" name="Picture 9">
+            <a:extLst>
+              <a:ext uri="{FF2B5EF4-FFF2-40B4-BE49-F238E27FC236}">
+                <a16:creationId xmlns:a16="http://schemas.microsoft.com/office/drawing/2014/main" id="{08C06663-EC72-CBA7-0386-B8E49965EB31}"/>
+              </a:ext>
+            </a:extLst>
+          </p:cNvPr>
+          <p:cNvPicPr>
+            <a:picLocks noChangeAspect="1"/>
+          </p:cNvPicPr>
+          <p:nvPr/>
+        </p:nvPicPr>
+        <p:blipFill>
+          <a:blip r:embed="rId5"/>
+          <a:stretch>
+            <a:fillRect/>
+          </a:stretch>
+        </p:blipFill>
+        <p:spPr>
+          <a:xfrm>
+            <a:off x="6559012" y="3215017"/>
+            <a:ext cx="2584988" cy="1928483"/>
+          </a:xfrm>
+          <a:prstGeom prst="rect">
+            <a:avLst/>
+          </a:prstGeom>
+        </p:spPr>
+      </p:pic>
+    </p:spTree>
+    <p:extLst>
+      <p:ext uri="{BB962C8B-B14F-4D97-AF65-F5344CB8AC3E}">
+        <p14:creationId xmlns:p14="http://schemas.microsoft.com/office/powerpoint/2010/main" val="28566898"/>
+      </p:ext>
+    </p:extLst>
+  </p:cSld>
+  <p:clrMapOvr>
+    <a:masterClrMapping/>
+  </p:clrMapOvr>
+</p:sld>
+</file>
+
+<file path=ppt/slides/slide8.xml><?xml version="1.0" encoding="utf-8"?>
+<p:sld xmlns:a="http://schemas.openxmlformats.org/drawingml/2006/main" xmlns:r="http://schemas.openxmlformats.org/officeDocument/2006/relationships" xmlns:p="http://schemas.openxmlformats.org/presentationml/2006/main">
+  <p:cSld>
+    <p:spTree>
+      <p:nvGrpSpPr>
+        <p:cNvPr id="1" name="Shape 461"/>
+        <p:cNvGrpSpPr/>
+        <p:nvPr/>
+      </p:nvGrpSpPr>
+      <p:grpSpPr>
+        <a:xfrm>
+          <a:off x="0" y="0"/>
+          <a:ext cx="0" cy="0"/>
+          <a:chOff x="0" y="0"/>
+          <a:chExt cx="0" cy="0"/>
+        </a:xfrm>
+      </p:grpSpPr>
+      <p:sp>
+        <p:nvSpPr>
+          <p:cNvPr id="469" name="Google Shape;469;p34"/>
+          <p:cNvSpPr txBox="1">
+            <a:spLocks noGrp="1"/>
+          </p:cNvSpPr>
+          <p:nvPr>
+            <p:ph type="subTitle" idx="2"/>
+          </p:nvPr>
+        </p:nvSpPr>
+        <p:spPr>
+          <a:xfrm>
+            <a:off x="719999" y="1372649"/>
+            <a:ext cx="8098419" cy="1465144"/>
+          </a:xfrm>
+          <a:prstGeom prst="rect">
+            <a:avLst/>
+          </a:prstGeom>
+        </p:spPr>
+        <p:txBody>
+          <a:bodyPr spcFirstLastPara="1" wrap="square" lIns="91425" tIns="91425" rIns="91425" bIns="91425" anchor="t" anchorCtr="0">
+            <a:noAutofit/>
+          </a:bodyPr>
           <a:lstStyle/>
           <a:p>
-            <a:pPr algn="ctr"/>
-            <a:endParaRPr lang="pt-PT" dirty="0"/>
+            <a:pPr marL="0" lvl="0" indent="0" algn="just" rtl="0">
+              <a:spcBef>
+                <a:spcPts val="0"/>
+              </a:spcBef>
+              <a:spcAft>
+                <a:spcPts val="0"/>
+              </a:spcAft>
+              <a:buNone/>
+            </a:pPr>
+            <a:r>
+              <a:rPr lang="pt-PT" dirty="0" err="1">
+                <a:latin typeface="Inter"/>
+              </a:rPr>
+              <a:t>With</a:t>
+            </a:r>
+            <a:r>
+              <a:rPr lang="pt-PT" dirty="0">
+                <a:latin typeface="Inter"/>
+              </a:rPr>
+              <a:t> </a:t>
+            </a:r>
+            <a:r>
+              <a:rPr lang="pt-PT" dirty="0" err="1">
+                <a:latin typeface="Inter"/>
+              </a:rPr>
+              <a:t>this</a:t>
+            </a:r>
+            <a:r>
+              <a:rPr lang="pt-PT" dirty="0">
+                <a:latin typeface="Inter"/>
+              </a:rPr>
+              <a:t> </a:t>
+            </a:r>
+            <a:r>
+              <a:rPr lang="pt-PT" dirty="0" err="1">
+                <a:latin typeface="Inter"/>
+              </a:rPr>
+              <a:t>project</a:t>
+            </a:r>
+            <a:r>
+              <a:rPr lang="pt-PT" dirty="0">
+                <a:latin typeface="Inter"/>
+              </a:rPr>
+              <a:t>, </a:t>
+            </a:r>
+            <a:r>
+              <a:rPr lang="pt-PT" dirty="0" err="1">
+                <a:latin typeface="Inter"/>
+              </a:rPr>
+              <a:t>we</a:t>
+            </a:r>
+            <a:r>
+              <a:rPr lang="pt-PT" dirty="0">
+                <a:latin typeface="Inter"/>
+              </a:rPr>
+              <a:t> </a:t>
+            </a:r>
+            <a:r>
+              <a:rPr lang="pt-PT" dirty="0" err="1">
+                <a:latin typeface="Inter"/>
+              </a:rPr>
+              <a:t>have</a:t>
+            </a:r>
+            <a:r>
+              <a:rPr lang="pt-PT" dirty="0">
+                <a:latin typeface="Inter"/>
+              </a:rPr>
+              <a:t> </a:t>
+            </a:r>
+            <a:r>
+              <a:rPr lang="pt-PT" dirty="0" err="1">
+                <a:latin typeface="Inter"/>
+              </a:rPr>
+              <a:t>learned</a:t>
+            </a:r>
+            <a:r>
+              <a:rPr lang="pt-PT" dirty="0">
+                <a:latin typeface="Inter"/>
+              </a:rPr>
+              <a:t> to </a:t>
+            </a:r>
+            <a:r>
+              <a:rPr lang="pt-PT" dirty="0" err="1">
+                <a:latin typeface="Inter"/>
+              </a:rPr>
+              <a:t>work</a:t>
+            </a:r>
+            <a:r>
+              <a:rPr lang="pt-PT" dirty="0">
+                <a:latin typeface="Inter"/>
+              </a:rPr>
+              <a:t> </a:t>
+            </a:r>
+            <a:r>
+              <a:rPr lang="pt-PT" dirty="0" err="1">
+                <a:latin typeface="Inter"/>
+              </a:rPr>
+              <a:t>with</a:t>
+            </a:r>
+            <a:r>
+              <a:rPr lang="pt-PT" dirty="0">
+                <a:latin typeface="Inter"/>
+              </a:rPr>
+              <a:t> </a:t>
+            </a:r>
+            <a:r>
+              <a:rPr lang="pt-PT" dirty="0" err="1">
+                <a:latin typeface="Inter"/>
+              </a:rPr>
+              <a:t>various</a:t>
+            </a:r>
+            <a:r>
+              <a:rPr lang="pt-PT" dirty="0">
+                <a:latin typeface="Inter"/>
+              </a:rPr>
+              <a:t> </a:t>
+            </a:r>
+            <a:r>
+              <a:rPr lang="pt-PT" dirty="0" err="1">
+                <a:latin typeface="Inter"/>
+              </a:rPr>
+              <a:t>Machine</a:t>
+            </a:r>
+            <a:r>
+              <a:rPr lang="pt-PT" dirty="0">
+                <a:latin typeface="Inter"/>
+              </a:rPr>
+              <a:t> </a:t>
+            </a:r>
+            <a:r>
+              <a:rPr lang="pt-PT" dirty="0" err="1">
+                <a:latin typeface="Inter"/>
+              </a:rPr>
+              <a:t>Learning</a:t>
+            </a:r>
+            <a:r>
+              <a:rPr lang="pt-PT" dirty="0">
+                <a:latin typeface="Inter"/>
+              </a:rPr>
+              <a:t> </a:t>
+            </a:r>
+            <a:r>
+              <a:rPr lang="pt-PT" dirty="0" err="1">
+                <a:latin typeface="Inter"/>
+              </a:rPr>
+              <a:t>models</a:t>
+            </a:r>
+            <a:r>
+              <a:rPr lang="pt-PT" dirty="0">
+                <a:latin typeface="Inter"/>
+              </a:rPr>
+              <a:t> </a:t>
+            </a:r>
+            <a:r>
+              <a:rPr lang="pt-PT" dirty="0" err="1">
+                <a:latin typeface="Inter"/>
+              </a:rPr>
+              <a:t>directed</a:t>
+            </a:r>
+            <a:r>
+              <a:rPr lang="pt-PT" dirty="0">
+                <a:latin typeface="Inter"/>
+              </a:rPr>
+              <a:t> </a:t>
+            </a:r>
+            <a:r>
+              <a:rPr lang="pt-PT" dirty="0" err="1">
+                <a:latin typeface="Inter"/>
+              </a:rPr>
+              <a:t>at</a:t>
+            </a:r>
+            <a:r>
+              <a:rPr lang="pt-PT" dirty="0">
+                <a:latin typeface="Inter"/>
+              </a:rPr>
+              <a:t> </a:t>
+            </a:r>
+            <a:r>
+              <a:rPr lang="pt-PT" dirty="0" err="1">
+                <a:latin typeface="Inter"/>
+              </a:rPr>
+              <a:t>Supervised</a:t>
+            </a:r>
+            <a:r>
+              <a:rPr lang="pt-PT" dirty="0">
+                <a:latin typeface="Inter"/>
+              </a:rPr>
+              <a:t> </a:t>
+            </a:r>
+            <a:r>
+              <a:rPr lang="pt-PT" dirty="0" err="1">
+                <a:latin typeface="Inter"/>
+              </a:rPr>
+              <a:t>Learning</a:t>
+            </a:r>
+            <a:r>
+              <a:rPr lang="pt-PT" dirty="0">
+                <a:latin typeface="Inter"/>
+              </a:rPr>
+              <a:t>.</a:t>
+            </a:r>
+          </a:p>
+          <a:p>
+            <a:pPr marL="0" lvl="0" indent="0" algn="just" rtl="0">
+              <a:spcBef>
+                <a:spcPts val="0"/>
+              </a:spcBef>
+              <a:spcAft>
+                <a:spcPts val="0"/>
+              </a:spcAft>
+              <a:buNone/>
+            </a:pPr>
+            <a:endParaRPr lang="pt-PT" dirty="0">
+              <a:latin typeface="Inter"/>
+            </a:endParaRPr>
+          </a:p>
+          <a:p>
+            <a:pPr marL="0" lvl="0" indent="0" algn="just" rtl="0">
+              <a:spcBef>
+                <a:spcPts val="0"/>
+              </a:spcBef>
+              <a:spcAft>
+                <a:spcPts val="0"/>
+              </a:spcAft>
+              <a:buNone/>
+            </a:pPr>
+            <a:r>
+              <a:rPr lang="en-US" b="0" i="0" dirty="0">
+                <a:solidFill>
+                  <a:srgbClr val="263238"/>
+                </a:solidFill>
+                <a:effectLst/>
+                <a:latin typeface="Inter"/>
+              </a:rPr>
+              <a:t>Overall, </a:t>
+            </a:r>
+            <a:r>
+              <a:rPr lang="en-US" b="1" i="0" dirty="0">
+                <a:solidFill>
+                  <a:srgbClr val="263238"/>
+                </a:solidFill>
+                <a:effectLst/>
+                <a:latin typeface="Inter"/>
+              </a:rPr>
+              <a:t>Decision Tree </a:t>
+            </a:r>
+            <a:r>
+              <a:rPr lang="en-US" b="0" i="0" dirty="0">
+                <a:solidFill>
+                  <a:srgbClr val="263238"/>
+                </a:solidFill>
+                <a:effectLst/>
+                <a:latin typeface="Inter"/>
+              </a:rPr>
+              <a:t>and </a:t>
+            </a:r>
+            <a:r>
+              <a:rPr lang="en-US" b="1" i="0" dirty="0">
+                <a:solidFill>
+                  <a:srgbClr val="263238"/>
+                </a:solidFill>
+                <a:effectLst/>
+                <a:latin typeface="Inter"/>
+              </a:rPr>
+              <a:t>K-Nearest </a:t>
+            </a:r>
+            <a:r>
+              <a:rPr lang="en-US" b="1" dirty="0">
+                <a:solidFill>
+                  <a:srgbClr val="263238"/>
+                </a:solidFill>
+                <a:latin typeface="Inter"/>
+              </a:rPr>
+              <a:t>N</a:t>
+            </a:r>
+            <a:r>
+              <a:rPr lang="en-US" b="1" i="0" dirty="0">
+                <a:solidFill>
+                  <a:srgbClr val="263238"/>
+                </a:solidFill>
+                <a:effectLst/>
+                <a:latin typeface="Inter"/>
+              </a:rPr>
+              <a:t>eighbors </a:t>
+            </a:r>
+            <a:r>
+              <a:rPr lang="en-US" b="0" i="0" dirty="0">
+                <a:solidFill>
+                  <a:srgbClr val="263238"/>
+                </a:solidFill>
+                <a:effectLst/>
+                <a:latin typeface="Inter"/>
+              </a:rPr>
+              <a:t>models performed relatively better than </a:t>
+            </a:r>
+            <a:r>
+              <a:rPr lang="en-US" b="1" i="0" dirty="0">
+                <a:solidFill>
+                  <a:srgbClr val="263238"/>
+                </a:solidFill>
+                <a:effectLst/>
+                <a:latin typeface="Inter"/>
+              </a:rPr>
+              <a:t>Support Vector </a:t>
+            </a:r>
+            <a:r>
+              <a:rPr lang="en-US" b="1" dirty="0">
+                <a:solidFill>
+                  <a:srgbClr val="263238"/>
+                </a:solidFill>
+                <a:latin typeface="Inter"/>
+              </a:rPr>
+              <a:t>M</a:t>
+            </a:r>
+            <a:r>
+              <a:rPr lang="en-US" b="1" i="0" dirty="0">
+                <a:solidFill>
+                  <a:srgbClr val="263238"/>
+                </a:solidFill>
+                <a:effectLst/>
+                <a:latin typeface="Inter"/>
+              </a:rPr>
+              <a:t>achine</a:t>
+            </a:r>
+            <a:r>
+              <a:rPr lang="en-US" b="0" i="0" dirty="0">
+                <a:solidFill>
+                  <a:srgbClr val="263238"/>
+                </a:solidFill>
+                <a:effectLst/>
+                <a:latin typeface="Inter"/>
+              </a:rPr>
+              <a:t> and </a:t>
+            </a:r>
+            <a:r>
+              <a:rPr lang="en-US" b="1" i="0" dirty="0">
+                <a:solidFill>
+                  <a:srgbClr val="263238"/>
+                </a:solidFill>
+                <a:effectLst/>
+                <a:latin typeface="Inter"/>
+              </a:rPr>
+              <a:t>Neural Network </a:t>
+            </a:r>
+            <a:r>
+              <a:rPr lang="en-US" b="0" i="0" dirty="0">
+                <a:solidFill>
+                  <a:srgbClr val="263238"/>
+                </a:solidFill>
+                <a:effectLst/>
+                <a:latin typeface="Inter"/>
+              </a:rPr>
+              <a:t>in predicting flight delays. </a:t>
+            </a:r>
+            <a:r>
+              <a:rPr lang="pt-PT" b="0" i="0" dirty="0" err="1">
+                <a:solidFill>
+                  <a:srgbClr val="263238"/>
+                </a:solidFill>
+                <a:effectLst/>
+                <a:latin typeface="Inter"/>
+              </a:rPr>
+              <a:t>They</a:t>
+            </a:r>
+            <a:r>
+              <a:rPr lang="pt-PT" b="0" i="0" dirty="0">
+                <a:solidFill>
+                  <a:srgbClr val="263238"/>
+                </a:solidFill>
+                <a:effectLst/>
+                <a:latin typeface="Inter"/>
+              </a:rPr>
+              <a:t> </a:t>
+            </a:r>
+            <a:r>
+              <a:rPr lang="pt-PT" b="0" i="0" dirty="0" err="1">
+                <a:solidFill>
+                  <a:srgbClr val="263238"/>
+                </a:solidFill>
+                <a:effectLst/>
+                <a:latin typeface="Inter"/>
+              </a:rPr>
+              <a:t>achieved</a:t>
+            </a:r>
+            <a:r>
+              <a:rPr lang="pt-PT" b="0" i="0" dirty="0">
+                <a:solidFill>
+                  <a:srgbClr val="263238"/>
+                </a:solidFill>
+                <a:effectLst/>
+                <a:latin typeface="Inter"/>
+              </a:rPr>
+              <a:t> </a:t>
+            </a:r>
+            <a:r>
+              <a:rPr lang="pt-PT" b="0" i="0" dirty="0" err="1">
+                <a:solidFill>
+                  <a:srgbClr val="263238"/>
+                </a:solidFill>
+                <a:effectLst/>
+                <a:latin typeface="Inter"/>
+              </a:rPr>
+              <a:t>higher</a:t>
+            </a:r>
+            <a:r>
+              <a:rPr lang="pt-PT" b="0" i="0" dirty="0">
+                <a:solidFill>
+                  <a:srgbClr val="263238"/>
+                </a:solidFill>
+                <a:effectLst/>
+                <a:latin typeface="Inter"/>
+              </a:rPr>
+              <a:t> </a:t>
+            </a:r>
+            <a:r>
+              <a:rPr lang="pt-PT" b="0" i="0" dirty="0" err="1">
+                <a:solidFill>
+                  <a:srgbClr val="263238"/>
+                </a:solidFill>
+                <a:effectLst/>
+                <a:latin typeface="Inter"/>
+              </a:rPr>
+              <a:t>evaluation</a:t>
+            </a:r>
+            <a:r>
+              <a:rPr lang="pt-PT" b="0" i="0" dirty="0">
+                <a:solidFill>
+                  <a:srgbClr val="263238"/>
+                </a:solidFill>
+                <a:effectLst/>
+                <a:latin typeface="Inter"/>
+              </a:rPr>
+              <a:t> </a:t>
+            </a:r>
+            <a:r>
+              <a:rPr lang="pt-PT" b="0" i="0" dirty="0" err="1">
+                <a:solidFill>
+                  <a:srgbClr val="263238"/>
+                </a:solidFill>
+                <a:effectLst/>
+                <a:latin typeface="Inter"/>
+              </a:rPr>
+              <a:t>metrics</a:t>
+            </a:r>
+            <a:r>
+              <a:rPr lang="pt-PT" b="0" i="0" dirty="0">
+                <a:solidFill>
+                  <a:srgbClr val="263238"/>
+                </a:solidFill>
+                <a:effectLst/>
+                <a:latin typeface="Inter"/>
+              </a:rPr>
+              <a:t> scores </a:t>
+            </a:r>
+            <a:r>
+              <a:rPr lang="pt-PT" b="0" i="0" dirty="0" err="1">
+                <a:solidFill>
+                  <a:srgbClr val="263238"/>
+                </a:solidFill>
+                <a:effectLst/>
+                <a:latin typeface="Inter"/>
+              </a:rPr>
+              <a:t>and</a:t>
+            </a:r>
+            <a:r>
+              <a:rPr lang="pt-PT" b="0" i="0" dirty="0">
+                <a:solidFill>
+                  <a:srgbClr val="263238"/>
+                </a:solidFill>
+                <a:effectLst/>
+                <a:latin typeface="Inter"/>
+              </a:rPr>
+              <a:t> </a:t>
+            </a:r>
+            <a:r>
+              <a:rPr lang="pt-PT" b="0" i="0" dirty="0" err="1">
+                <a:solidFill>
+                  <a:srgbClr val="263238"/>
+                </a:solidFill>
+                <a:effectLst/>
+                <a:latin typeface="Inter"/>
+              </a:rPr>
+              <a:t>by</a:t>
+            </a:r>
+            <a:r>
+              <a:rPr lang="pt-PT" b="0" i="0" dirty="0">
+                <a:solidFill>
+                  <a:srgbClr val="263238"/>
+                </a:solidFill>
+                <a:effectLst/>
+                <a:latin typeface="Inter"/>
+              </a:rPr>
+              <a:t> </a:t>
+            </a:r>
+            <a:r>
+              <a:rPr lang="pt-PT" b="0" i="0" dirty="0" err="1">
+                <a:solidFill>
+                  <a:srgbClr val="263238"/>
+                </a:solidFill>
+                <a:effectLst/>
+                <a:latin typeface="Inter"/>
+              </a:rPr>
+              <a:t>far</a:t>
+            </a:r>
+            <a:r>
+              <a:rPr lang="pt-PT" b="0" i="0" dirty="0">
+                <a:solidFill>
+                  <a:srgbClr val="263238"/>
+                </a:solidFill>
+                <a:effectLst/>
+                <a:latin typeface="Inter"/>
+              </a:rPr>
+              <a:t> </a:t>
+            </a:r>
+            <a:r>
+              <a:rPr lang="pt-PT" b="0" i="0" dirty="0" err="1">
+                <a:solidFill>
+                  <a:srgbClr val="263238"/>
+                </a:solidFill>
+                <a:effectLst/>
+                <a:latin typeface="Inter"/>
+              </a:rPr>
+              <a:t>the</a:t>
+            </a:r>
+            <a:r>
+              <a:rPr lang="pt-PT" b="0" i="0" dirty="0">
+                <a:solidFill>
+                  <a:srgbClr val="263238"/>
+                </a:solidFill>
+                <a:effectLst/>
+                <a:latin typeface="Inter"/>
+              </a:rPr>
+              <a:t> </a:t>
+            </a:r>
+            <a:r>
+              <a:rPr lang="pt-PT" b="0" i="0" dirty="0" err="1">
+                <a:solidFill>
+                  <a:srgbClr val="263238"/>
+                </a:solidFill>
+                <a:effectLst/>
+                <a:latin typeface="Inter"/>
+              </a:rPr>
+              <a:t>fastest</a:t>
+            </a:r>
+            <a:r>
+              <a:rPr lang="pt-PT" b="0" i="0" dirty="0">
+                <a:solidFill>
+                  <a:srgbClr val="263238"/>
+                </a:solidFill>
+                <a:effectLst/>
+                <a:latin typeface="Inter"/>
+              </a:rPr>
+              <a:t> </a:t>
+            </a:r>
+            <a:r>
+              <a:rPr lang="pt-PT" b="0" i="0" dirty="0" err="1">
+                <a:solidFill>
+                  <a:srgbClr val="263238"/>
+                </a:solidFill>
+                <a:effectLst/>
+                <a:latin typeface="Inter"/>
+              </a:rPr>
+              <a:t>train</a:t>
+            </a:r>
+            <a:r>
+              <a:rPr lang="pt-PT" b="0" i="0" dirty="0">
+                <a:solidFill>
+                  <a:srgbClr val="263238"/>
+                </a:solidFill>
+                <a:effectLst/>
+                <a:latin typeface="Inter"/>
+              </a:rPr>
+              <a:t>/</a:t>
+            </a:r>
+            <a:r>
+              <a:rPr lang="pt-PT" b="0" i="0" dirty="0" err="1">
+                <a:solidFill>
+                  <a:srgbClr val="263238"/>
+                </a:solidFill>
+                <a:effectLst/>
+                <a:latin typeface="Inter"/>
+              </a:rPr>
+              <a:t>test</a:t>
+            </a:r>
+            <a:r>
+              <a:rPr lang="pt-PT" b="0" i="0" dirty="0">
+                <a:solidFill>
+                  <a:srgbClr val="263238"/>
+                </a:solidFill>
+                <a:effectLst/>
+                <a:latin typeface="Inter"/>
+              </a:rPr>
+              <a:t> times.</a:t>
+            </a:r>
+            <a:endParaRPr dirty="0">
+              <a:solidFill>
+                <a:srgbClr val="263238"/>
+              </a:solidFill>
+              <a:latin typeface="Inter"/>
+            </a:endParaRPr>
           </a:p>
         </p:txBody>
       </p:sp>
@@ -12774,588 +14664,16 @@
             </a:pPr>
             <a:r>
               <a:rPr lang="en" dirty="0"/>
-              <a:t>Developed Algorithms</a:t>
+              <a:t>Conclusion</a:t>
             </a:r>
             <a:endParaRPr dirty="0"/>
           </a:p>
         </p:txBody>
       </p:sp>
-      <p:sp>
-        <p:nvSpPr>
-          <p:cNvPr id="6" name="Google Shape;469;p34">
-            <a:extLst>
-              <a:ext uri="{FF2B5EF4-FFF2-40B4-BE49-F238E27FC236}">
-                <a16:creationId xmlns:a16="http://schemas.microsoft.com/office/drawing/2014/main" id="{AA3961F8-7018-A193-E85A-6227DEFDB257}"/>
-              </a:ext>
-            </a:extLst>
-          </p:cNvPr>
-          <p:cNvSpPr txBox="1">
-            <a:spLocks/>
-          </p:cNvSpPr>
-          <p:nvPr/>
-        </p:nvSpPr>
-        <p:spPr>
-          <a:xfrm>
-            <a:off x="720000" y="1205007"/>
-            <a:ext cx="3371941" cy="3755849"/>
-          </a:xfrm>
-          <a:prstGeom prst="rect">
-            <a:avLst/>
-          </a:prstGeom>
-        </p:spPr>
-        <p:txBody>
-          <a:bodyPr spcFirstLastPara="1" wrap="square" lIns="91425" tIns="91425" rIns="91425" bIns="91425" anchor="t" anchorCtr="0">
-            <a:noAutofit/>
-          </a:bodyPr>
-          <a:lstStyle>
-            <a:defPPr marR="0" lvl="0" algn="l" rtl="0">
-              <a:lnSpc>
-                <a:spcPct val="100000"/>
-              </a:lnSpc>
-              <a:spcBef>
-                <a:spcPts val="0"/>
-              </a:spcBef>
-              <a:spcAft>
-                <a:spcPts val="0"/>
-              </a:spcAft>
-            </a:defPPr>
-            <a:lvl1pPr marR="0" lvl="0" algn="l" rtl="0">
-              <a:lnSpc>
-                <a:spcPct val="100000"/>
-              </a:lnSpc>
-              <a:spcBef>
-                <a:spcPts val="0"/>
-              </a:spcBef>
-              <a:spcAft>
-                <a:spcPts val="0"/>
-              </a:spcAft>
-              <a:buClr>
-                <a:srgbClr val="000000"/>
-              </a:buClr>
-              <a:buFont typeface="Arial"/>
-              <a:defRPr sz="1400" b="0" i="0" u="none" strike="noStrike" cap="none">
-                <a:solidFill>
-                  <a:srgbClr val="000000"/>
-                </a:solidFill>
-                <a:latin typeface="Arial"/>
-                <a:ea typeface="Arial"/>
-                <a:cs typeface="Arial"/>
-                <a:sym typeface="Arial"/>
-              </a:defRPr>
-            </a:lvl1pPr>
-            <a:lvl2pPr marR="0" lvl="1" algn="l" rtl="0">
-              <a:lnSpc>
-                <a:spcPct val="100000"/>
-              </a:lnSpc>
-              <a:spcBef>
-                <a:spcPts val="0"/>
-              </a:spcBef>
-              <a:spcAft>
-                <a:spcPts val="0"/>
-              </a:spcAft>
-              <a:buClr>
-                <a:srgbClr val="000000"/>
-              </a:buClr>
-              <a:buFont typeface="Arial"/>
-              <a:defRPr sz="1400" b="0" i="0" u="none" strike="noStrike" cap="none">
-                <a:solidFill>
-                  <a:srgbClr val="000000"/>
-                </a:solidFill>
-                <a:latin typeface="Arial"/>
-                <a:ea typeface="Arial"/>
-                <a:cs typeface="Arial"/>
-                <a:sym typeface="Arial"/>
-              </a:defRPr>
-            </a:lvl2pPr>
-            <a:lvl3pPr marR="0" lvl="2" algn="l" rtl="0">
-              <a:lnSpc>
-                <a:spcPct val="100000"/>
-              </a:lnSpc>
-              <a:spcBef>
-                <a:spcPts val="0"/>
-              </a:spcBef>
-              <a:spcAft>
-                <a:spcPts val="0"/>
-              </a:spcAft>
-              <a:buClr>
-                <a:srgbClr val="000000"/>
-              </a:buClr>
-              <a:buFont typeface="Arial"/>
-              <a:defRPr sz="1400" b="0" i="0" u="none" strike="noStrike" cap="none">
-                <a:solidFill>
-                  <a:srgbClr val="000000"/>
-                </a:solidFill>
-                <a:latin typeface="Arial"/>
-                <a:ea typeface="Arial"/>
-                <a:cs typeface="Arial"/>
-                <a:sym typeface="Arial"/>
-              </a:defRPr>
-            </a:lvl3pPr>
-            <a:lvl4pPr marR="0" lvl="3" algn="l" rtl="0">
-              <a:lnSpc>
-                <a:spcPct val="100000"/>
-              </a:lnSpc>
-              <a:spcBef>
-                <a:spcPts val="0"/>
-              </a:spcBef>
-              <a:spcAft>
-                <a:spcPts val="0"/>
-              </a:spcAft>
-              <a:buClr>
-                <a:srgbClr val="000000"/>
-              </a:buClr>
-              <a:buFont typeface="Arial"/>
-              <a:defRPr sz="1400" b="0" i="0" u="none" strike="noStrike" cap="none">
-                <a:solidFill>
-                  <a:srgbClr val="000000"/>
-                </a:solidFill>
-                <a:latin typeface="Arial"/>
-                <a:ea typeface="Arial"/>
-                <a:cs typeface="Arial"/>
-                <a:sym typeface="Arial"/>
-              </a:defRPr>
-            </a:lvl4pPr>
-            <a:lvl5pPr marR="0" lvl="4" algn="l" rtl="0">
-              <a:lnSpc>
-                <a:spcPct val="100000"/>
-              </a:lnSpc>
-              <a:spcBef>
-                <a:spcPts val="0"/>
-              </a:spcBef>
-              <a:spcAft>
-                <a:spcPts val="0"/>
-              </a:spcAft>
-              <a:buClr>
-                <a:srgbClr val="000000"/>
-              </a:buClr>
-              <a:buFont typeface="Arial"/>
-              <a:defRPr sz="1400" b="0" i="0" u="none" strike="noStrike" cap="none">
-                <a:solidFill>
-                  <a:srgbClr val="000000"/>
-                </a:solidFill>
-                <a:latin typeface="Arial"/>
-                <a:ea typeface="Arial"/>
-                <a:cs typeface="Arial"/>
-                <a:sym typeface="Arial"/>
-              </a:defRPr>
-            </a:lvl5pPr>
-            <a:lvl6pPr marR="0" lvl="5" algn="l" rtl="0">
-              <a:lnSpc>
-                <a:spcPct val="100000"/>
-              </a:lnSpc>
-              <a:spcBef>
-                <a:spcPts val="0"/>
-              </a:spcBef>
-              <a:spcAft>
-                <a:spcPts val="0"/>
-              </a:spcAft>
-              <a:buClr>
-                <a:srgbClr val="000000"/>
-              </a:buClr>
-              <a:buFont typeface="Arial"/>
-              <a:defRPr sz="1400" b="0" i="0" u="none" strike="noStrike" cap="none">
-                <a:solidFill>
-                  <a:srgbClr val="000000"/>
-                </a:solidFill>
-                <a:latin typeface="Arial"/>
-                <a:ea typeface="Arial"/>
-                <a:cs typeface="Arial"/>
-                <a:sym typeface="Arial"/>
-              </a:defRPr>
-            </a:lvl6pPr>
-            <a:lvl7pPr marR="0" lvl="6" algn="l" rtl="0">
-              <a:lnSpc>
-                <a:spcPct val="100000"/>
-              </a:lnSpc>
-              <a:spcBef>
-                <a:spcPts val="0"/>
-              </a:spcBef>
-              <a:spcAft>
-                <a:spcPts val="0"/>
-              </a:spcAft>
-              <a:buClr>
-                <a:srgbClr val="000000"/>
-              </a:buClr>
-              <a:buFont typeface="Arial"/>
-              <a:defRPr sz="1400" b="0" i="0" u="none" strike="noStrike" cap="none">
-                <a:solidFill>
-                  <a:srgbClr val="000000"/>
-                </a:solidFill>
-                <a:latin typeface="Arial"/>
-                <a:ea typeface="Arial"/>
-                <a:cs typeface="Arial"/>
-                <a:sym typeface="Arial"/>
-              </a:defRPr>
-            </a:lvl7pPr>
-            <a:lvl8pPr marR="0" lvl="7" algn="l" rtl="0">
-              <a:lnSpc>
-                <a:spcPct val="100000"/>
-              </a:lnSpc>
-              <a:spcBef>
-                <a:spcPts val="0"/>
-              </a:spcBef>
-              <a:spcAft>
-                <a:spcPts val="0"/>
-              </a:spcAft>
-              <a:buClr>
-                <a:srgbClr val="000000"/>
-              </a:buClr>
-              <a:buFont typeface="Arial"/>
-              <a:defRPr sz="1400" b="0" i="0" u="none" strike="noStrike" cap="none">
-                <a:solidFill>
-                  <a:srgbClr val="000000"/>
-                </a:solidFill>
-                <a:latin typeface="Arial"/>
-                <a:ea typeface="Arial"/>
-                <a:cs typeface="Arial"/>
-                <a:sym typeface="Arial"/>
-              </a:defRPr>
-            </a:lvl8pPr>
-            <a:lvl9pPr marR="0" lvl="8" algn="l" rtl="0">
-              <a:lnSpc>
-                <a:spcPct val="100000"/>
-              </a:lnSpc>
-              <a:spcBef>
-                <a:spcPts val="0"/>
-              </a:spcBef>
-              <a:spcAft>
-                <a:spcPts val="0"/>
-              </a:spcAft>
-              <a:buClr>
-                <a:srgbClr val="000000"/>
-              </a:buClr>
-              <a:buFont typeface="Arial"/>
-              <a:defRPr sz="1400" b="0" i="0" u="none" strike="noStrike" cap="none">
-                <a:solidFill>
-                  <a:srgbClr val="000000"/>
-                </a:solidFill>
-                <a:latin typeface="Arial"/>
-                <a:ea typeface="Arial"/>
-                <a:cs typeface="Arial"/>
-                <a:sym typeface="Arial"/>
-              </a:defRPr>
-            </a:lvl9pPr>
-          </a:lstStyle>
-          <a:p>
-            <a:pPr marL="285750" indent="-285750" algn="just">
-              <a:buFont typeface="Arial" panose="020B0604020202020204" pitchFamily="34" charset="0"/>
-              <a:buChar char="•"/>
-            </a:pPr>
-            <a:r>
-              <a:rPr lang="en-US" b="0" i="0" dirty="0">
-                <a:solidFill>
-                  <a:srgbClr val="263238"/>
-                </a:solidFill>
-                <a:effectLst/>
-                <a:latin typeface="Inter"/>
-              </a:rPr>
-              <a:t>DT has a slightly higher </a:t>
-            </a:r>
-            <a:r>
-              <a:rPr lang="en-US" b="1" i="0" dirty="0">
-                <a:solidFill>
-                  <a:srgbClr val="263238"/>
-                </a:solidFill>
-                <a:effectLst/>
-                <a:latin typeface="Inter"/>
-              </a:rPr>
-              <a:t>precision</a:t>
-            </a:r>
-            <a:r>
-              <a:rPr lang="en-US" b="0" i="0" dirty="0">
-                <a:solidFill>
-                  <a:srgbClr val="263238"/>
-                </a:solidFill>
-                <a:effectLst/>
-                <a:latin typeface="Inter"/>
-              </a:rPr>
-              <a:t> score (65.4%) than the other algorithms.</a:t>
-            </a:r>
-          </a:p>
-          <a:p>
-            <a:pPr marL="285750" indent="-285750" algn="just">
-              <a:buFont typeface="Arial" panose="020B0604020202020204" pitchFamily="34" charset="0"/>
-              <a:buChar char="•"/>
-            </a:pPr>
-            <a:endParaRPr lang="en-US" b="0" i="0" dirty="0">
-              <a:solidFill>
-                <a:srgbClr val="263238"/>
-              </a:solidFill>
-              <a:effectLst/>
-              <a:latin typeface="Inter"/>
-            </a:endParaRPr>
-          </a:p>
-          <a:p>
-            <a:pPr marL="285750" indent="-285750" algn="just">
-              <a:buFont typeface="Arial" panose="020B0604020202020204" pitchFamily="34" charset="0"/>
-              <a:buChar char="•"/>
-            </a:pPr>
-            <a:r>
-              <a:rPr lang="en-US" dirty="0">
-                <a:solidFill>
-                  <a:srgbClr val="263238"/>
-                </a:solidFill>
-                <a:latin typeface="Inter"/>
-              </a:rPr>
-              <a:t>KNN has the highest </a:t>
-            </a:r>
-            <a:r>
-              <a:rPr lang="en-US" b="1" dirty="0">
-                <a:solidFill>
-                  <a:srgbClr val="263238"/>
-                </a:solidFill>
-                <a:latin typeface="Inter"/>
-              </a:rPr>
-              <a:t>recall</a:t>
-            </a:r>
-            <a:r>
-              <a:rPr lang="en-US" dirty="0">
-                <a:solidFill>
-                  <a:srgbClr val="263238"/>
-                </a:solidFill>
-                <a:latin typeface="Inter"/>
-              </a:rPr>
-              <a:t> (55.51%) and </a:t>
-            </a:r>
-            <a:r>
-              <a:rPr lang="en-US" b="1" dirty="0">
-                <a:solidFill>
-                  <a:srgbClr val="263238"/>
-                </a:solidFill>
-                <a:latin typeface="Inter"/>
-              </a:rPr>
-              <a:t>accuracy</a:t>
-            </a:r>
-            <a:r>
-              <a:rPr lang="en-US" dirty="0">
-                <a:solidFill>
-                  <a:srgbClr val="263238"/>
-                </a:solidFill>
-                <a:latin typeface="Inter"/>
-              </a:rPr>
-              <a:t> (64.06%) scores</a:t>
-            </a:r>
-            <a:r>
-              <a:rPr lang="en-US" b="0" i="0" dirty="0">
-                <a:solidFill>
-                  <a:srgbClr val="263238"/>
-                </a:solidFill>
-                <a:effectLst/>
-                <a:latin typeface="Inter"/>
-              </a:rPr>
-              <a:t>.</a:t>
-            </a:r>
-          </a:p>
-          <a:p>
-            <a:pPr marL="285750" indent="-285750" algn="just">
-              <a:buFont typeface="Arial" panose="020B0604020202020204" pitchFamily="34" charset="0"/>
-              <a:buChar char="•"/>
-            </a:pPr>
-            <a:endParaRPr lang="en-US" b="0" i="0" dirty="0">
-              <a:solidFill>
-                <a:srgbClr val="263238"/>
-              </a:solidFill>
-              <a:effectLst/>
-              <a:latin typeface="Inter"/>
-            </a:endParaRPr>
-          </a:p>
-          <a:p>
-            <a:pPr marL="285750" indent="-285750" algn="just">
-              <a:buFont typeface="Arial" panose="020B0604020202020204" pitchFamily="34" charset="0"/>
-              <a:buChar char="•"/>
-            </a:pPr>
-            <a:r>
-              <a:rPr lang="en-US" b="0" i="0" dirty="0">
-                <a:solidFill>
-                  <a:srgbClr val="263238"/>
-                </a:solidFill>
-                <a:effectLst/>
-                <a:latin typeface="Inter"/>
-              </a:rPr>
-              <a:t>DT and KNN models also have the higher </a:t>
-            </a:r>
-            <a:r>
-              <a:rPr lang="en-US" b="1" i="0" dirty="0">
-                <a:solidFill>
-                  <a:srgbClr val="263238"/>
-                </a:solidFill>
-                <a:effectLst/>
-                <a:latin typeface="Inter"/>
-              </a:rPr>
-              <a:t>F-1</a:t>
-            </a:r>
-            <a:r>
-              <a:rPr lang="en-US" b="0" i="0" dirty="0">
-                <a:solidFill>
-                  <a:srgbClr val="263238"/>
-                </a:solidFill>
-                <a:effectLst/>
-                <a:latin typeface="Inter"/>
-              </a:rPr>
-              <a:t> scores (48.97% and 58.0%, respectively).</a:t>
-            </a:r>
-          </a:p>
-          <a:p>
-            <a:pPr algn="just"/>
-            <a:endParaRPr lang="en-US" dirty="0">
-              <a:solidFill>
-                <a:srgbClr val="263238"/>
-              </a:solidFill>
-              <a:latin typeface="Inter"/>
-            </a:endParaRPr>
-          </a:p>
-          <a:p>
-            <a:pPr marL="285750" indent="-285750" algn="just">
-              <a:buFont typeface="Arial" panose="020B0604020202020204" pitchFamily="34" charset="0"/>
-              <a:buChar char="•"/>
-            </a:pPr>
-            <a:r>
-              <a:rPr lang="en-US" dirty="0">
-                <a:solidFill>
-                  <a:srgbClr val="263238"/>
-                </a:solidFill>
-                <a:latin typeface="Inter"/>
-              </a:rPr>
-              <a:t>In terms of </a:t>
-            </a:r>
-            <a:r>
-              <a:rPr lang="en-US" b="1" dirty="0">
-                <a:solidFill>
-                  <a:srgbClr val="263238"/>
-                </a:solidFill>
-                <a:latin typeface="Inter"/>
-              </a:rPr>
-              <a:t>training time</a:t>
-            </a:r>
-            <a:r>
-              <a:rPr lang="en-US" dirty="0">
-                <a:solidFill>
-                  <a:srgbClr val="263238"/>
-                </a:solidFill>
-                <a:latin typeface="Inter"/>
-              </a:rPr>
-              <a:t>, DT was the fastest (1.29s) and NN the slowest (1643.99s </a:t>
-            </a:r>
-            <a:r>
-              <a:rPr lang="pt-PT" b="0" i="0" dirty="0">
-                <a:solidFill>
-                  <a:srgbClr val="263238"/>
-                </a:solidFill>
-                <a:effectLst/>
-                <a:latin typeface="Inter"/>
-              </a:rPr>
-              <a:t>≈ 27 min</a:t>
-            </a:r>
-            <a:r>
-              <a:rPr lang="en-US" dirty="0">
-                <a:solidFill>
-                  <a:srgbClr val="263238"/>
-                </a:solidFill>
-                <a:latin typeface="Inter"/>
-              </a:rPr>
-              <a:t>).</a:t>
-            </a:r>
-          </a:p>
-          <a:p>
-            <a:pPr marL="285750" indent="-285750" algn="just">
-              <a:buFont typeface="Arial" panose="020B0604020202020204" pitchFamily="34" charset="0"/>
-              <a:buChar char="•"/>
-            </a:pPr>
-            <a:endParaRPr lang="en-US" dirty="0">
-              <a:solidFill>
-                <a:srgbClr val="263238"/>
-              </a:solidFill>
-              <a:latin typeface="Inter"/>
-            </a:endParaRPr>
-          </a:p>
-          <a:p>
-            <a:pPr marL="285750" indent="-285750" algn="just">
-              <a:buFont typeface="Arial" panose="020B0604020202020204" pitchFamily="34" charset="0"/>
-              <a:buChar char="•"/>
-            </a:pPr>
-            <a:r>
-              <a:rPr lang="en-US" dirty="0">
-                <a:solidFill>
-                  <a:srgbClr val="263238"/>
-                </a:solidFill>
-                <a:latin typeface="Inter"/>
-              </a:rPr>
-              <a:t>In terms of </a:t>
-            </a:r>
-            <a:r>
-              <a:rPr lang="en-US" b="1" dirty="0">
-                <a:solidFill>
-                  <a:srgbClr val="263238"/>
-                </a:solidFill>
-                <a:latin typeface="Inter"/>
-              </a:rPr>
-              <a:t>testing time</a:t>
-            </a:r>
-            <a:r>
-              <a:rPr lang="en-US" dirty="0">
-                <a:solidFill>
-                  <a:srgbClr val="263238"/>
-                </a:solidFill>
-                <a:latin typeface="Inter"/>
-              </a:rPr>
-              <a:t>, DT was once again the fastest (0.02s) and SVM was by far the slowest (443.29s </a:t>
-            </a:r>
-            <a:r>
-              <a:rPr lang="pt-PT" b="0" i="0" dirty="0">
-                <a:solidFill>
-                  <a:srgbClr val="263238"/>
-                </a:solidFill>
-                <a:effectLst/>
-                <a:latin typeface="Inter"/>
-              </a:rPr>
-              <a:t>≈ 7 min</a:t>
-            </a:r>
-            <a:r>
-              <a:rPr lang="en-US" dirty="0">
-                <a:solidFill>
-                  <a:srgbClr val="263238"/>
-                </a:solidFill>
-                <a:latin typeface="Inter"/>
-              </a:rPr>
-              <a:t>).</a:t>
-            </a:r>
-          </a:p>
-        </p:txBody>
-      </p:sp>
-      <p:pic>
-        <p:nvPicPr>
-          <p:cNvPr id="10" name="Picture 9">
-            <a:extLst>
-              <a:ext uri="{FF2B5EF4-FFF2-40B4-BE49-F238E27FC236}">
-                <a16:creationId xmlns:a16="http://schemas.microsoft.com/office/drawing/2014/main" id="{08C06663-EC72-CBA7-0386-B8E49965EB31}"/>
-              </a:ext>
-            </a:extLst>
-          </p:cNvPr>
-          <p:cNvPicPr>
-            <a:picLocks noChangeAspect="1"/>
-          </p:cNvPicPr>
-          <p:nvPr/>
-        </p:nvPicPr>
-        <p:blipFill>
-          <a:blip r:embed="rId5"/>
-          <a:stretch>
-            <a:fillRect/>
-          </a:stretch>
-        </p:blipFill>
-        <p:spPr>
-          <a:xfrm>
-            <a:off x="6543771" y="3215017"/>
-            <a:ext cx="2584988" cy="1928483"/>
-          </a:xfrm>
-          <a:prstGeom prst="rect">
-            <a:avLst/>
-          </a:prstGeom>
-        </p:spPr>
-      </p:pic>
     </p:spTree>
     <p:extLst>
       <p:ext uri="{BB962C8B-B14F-4D97-AF65-F5344CB8AC3E}">
-        <p14:creationId xmlns:p14="http://schemas.microsoft.com/office/powerpoint/2010/main" val="28566898"/>
+        <p14:creationId xmlns:p14="http://schemas.microsoft.com/office/powerpoint/2010/main" val="1658020937"/>
       </p:ext>
     </p:extLst>
   </p:cSld>
@@ -13394,8 +14712,8 @@
         </p:nvSpPr>
         <p:spPr>
           <a:xfrm>
-            <a:off x="719999" y="1372649"/>
-            <a:ext cx="8305759" cy="1465144"/>
+            <a:off x="719999" y="1372648"/>
+            <a:ext cx="7262857" cy="2372037"/>
           </a:xfrm>
           <a:prstGeom prst="rect">
             <a:avLst/>
@@ -13407,14 +14725,70 @@
           </a:bodyPr>
           <a:lstStyle/>
           <a:p>
-            <a:pPr marL="0" lvl="0" indent="0" algn="l" rtl="0">
-              <a:spcBef>
-                <a:spcPts val="0"/>
-              </a:spcBef>
-              <a:spcAft>
-                <a:spcPts val="0"/>
-              </a:spcAft>
-              <a:buNone/>
+            <a:pPr marL="285750" lvl="0" indent="-285750" algn="l" rtl="0">
+              <a:spcBef>
+                <a:spcPts val="0"/>
+              </a:spcBef>
+              <a:spcAft>
+                <a:spcPts val="0"/>
+              </a:spcAft>
+              <a:buFont typeface="Arial" panose="020B0604020202020204" pitchFamily="34" charset="0"/>
+              <a:buChar char="•"/>
+            </a:pPr>
+            <a:r>
+              <a:rPr lang="en" dirty="0">
+                <a:latin typeface="Inter"/>
+              </a:rPr>
+              <a:t>IART classes slides and exercises</a:t>
+            </a:r>
+          </a:p>
+          <a:p>
+            <a:pPr marL="285750" lvl="0" indent="-285750" algn="l" rtl="0">
+              <a:spcBef>
+                <a:spcPts val="0"/>
+              </a:spcBef>
+              <a:spcAft>
+                <a:spcPts val="0"/>
+              </a:spcAft>
+              <a:buFont typeface="Arial" panose="020B0604020202020204" pitchFamily="34" charset="0"/>
+              <a:buChar char="•"/>
+            </a:pPr>
+            <a:endParaRPr lang="en" dirty="0">
+              <a:latin typeface="Inter"/>
+            </a:endParaRPr>
+          </a:p>
+          <a:p>
+            <a:pPr marL="285750" lvl="0" indent="-285750" algn="l" rtl="0">
+              <a:spcBef>
+                <a:spcPts val="0"/>
+              </a:spcBef>
+              <a:spcAft>
+                <a:spcPts val="0"/>
+              </a:spcAft>
+              <a:buFont typeface="Arial" panose="020B0604020202020204" pitchFamily="34" charset="0"/>
+              <a:buChar char="•"/>
+            </a:pPr>
+            <a:r>
+              <a:rPr lang="pt-PT" dirty="0">
+                <a:latin typeface="Inter"/>
+                <a:hlinkClick r:id="rId3"/>
+              </a:rPr>
+              <a:t>https://www.kaggle.com/datasets/ulrikthygepedersen/airlines-delay?datasetId=2859795&amp;sortBy=dateRun&amp;tab=bookmarked</a:t>
+            </a:r>
+            <a:endParaRPr lang="en" dirty="0">
+              <a:latin typeface="Inter"/>
+            </a:endParaRPr>
+          </a:p>
+          <a:p>
+            <a:pPr marL="285750" lvl="0" indent="-285750" algn="l" rtl="0">
+              <a:spcBef>
+                <a:spcPts val="0"/>
+              </a:spcBef>
+              <a:spcAft>
+                <a:spcPts val="0"/>
+              </a:spcAft>
+              <a:buFont typeface="Arial" panose="020B0604020202020204" pitchFamily="34" charset="0"/>
+              <a:buChar char="•"/>
             </a:pPr>
             <a:endParaRPr dirty="0">
               <a:latin typeface="Inter"/>
@@ -13435,7 +14809,7 @@
         <p:spPr>
           <a:xfrm>
             <a:off x="720000" y="387600"/>
-            <a:ext cx="7704000" cy="682917"/>
+            <a:ext cx="7704000" cy="612600"/>
           </a:xfrm>
           <a:prstGeom prst="rect">
             <a:avLst/>
@@ -13458,7 +14832,7 @@
             </a:pPr>
             <a:r>
               <a:rPr lang="en" dirty="0"/>
-              <a:t>Conclusion</a:t>
+              <a:t>References</a:t>
             </a:r>
             <a:endParaRPr dirty="0"/>
           </a:p>
@@ -13467,7 +14841,7 @@
     </p:spTree>
     <p:extLst>
       <p:ext uri="{BB962C8B-B14F-4D97-AF65-F5344CB8AC3E}">
-        <p14:creationId xmlns:p14="http://schemas.microsoft.com/office/powerpoint/2010/main" val="1658020937"/>
+        <p14:creationId xmlns:p14="http://schemas.microsoft.com/office/powerpoint/2010/main" val="391685282"/>
       </p:ext>
     </p:extLst>
   </p:cSld>

--- a/Proj2/docs/IA-T10-G27-FinalDelivery.pptx
+++ b/Proj2/docs/IA-T10-G27-FinalDelivery.pptx
@@ -10649,7 +10649,7 @@
                 </a:solidFill>
                 <a:latin typeface="Inter"/>
               </a:rPr>
-              <a:t>… (</a:t>
+              <a:t> </a:t>
             </a:r>
             <a:r>
               <a:rPr lang="en-US" b="0" i="0" dirty="0">
@@ -10659,27 +10659,14 @@
                 <a:effectLst/>
                 <a:latin typeface="Inter"/>
               </a:rPr>
-              <a:t>they could represent flights with the same delay time or flights </a:t>
-            </a:r>
-            <a:r>
-              <a:rPr lang="en-US" dirty="0">
-                <a:solidFill>
-                  <a:srgbClr val="263238"/>
-                </a:solidFill>
-                <a:latin typeface="Inter"/>
-              </a:rPr>
-              <a:t>with </a:t>
-            </a:r>
-            <a:r>
-              <a:rPr lang="en-US" b="0" i="0" dirty="0">
-                <a:solidFill>
-                  <a:srgbClr val="263238"/>
-                </a:solidFill>
-                <a:effectLst/>
-                <a:latin typeface="Inter"/>
-              </a:rPr>
-              <a:t>multiple delays).</a:t>
-            </a:r>
+              <a:t>they could represent regularly scheduled flights that are usually on time/delayed.</a:t>
+            </a:r>
+            <a:endParaRPr lang="en-US" dirty="0">
+              <a:solidFill>
+                <a:srgbClr val="263238"/>
+              </a:solidFill>
+              <a:latin typeface="Inter"/>
+            </a:endParaRPr>
           </a:p>
           <a:p>
             <a:pPr marL="285750" lvl="0" indent="-285750" algn="just" rtl="0">
@@ -10696,254 +10683,54 @@
               <a:buChar char="•"/>
             </a:pPr>
             <a:r>
-              <a:rPr lang="pt-PT" dirty="0" err="1">
-                <a:latin typeface="Inter"/>
-              </a:rPr>
-              <a:t>There</a:t>
-            </a:r>
-            <a:r>
-              <a:rPr lang="pt-PT" dirty="0">
-                <a:latin typeface="Inter"/>
-              </a:rPr>
-              <a:t> are some </a:t>
-            </a:r>
-            <a:r>
-              <a:rPr lang="pt-PT" b="1" dirty="0" err="1">
-                <a:latin typeface="Inter"/>
+              <a:rPr lang="en-US" b="0" i="0" dirty="0">
+                <a:solidFill>
+                  <a:srgbClr val="263238"/>
+                </a:solidFill>
+                <a:effectLst/>
+                <a:latin typeface="inherit"/>
+              </a:rPr>
+              <a:t>There are few (&lt;5%) </a:t>
+            </a:r>
+            <a:r>
+              <a:rPr lang="en-US" b="1" i="0" dirty="0">
+                <a:solidFill>
+                  <a:srgbClr val="263238"/>
+                </a:solidFill>
+                <a:effectLst/>
+                <a:latin typeface="inherit"/>
               </a:rPr>
               <a:t>outliers</a:t>
             </a:r>
             <a:r>
-              <a:rPr lang="pt-PT" dirty="0">
-                <a:latin typeface="Inter"/>
-              </a:rPr>
-              <a:t> in ‘</a:t>
-            </a:r>
-            <a:r>
-              <a:rPr lang="pt-PT" dirty="0" err="1">
-                <a:latin typeface="Inter"/>
-              </a:rPr>
-              <a:t>Length</a:t>
-            </a:r>
-            <a:r>
-              <a:rPr lang="pt-PT" dirty="0">
-                <a:latin typeface="Inter"/>
-              </a:rPr>
-              <a:t>’ </a:t>
-            </a:r>
-            <a:r>
-              <a:rPr lang="pt-PT" dirty="0" err="1">
-                <a:latin typeface="Inter"/>
-              </a:rPr>
-              <a:t>but</a:t>
-            </a:r>
-            <a:r>
-              <a:rPr lang="pt-PT" dirty="0">
-                <a:latin typeface="Inter"/>
+              <a:rPr lang="en-US" b="0" i="0" dirty="0">
+                <a:solidFill>
+                  <a:srgbClr val="263238"/>
+                </a:solidFill>
+                <a:effectLst/>
+                <a:latin typeface="inherit"/>
+              </a:rPr>
+              <a:t> in ‘Length’,</a:t>
+            </a:r>
+            <a:r>
+              <a:rPr lang="en-US" dirty="0">
+                <a:solidFill>
+                  <a:srgbClr val="263238"/>
+                </a:solidFill>
+                <a:latin typeface="inherit"/>
               </a:rPr>
               <a:t> </a:t>
             </a:r>
             <a:r>
-              <a:rPr lang="pt-PT" dirty="0" err="1">
-                <a:latin typeface="Inter"/>
-              </a:rPr>
-              <a:t>they</a:t>
-            </a:r>
-            <a:r>
-              <a:rPr lang="pt-PT" dirty="0">
-                <a:latin typeface="Inter"/>
-              </a:rPr>
-              <a:t> </a:t>
-            </a:r>
-            <a:r>
-              <a:rPr lang="pt-PT" dirty="0" err="1">
-                <a:latin typeface="Inter"/>
-              </a:rPr>
-              <a:t>don’t</a:t>
-            </a:r>
-            <a:r>
-              <a:rPr lang="pt-PT" dirty="0">
-                <a:latin typeface="Inter"/>
-              </a:rPr>
-              <a:t> </a:t>
-            </a:r>
-            <a:r>
-              <a:rPr lang="pt-PT" dirty="0" err="1">
-                <a:latin typeface="Inter"/>
-              </a:rPr>
-              <a:t>represent</a:t>
-            </a:r>
-            <a:r>
-              <a:rPr lang="pt-PT" dirty="0">
-                <a:latin typeface="Inter"/>
-              </a:rPr>
-              <a:t> </a:t>
-            </a:r>
-            <a:r>
-              <a:rPr lang="pt-PT" dirty="0" err="1">
-                <a:latin typeface="Inter"/>
-              </a:rPr>
-              <a:t>errors</a:t>
-            </a:r>
-            <a:r>
-              <a:rPr lang="pt-PT" dirty="0">
-                <a:latin typeface="Inter"/>
-              </a:rPr>
-              <a:t> </a:t>
-            </a:r>
-            <a:r>
-              <a:rPr lang="pt-PT" dirty="0" err="1">
-                <a:latin typeface="Inter"/>
-              </a:rPr>
-              <a:t>since</a:t>
-            </a:r>
-            <a:r>
-              <a:rPr lang="pt-PT" dirty="0">
-                <a:latin typeface="Inter"/>
-              </a:rPr>
-              <a:t> </a:t>
-            </a:r>
-            <a:r>
-              <a:rPr lang="pt-PT" dirty="0" err="1">
-                <a:latin typeface="Inter"/>
-              </a:rPr>
-              <a:t>most</a:t>
-            </a:r>
-            <a:r>
-              <a:rPr lang="pt-PT" dirty="0">
-                <a:latin typeface="Inter"/>
-              </a:rPr>
-              <a:t> </a:t>
-            </a:r>
-            <a:r>
-              <a:rPr lang="pt-PT" dirty="0" err="1">
-                <a:latin typeface="Inter"/>
-              </a:rPr>
-              <a:t>likely</a:t>
-            </a:r>
-            <a:r>
-              <a:rPr lang="pt-PT" dirty="0">
-                <a:latin typeface="Inter"/>
-              </a:rPr>
-              <a:t> </a:t>
-            </a:r>
-            <a:r>
-              <a:rPr lang="pt-PT" dirty="0" err="1">
-                <a:latin typeface="Inter"/>
-              </a:rPr>
-              <a:t>we</a:t>
-            </a:r>
-            <a:r>
-              <a:rPr lang="pt-PT" dirty="0">
-                <a:latin typeface="Inter"/>
-              </a:rPr>
-              <a:t> </a:t>
-            </a:r>
-            <a:r>
-              <a:rPr lang="pt-PT" dirty="0" err="1">
-                <a:latin typeface="Inter"/>
-              </a:rPr>
-              <a:t>will</a:t>
-            </a:r>
-            <a:r>
-              <a:rPr lang="pt-PT" dirty="0">
-                <a:latin typeface="Inter"/>
-              </a:rPr>
-              <a:t> </a:t>
-            </a:r>
-            <a:r>
-              <a:rPr lang="pt-PT" dirty="0" err="1">
-                <a:latin typeface="Inter"/>
-              </a:rPr>
-              <a:t>be</a:t>
-            </a:r>
-            <a:r>
-              <a:rPr lang="pt-PT" dirty="0">
-                <a:latin typeface="Inter"/>
-              </a:rPr>
-              <a:t> </a:t>
-            </a:r>
-            <a:r>
-              <a:rPr lang="pt-PT" dirty="0" err="1">
-                <a:latin typeface="Inter"/>
-              </a:rPr>
-              <a:t>removing</a:t>
-            </a:r>
-            <a:r>
-              <a:rPr lang="pt-PT" dirty="0">
-                <a:latin typeface="Inter"/>
-              </a:rPr>
-              <a:t> </a:t>
-            </a:r>
-            <a:r>
-              <a:rPr lang="pt-PT" dirty="0" err="1">
-                <a:latin typeface="Inter"/>
-              </a:rPr>
-              <a:t>the</a:t>
-            </a:r>
-            <a:r>
-              <a:rPr lang="pt-PT" dirty="0">
-                <a:latin typeface="Inter"/>
-              </a:rPr>
-              <a:t> </a:t>
-            </a:r>
-            <a:r>
-              <a:rPr lang="pt-PT" dirty="0" err="1">
-                <a:latin typeface="Inter"/>
-              </a:rPr>
-              <a:t>exact</a:t>
-            </a:r>
-            <a:r>
-              <a:rPr lang="pt-PT" dirty="0">
-                <a:latin typeface="Inter"/>
-              </a:rPr>
-              <a:t> </a:t>
-            </a:r>
-            <a:r>
-              <a:rPr lang="pt-PT" dirty="0" err="1">
-                <a:latin typeface="Inter"/>
-              </a:rPr>
-              <a:t>object</a:t>
-            </a:r>
-            <a:r>
-              <a:rPr lang="pt-PT" dirty="0">
-                <a:latin typeface="Inter"/>
-              </a:rPr>
-              <a:t> </a:t>
-            </a:r>
-            <a:r>
-              <a:rPr lang="pt-PT" dirty="0" err="1">
-                <a:latin typeface="Inter"/>
-              </a:rPr>
-              <a:t>of</a:t>
-            </a:r>
-            <a:r>
-              <a:rPr lang="pt-PT" dirty="0">
-                <a:latin typeface="Inter"/>
-              </a:rPr>
-              <a:t> </a:t>
-            </a:r>
-            <a:r>
-              <a:rPr lang="pt-PT" dirty="0" err="1">
-                <a:latin typeface="Inter"/>
-              </a:rPr>
-              <a:t>our</a:t>
-            </a:r>
-            <a:r>
-              <a:rPr lang="pt-PT" dirty="0">
-                <a:latin typeface="Inter"/>
-              </a:rPr>
-              <a:t> </a:t>
-            </a:r>
-            <a:r>
-              <a:rPr lang="pt-PT" dirty="0" err="1">
-                <a:latin typeface="Inter"/>
-              </a:rPr>
-              <a:t>analysis</a:t>
-            </a:r>
-            <a:endParaRPr lang="pt-PT" dirty="0">
-              <a:latin typeface="Inter"/>
-            </a:endParaRPr>
+              <a:rPr lang="en-US" b="0" i="0" dirty="0">
+                <a:solidFill>
+                  <a:srgbClr val="263238"/>
+                </a:solidFill>
+                <a:effectLst/>
+                <a:latin typeface="inherit"/>
+              </a:rPr>
+              <a:t>but they don’t necessarily represent errors, just very long flights, and so we choose not to remove them.</a:t>
+            </a:r>
           </a:p>
         </p:txBody>
       </p:sp>
@@ -11167,8 +10954,8 @@
         </p:nvSpPr>
         <p:spPr>
           <a:xfrm>
-            <a:off x="719997" y="1836043"/>
-            <a:ext cx="3852003" cy="1265837"/>
+            <a:off x="719997" y="1836044"/>
+            <a:ext cx="3973655" cy="1026604"/>
           </a:xfrm>
           <a:prstGeom prst="rect">
             <a:avLst/>
@@ -11180,21 +10967,15 @@
           </a:bodyPr>
           <a:lstStyle/>
           <a:p>
-            <a:pPr marL="285750" lvl="0" indent="-285750" algn="l" rtl="0">
-              <a:spcBef>
-                <a:spcPts val="0"/>
-              </a:spcBef>
-              <a:spcAft>
-                <a:spcPts val="0"/>
-              </a:spcAft>
+            <a:pPr marL="285750" indent="-285750" algn="just">
               <a:buFont typeface="Arial" panose="020B0604020202020204" pitchFamily="34" charset="0"/>
               <a:buChar char="•"/>
             </a:pPr>
             <a:r>
-              <a:rPr lang="en" dirty="0">
-                <a:latin typeface="Inter"/>
-              </a:rPr>
-              <a:t>To classify this model, </a:t>
+              <a:rPr lang="en-US" dirty="0">
+                <a:latin typeface="Inter"/>
+              </a:rPr>
+              <a:t>This model was based on the implementation of the </a:t>
             </a:r>
             <a:r>
               <a:rPr lang="pt-PT" b="1" dirty="0" err="1">
@@ -11203,7 +10984,19 @@
               <a:t>DecisionTreeClassifier</a:t>
             </a:r>
             <a:r>
-              <a:rPr lang="pt-PT" dirty="0">
+              <a:rPr lang="en-US" dirty="0">
+                <a:latin typeface="Inter"/>
+              </a:rPr>
+              <a:t> from the </a:t>
+            </a:r>
+            <a:r>
+              <a:rPr lang="en-US" b="1" dirty="0" err="1">
+                <a:latin typeface="Inter"/>
+              </a:rPr>
+              <a:t>sklearn.tree</a:t>
+            </a:r>
+            <a:r>
+              <a:rPr lang="en-US" b="1" dirty="0">
                 <a:latin typeface="Inter"/>
               </a:rPr>
               <a:t> </a:t>
@@ -11212,32 +11005,11 @@
               <a:rPr lang="en-US" dirty="0">
                 <a:latin typeface="Inter"/>
               </a:rPr>
-              <a:t>relative to the </a:t>
-            </a:r>
-            <a:r>
-              <a:rPr lang="en-US" b="1" dirty="0" err="1">
-                <a:latin typeface="Inter"/>
-              </a:rPr>
-              <a:t>sklearn.tree</a:t>
-            </a:r>
-            <a:r>
-              <a:rPr lang="en-US" b="1" dirty="0">
-                <a:latin typeface="Inter"/>
-              </a:rPr>
-              <a:t> </a:t>
-            </a:r>
-            <a:r>
-              <a:rPr lang="en-US" dirty="0">
-                <a:latin typeface="Inter"/>
-              </a:rPr>
-              <a:t>module was used. </a:t>
-            </a:r>
-            <a:endParaRPr lang="en" dirty="0">
-              <a:latin typeface="Inter"/>
-            </a:endParaRPr>
+              <a:t>module.</a:t>
+            </a:r>
           </a:p>
           <a:p>
-            <a:pPr marL="285750" lvl="0" indent="-285750" algn="l" rtl="0">
+            <a:pPr marL="285750" lvl="0" indent="-285750" algn="just" rtl="0">
               <a:spcBef>
                 <a:spcPts val="0"/>
               </a:spcBef>
@@ -11281,7 +11053,7 @@
         </p:nvSpPr>
         <p:spPr>
           <a:xfrm>
-            <a:off x="5136998" y="1464644"/>
+            <a:off x="719997" y="3101881"/>
             <a:ext cx="3092601" cy="371400"/>
           </a:xfrm>
           <a:prstGeom prst="rect">
@@ -11607,8 +11379,8 @@
         </p:nvSpPr>
         <p:spPr>
           <a:xfrm>
-            <a:off x="5136998" y="1816167"/>
-            <a:ext cx="3535947" cy="1285714"/>
+            <a:off x="719998" y="3453404"/>
+            <a:ext cx="3799184" cy="1423396"/>
           </a:xfrm>
           <a:prstGeom prst="rect">
             <a:avLst/>
@@ -11878,31 +11650,37 @@
               <a:rPr lang="en-US" dirty="0">
                 <a:latin typeface="Inter"/>
               </a:rPr>
-              <a:t>The </a:t>
+              <a:t>This model was based on the implementation of the </a:t>
+            </a:r>
+            <a:r>
+              <a:rPr lang="en-US" b="1" dirty="0">
+                <a:latin typeface="Inter"/>
+              </a:rPr>
+              <a:t>SVC</a:t>
+            </a:r>
+            <a:r>
+              <a:rPr lang="en-US" dirty="0">
+                <a:latin typeface="Inter"/>
+              </a:rPr>
+              <a:t> from the </a:t>
             </a:r>
             <a:r>
               <a:rPr lang="en-US" b="1" dirty="0" err="1">
                 <a:latin typeface="Inter"/>
               </a:rPr>
-              <a:t>sklearn</a:t>
+              <a:t>sklearn.svm</a:t>
+            </a:r>
+            <a:r>
+              <a:rPr lang="en-US" b="1" dirty="0">
+                <a:latin typeface="Inter"/>
+              </a:rPr>
+              <a:t> </a:t>
             </a:r>
             <a:r>
               <a:rPr lang="en-US" dirty="0">
                 <a:latin typeface="Inter"/>
               </a:rPr>
-              <a:t> module </a:t>
-            </a:r>
-            <a:r>
-              <a:rPr lang="en-US" b="1" dirty="0" err="1">
-                <a:latin typeface="Inter"/>
-              </a:rPr>
-              <a:t>svm</a:t>
-            </a:r>
-            <a:r>
-              <a:rPr lang="en-US" dirty="0">
-                <a:latin typeface="Inter"/>
-              </a:rPr>
-              <a:t> was used.</a:t>
+              <a:t>module.</a:t>
             </a:r>
           </a:p>
           <a:p>
@@ -11940,647 +11718,6 @@
               </a:rPr>
               <a:t>'</a:t>
             </a:r>
-          </a:p>
-        </p:txBody>
-      </p:sp>
-      <p:sp>
-        <p:nvSpPr>
-          <p:cNvPr id="2" name="Google Shape;242;p28">
-            <a:extLst>
-              <a:ext uri="{FF2B5EF4-FFF2-40B4-BE49-F238E27FC236}">
-                <a16:creationId xmlns:a16="http://schemas.microsoft.com/office/drawing/2014/main" id="{86607180-01D7-A59B-1B53-14066DBCA657}"/>
-              </a:ext>
-            </a:extLst>
-          </p:cNvPr>
-          <p:cNvSpPr txBox="1">
-            <a:spLocks/>
-          </p:cNvSpPr>
-          <p:nvPr/>
-        </p:nvSpPr>
-        <p:spPr>
-          <a:xfrm>
-            <a:off x="719993" y="3121757"/>
-            <a:ext cx="2869022" cy="371400"/>
-          </a:xfrm>
-          <a:prstGeom prst="rect">
-            <a:avLst/>
-          </a:prstGeom>
-          <a:noFill/>
-          <a:ln>
-            <a:noFill/>
-          </a:ln>
-        </p:spPr>
-        <p:txBody>
-          <a:bodyPr spcFirstLastPara="1" wrap="square" lIns="91425" tIns="91425" rIns="91425" bIns="91425" anchor="t" anchorCtr="0">
-            <a:noAutofit/>
-          </a:bodyPr>
-          <a:lstStyle>
-            <a:defPPr marR="0" lvl="0" algn="l" rtl="0">
-              <a:lnSpc>
-                <a:spcPct val="100000"/>
-              </a:lnSpc>
-              <a:spcBef>
-                <a:spcPts val="0"/>
-              </a:spcBef>
-              <a:spcAft>
-                <a:spcPts val="0"/>
-              </a:spcAft>
-            </a:defPPr>
-            <a:lvl1pPr marL="457200" marR="0" lvl="0" indent="-342900" algn="l" rtl="0">
-              <a:lnSpc>
-                <a:spcPct val="100000"/>
-              </a:lnSpc>
-              <a:spcBef>
-                <a:spcPts val="0"/>
-              </a:spcBef>
-              <a:spcAft>
-                <a:spcPts val="0"/>
-              </a:spcAft>
-              <a:buClr>
-                <a:schemeClr val="dk1"/>
-              </a:buClr>
-              <a:buSzPts val="1800"/>
-              <a:buFont typeface="Poppins"/>
-              <a:buNone/>
-              <a:defRPr sz="1800" b="0" i="0" u="none" strike="noStrike" cap="none">
-                <a:solidFill>
-                  <a:schemeClr val="dk1"/>
-                </a:solidFill>
-                <a:latin typeface="Poppins Black"/>
-                <a:ea typeface="Poppins Black"/>
-                <a:cs typeface="Poppins Black"/>
-                <a:sym typeface="Poppins Black"/>
-              </a:defRPr>
-            </a:lvl1pPr>
-            <a:lvl2pPr marL="914400" marR="0" lvl="1" indent="-317500" algn="l" rtl="0">
-              <a:lnSpc>
-                <a:spcPct val="100000"/>
-              </a:lnSpc>
-              <a:spcBef>
-                <a:spcPts val="1600"/>
-              </a:spcBef>
-              <a:spcAft>
-                <a:spcPts val="0"/>
-              </a:spcAft>
-              <a:buClr>
-                <a:schemeClr val="dk1"/>
-              </a:buClr>
-              <a:buSzPts val="1400"/>
-              <a:buFont typeface="Poppins"/>
-              <a:buNone/>
-              <a:defRPr sz="1400" b="0" i="0" u="none" strike="noStrike" cap="none">
-                <a:solidFill>
-                  <a:schemeClr val="dk1"/>
-                </a:solidFill>
-                <a:latin typeface="Poppins Black"/>
-                <a:ea typeface="Poppins Black"/>
-                <a:cs typeface="Poppins Black"/>
-                <a:sym typeface="Poppins Black"/>
-              </a:defRPr>
-            </a:lvl2pPr>
-            <a:lvl3pPr marL="1371600" marR="0" lvl="2" indent="-317500" algn="l" rtl="0">
-              <a:lnSpc>
-                <a:spcPct val="100000"/>
-              </a:lnSpc>
-              <a:spcBef>
-                <a:spcPts val="1600"/>
-              </a:spcBef>
-              <a:spcAft>
-                <a:spcPts val="0"/>
-              </a:spcAft>
-              <a:buClr>
-                <a:schemeClr val="dk1"/>
-              </a:buClr>
-              <a:buSzPts val="1400"/>
-              <a:buFont typeface="Poppins"/>
-              <a:buNone/>
-              <a:defRPr sz="1400" b="0" i="0" u="none" strike="noStrike" cap="none">
-                <a:solidFill>
-                  <a:schemeClr val="dk1"/>
-                </a:solidFill>
-                <a:latin typeface="Poppins Black"/>
-                <a:ea typeface="Poppins Black"/>
-                <a:cs typeface="Poppins Black"/>
-                <a:sym typeface="Poppins Black"/>
-              </a:defRPr>
-            </a:lvl3pPr>
-            <a:lvl4pPr marL="1828800" marR="0" lvl="3" indent="-317500" algn="l" rtl="0">
-              <a:lnSpc>
-                <a:spcPct val="100000"/>
-              </a:lnSpc>
-              <a:spcBef>
-                <a:spcPts val="1600"/>
-              </a:spcBef>
-              <a:spcAft>
-                <a:spcPts val="0"/>
-              </a:spcAft>
-              <a:buClr>
-                <a:schemeClr val="dk1"/>
-              </a:buClr>
-              <a:buSzPts val="1400"/>
-              <a:buFont typeface="Poppins"/>
-              <a:buNone/>
-              <a:defRPr sz="1400" b="0" i="0" u="none" strike="noStrike" cap="none">
-                <a:solidFill>
-                  <a:schemeClr val="dk1"/>
-                </a:solidFill>
-                <a:latin typeface="Poppins Black"/>
-                <a:ea typeface="Poppins Black"/>
-                <a:cs typeface="Poppins Black"/>
-                <a:sym typeface="Poppins Black"/>
-              </a:defRPr>
-            </a:lvl4pPr>
-            <a:lvl5pPr marL="2286000" marR="0" lvl="4" indent="-317500" algn="l" rtl="0">
-              <a:lnSpc>
-                <a:spcPct val="100000"/>
-              </a:lnSpc>
-              <a:spcBef>
-                <a:spcPts val="1600"/>
-              </a:spcBef>
-              <a:spcAft>
-                <a:spcPts val="0"/>
-              </a:spcAft>
-              <a:buClr>
-                <a:schemeClr val="dk1"/>
-              </a:buClr>
-              <a:buSzPts val="1400"/>
-              <a:buFont typeface="Poppins"/>
-              <a:buNone/>
-              <a:defRPr sz="1400" b="0" i="0" u="none" strike="noStrike" cap="none">
-                <a:solidFill>
-                  <a:schemeClr val="dk1"/>
-                </a:solidFill>
-                <a:latin typeface="Poppins Black"/>
-                <a:ea typeface="Poppins Black"/>
-                <a:cs typeface="Poppins Black"/>
-                <a:sym typeface="Poppins Black"/>
-              </a:defRPr>
-            </a:lvl5pPr>
-            <a:lvl6pPr marL="2743200" marR="0" lvl="5" indent="-317500" algn="l" rtl="0">
-              <a:lnSpc>
-                <a:spcPct val="100000"/>
-              </a:lnSpc>
-              <a:spcBef>
-                <a:spcPts val="1600"/>
-              </a:spcBef>
-              <a:spcAft>
-                <a:spcPts val="0"/>
-              </a:spcAft>
-              <a:buClr>
-                <a:schemeClr val="dk1"/>
-              </a:buClr>
-              <a:buSzPts val="1400"/>
-              <a:buFont typeface="Poppins"/>
-              <a:buNone/>
-              <a:defRPr sz="1400" b="0" i="0" u="none" strike="noStrike" cap="none">
-                <a:solidFill>
-                  <a:schemeClr val="dk1"/>
-                </a:solidFill>
-                <a:latin typeface="Poppins Black"/>
-                <a:ea typeface="Poppins Black"/>
-                <a:cs typeface="Poppins Black"/>
-                <a:sym typeface="Poppins Black"/>
-              </a:defRPr>
-            </a:lvl6pPr>
-            <a:lvl7pPr marL="3200400" marR="0" lvl="6" indent="-317500" algn="l" rtl="0">
-              <a:lnSpc>
-                <a:spcPct val="100000"/>
-              </a:lnSpc>
-              <a:spcBef>
-                <a:spcPts val="1600"/>
-              </a:spcBef>
-              <a:spcAft>
-                <a:spcPts val="0"/>
-              </a:spcAft>
-              <a:buClr>
-                <a:schemeClr val="dk1"/>
-              </a:buClr>
-              <a:buSzPts val="1400"/>
-              <a:buFont typeface="Poppins"/>
-              <a:buNone/>
-              <a:defRPr sz="1400" b="0" i="0" u="none" strike="noStrike" cap="none">
-                <a:solidFill>
-                  <a:schemeClr val="dk1"/>
-                </a:solidFill>
-                <a:latin typeface="Poppins Black"/>
-                <a:ea typeface="Poppins Black"/>
-                <a:cs typeface="Poppins Black"/>
-                <a:sym typeface="Poppins Black"/>
-              </a:defRPr>
-            </a:lvl7pPr>
-            <a:lvl8pPr marL="3657600" marR="0" lvl="7" indent="-317500" algn="l" rtl="0">
-              <a:lnSpc>
-                <a:spcPct val="100000"/>
-              </a:lnSpc>
-              <a:spcBef>
-                <a:spcPts val="1600"/>
-              </a:spcBef>
-              <a:spcAft>
-                <a:spcPts val="0"/>
-              </a:spcAft>
-              <a:buClr>
-                <a:schemeClr val="dk1"/>
-              </a:buClr>
-              <a:buSzPts val="1400"/>
-              <a:buFont typeface="Poppins"/>
-              <a:buNone/>
-              <a:defRPr sz="1400" b="0" i="0" u="none" strike="noStrike" cap="none">
-                <a:solidFill>
-                  <a:schemeClr val="dk1"/>
-                </a:solidFill>
-                <a:latin typeface="Poppins Black"/>
-                <a:ea typeface="Poppins Black"/>
-                <a:cs typeface="Poppins Black"/>
-                <a:sym typeface="Poppins Black"/>
-              </a:defRPr>
-            </a:lvl8pPr>
-            <a:lvl9pPr marL="4114800" marR="0" lvl="8" indent="-317500" algn="l" rtl="0">
-              <a:lnSpc>
-                <a:spcPct val="100000"/>
-              </a:lnSpc>
-              <a:spcBef>
-                <a:spcPts val="1600"/>
-              </a:spcBef>
-              <a:spcAft>
-                <a:spcPts val="1600"/>
-              </a:spcAft>
-              <a:buClr>
-                <a:schemeClr val="dk1"/>
-              </a:buClr>
-              <a:buSzPts val="1400"/>
-              <a:buFont typeface="Poppins"/>
-              <a:buNone/>
-              <a:defRPr sz="1400" b="0" i="0" u="none" strike="noStrike" cap="none">
-                <a:solidFill>
-                  <a:schemeClr val="dk1"/>
-                </a:solidFill>
-                <a:latin typeface="Poppins Black"/>
-                <a:ea typeface="Poppins Black"/>
-                <a:cs typeface="Poppins Black"/>
-                <a:sym typeface="Poppins Black"/>
-              </a:defRPr>
-            </a:lvl9pPr>
-          </a:lstStyle>
-          <a:p>
-            <a:pPr marL="0" indent="0">
-              <a:spcAft>
-                <a:spcPts val="1600"/>
-              </a:spcAft>
-            </a:pPr>
-            <a:r>
-              <a:rPr lang="pt-PT">
-                <a:latin typeface="Poppins" panose="00000500000000000000" pitchFamily="2" charset="0"/>
-                <a:cs typeface="Poppins" panose="00000500000000000000" pitchFamily="2" charset="0"/>
-              </a:rPr>
-              <a:t>K-Nearest Neightbours</a:t>
-            </a:r>
-            <a:endParaRPr lang="pt-PT" dirty="0">
-              <a:latin typeface="Poppins" panose="00000500000000000000" pitchFamily="2" charset="0"/>
-              <a:cs typeface="Poppins" panose="00000500000000000000" pitchFamily="2" charset="0"/>
-            </a:endParaRPr>
-          </a:p>
-        </p:txBody>
-      </p:sp>
-      <p:sp>
-        <p:nvSpPr>
-          <p:cNvPr id="3" name="Google Shape;244;p28">
-            <a:extLst>
-              <a:ext uri="{FF2B5EF4-FFF2-40B4-BE49-F238E27FC236}">
-                <a16:creationId xmlns:a16="http://schemas.microsoft.com/office/drawing/2014/main" id="{C2F98797-D09C-FEB9-DAC0-37640CEC82CD}"/>
-              </a:ext>
-            </a:extLst>
-          </p:cNvPr>
-          <p:cNvSpPr txBox="1">
-            <a:spLocks/>
-          </p:cNvSpPr>
-          <p:nvPr/>
-        </p:nvSpPr>
-        <p:spPr>
-          <a:xfrm>
-            <a:off x="719994" y="3473281"/>
-            <a:ext cx="3616480" cy="1026604"/>
-          </a:xfrm>
-          <a:prstGeom prst="rect">
-            <a:avLst/>
-          </a:prstGeom>
-          <a:noFill/>
-          <a:ln>
-            <a:noFill/>
-          </a:ln>
-        </p:spPr>
-        <p:txBody>
-          <a:bodyPr spcFirstLastPara="1" wrap="square" lIns="91425" tIns="91425" rIns="91425" bIns="91425" anchor="t" anchorCtr="0">
-            <a:noAutofit/>
-          </a:bodyPr>
-          <a:lstStyle>
-            <a:defPPr marR="0" lvl="0" algn="l" rtl="0">
-              <a:lnSpc>
-                <a:spcPct val="100000"/>
-              </a:lnSpc>
-              <a:spcBef>
-                <a:spcPts val="0"/>
-              </a:spcBef>
-              <a:spcAft>
-                <a:spcPts val="0"/>
-              </a:spcAft>
-            </a:defPPr>
-            <a:lvl1pPr marL="457200" marR="0" lvl="0" indent="-342900" algn="l" rtl="0">
-              <a:lnSpc>
-                <a:spcPct val="100000"/>
-              </a:lnSpc>
-              <a:spcBef>
-                <a:spcPts val="0"/>
-              </a:spcBef>
-              <a:spcAft>
-                <a:spcPts val="0"/>
-              </a:spcAft>
-              <a:buClr>
-                <a:schemeClr val="dk1"/>
-              </a:buClr>
-              <a:buSzPts val="1800"/>
-              <a:buFont typeface="Poppins"/>
-              <a:buNone/>
-              <a:defRPr sz="1400" b="0" i="0" u="none" strike="noStrike" cap="none">
-                <a:solidFill>
-                  <a:schemeClr val="dk1"/>
-                </a:solidFill>
-                <a:latin typeface="Poppins"/>
-                <a:ea typeface="Poppins"/>
-                <a:cs typeface="Poppins"/>
-                <a:sym typeface="Poppins"/>
-              </a:defRPr>
-            </a:lvl1pPr>
-            <a:lvl2pPr marL="914400" marR="0" lvl="1" indent="-317500" algn="l" rtl="0">
-              <a:lnSpc>
-                <a:spcPct val="100000"/>
-              </a:lnSpc>
-              <a:spcBef>
-                <a:spcPts val="0"/>
-              </a:spcBef>
-              <a:spcAft>
-                <a:spcPts val="0"/>
-              </a:spcAft>
-              <a:buClr>
-                <a:schemeClr val="dk1"/>
-              </a:buClr>
-              <a:buSzPts val="1400"/>
-              <a:buFont typeface="Poppins"/>
-              <a:buNone/>
-              <a:defRPr sz="1400" b="0" i="0" u="none" strike="noStrike" cap="none">
-                <a:solidFill>
-                  <a:schemeClr val="dk1"/>
-                </a:solidFill>
-                <a:latin typeface="Poppins"/>
-                <a:ea typeface="Poppins"/>
-                <a:cs typeface="Poppins"/>
-                <a:sym typeface="Poppins"/>
-              </a:defRPr>
-            </a:lvl2pPr>
-            <a:lvl3pPr marL="1371600" marR="0" lvl="2" indent="-317500" algn="l" rtl="0">
-              <a:lnSpc>
-                <a:spcPct val="100000"/>
-              </a:lnSpc>
-              <a:spcBef>
-                <a:spcPts val="0"/>
-              </a:spcBef>
-              <a:spcAft>
-                <a:spcPts val="0"/>
-              </a:spcAft>
-              <a:buClr>
-                <a:schemeClr val="dk1"/>
-              </a:buClr>
-              <a:buSzPts val="1400"/>
-              <a:buFont typeface="Poppins"/>
-              <a:buNone/>
-              <a:defRPr sz="1400" b="0" i="0" u="none" strike="noStrike" cap="none">
-                <a:solidFill>
-                  <a:schemeClr val="dk1"/>
-                </a:solidFill>
-                <a:latin typeface="Poppins"/>
-                <a:ea typeface="Poppins"/>
-                <a:cs typeface="Poppins"/>
-                <a:sym typeface="Poppins"/>
-              </a:defRPr>
-            </a:lvl3pPr>
-            <a:lvl4pPr marL="1828800" marR="0" lvl="3" indent="-317500" algn="l" rtl="0">
-              <a:lnSpc>
-                <a:spcPct val="100000"/>
-              </a:lnSpc>
-              <a:spcBef>
-                <a:spcPts val="0"/>
-              </a:spcBef>
-              <a:spcAft>
-                <a:spcPts val="0"/>
-              </a:spcAft>
-              <a:buClr>
-                <a:schemeClr val="dk1"/>
-              </a:buClr>
-              <a:buSzPts val="1400"/>
-              <a:buFont typeface="Poppins"/>
-              <a:buNone/>
-              <a:defRPr sz="1400" b="0" i="0" u="none" strike="noStrike" cap="none">
-                <a:solidFill>
-                  <a:schemeClr val="dk1"/>
-                </a:solidFill>
-                <a:latin typeface="Poppins"/>
-                <a:ea typeface="Poppins"/>
-                <a:cs typeface="Poppins"/>
-                <a:sym typeface="Poppins"/>
-              </a:defRPr>
-            </a:lvl4pPr>
-            <a:lvl5pPr marL="2286000" marR="0" lvl="4" indent="-317500" algn="l" rtl="0">
-              <a:lnSpc>
-                <a:spcPct val="100000"/>
-              </a:lnSpc>
-              <a:spcBef>
-                <a:spcPts val="0"/>
-              </a:spcBef>
-              <a:spcAft>
-                <a:spcPts val="0"/>
-              </a:spcAft>
-              <a:buClr>
-                <a:schemeClr val="dk1"/>
-              </a:buClr>
-              <a:buSzPts val="1400"/>
-              <a:buFont typeface="Poppins"/>
-              <a:buNone/>
-              <a:defRPr sz="1400" b="0" i="0" u="none" strike="noStrike" cap="none">
-                <a:solidFill>
-                  <a:schemeClr val="dk1"/>
-                </a:solidFill>
-                <a:latin typeface="Poppins"/>
-                <a:ea typeface="Poppins"/>
-                <a:cs typeface="Poppins"/>
-                <a:sym typeface="Poppins"/>
-              </a:defRPr>
-            </a:lvl5pPr>
-            <a:lvl6pPr marL="2743200" marR="0" lvl="5" indent="-317500" algn="l" rtl="0">
-              <a:lnSpc>
-                <a:spcPct val="100000"/>
-              </a:lnSpc>
-              <a:spcBef>
-                <a:spcPts val="0"/>
-              </a:spcBef>
-              <a:spcAft>
-                <a:spcPts val="0"/>
-              </a:spcAft>
-              <a:buClr>
-                <a:schemeClr val="dk1"/>
-              </a:buClr>
-              <a:buSzPts val="1400"/>
-              <a:buFont typeface="Poppins"/>
-              <a:buNone/>
-              <a:defRPr sz="1400" b="0" i="0" u="none" strike="noStrike" cap="none">
-                <a:solidFill>
-                  <a:schemeClr val="dk1"/>
-                </a:solidFill>
-                <a:latin typeface="Poppins"/>
-                <a:ea typeface="Poppins"/>
-                <a:cs typeface="Poppins"/>
-                <a:sym typeface="Poppins"/>
-              </a:defRPr>
-            </a:lvl6pPr>
-            <a:lvl7pPr marL="3200400" marR="0" lvl="6" indent="-317500" algn="l" rtl="0">
-              <a:lnSpc>
-                <a:spcPct val="100000"/>
-              </a:lnSpc>
-              <a:spcBef>
-                <a:spcPts val="0"/>
-              </a:spcBef>
-              <a:spcAft>
-                <a:spcPts val="0"/>
-              </a:spcAft>
-              <a:buClr>
-                <a:schemeClr val="dk1"/>
-              </a:buClr>
-              <a:buSzPts val="1400"/>
-              <a:buFont typeface="Poppins"/>
-              <a:buNone/>
-              <a:defRPr sz="1400" b="0" i="0" u="none" strike="noStrike" cap="none">
-                <a:solidFill>
-                  <a:schemeClr val="dk1"/>
-                </a:solidFill>
-                <a:latin typeface="Poppins"/>
-                <a:ea typeface="Poppins"/>
-                <a:cs typeface="Poppins"/>
-                <a:sym typeface="Poppins"/>
-              </a:defRPr>
-            </a:lvl7pPr>
-            <a:lvl8pPr marL="3657600" marR="0" lvl="7" indent="-317500" algn="l" rtl="0">
-              <a:lnSpc>
-                <a:spcPct val="100000"/>
-              </a:lnSpc>
-              <a:spcBef>
-                <a:spcPts val="0"/>
-              </a:spcBef>
-              <a:spcAft>
-                <a:spcPts val="0"/>
-              </a:spcAft>
-              <a:buClr>
-                <a:schemeClr val="dk1"/>
-              </a:buClr>
-              <a:buSzPts val="1400"/>
-              <a:buFont typeface="Poppins"/>
-              <a:buNone/>
-              <a:defRPr sz="1400" b="0" i="0" u="none" strike="noStrike" cap="none">
-                <a:solidFill>
-                  <a:schemeClr val="dk1"/>
-                </a:solidFill>
-                <a:latin typeface="Poppins"/>
-                <a:ea typeface="Poppins"/>
-                <a:cs typeface="Poppins"/>
-                <a:sym typeface="Poppins"/>
-              </a:defRPr>
-            </a:lvl8pPr>
-            <a:lvl9pPr marL="4114800" marR="0" lvl="8" indent="-317500" algn="l" rtl="0">
-              <a:lnSpc>
-                <a:spcPct val="100000"/>
-              </a:lnSpc>
-              <a:spcBef>
-                <a:spcPts val="0"/>
-              </a:spcBef>
-              <a:spcAft>
-                <a:spcPts val="0"/>
-              </a:spcAft>
-              <a:buClr>
-                <a:schemeClr val="dk1"/>
-              </a:buClr>
-              <a:buSzPts val="1400"/>
-              <a:buFont typeface="Poppins"/>
-              <a:buNone/>
-              <a:defRPr sz="1400" b="0" i="0" u="none" strike="noStrike" cap="none">
-                <a:solidFill>
-                  <a:schemeClr val="dk1"/>
-                </a:solidFill>
-                <a:latin typeface="Poppins"/>
-                <a:ea typeface="Poppins"/>
-                <a:cs typeface="Poppins"/>
-                <a:sym typeface="Poppins"/>
-              </a:defRPr>
-            </a:lvl9pPr>
-          </a:lstStyle>
-          <a:p>
-            <a:pPr marL="285750" indent="-285750" algn="just">
-              <a:buFont typeface="Arial" panose="020B0604020202020204" pitchFamily="34" charset="0"/>
-              <a:buChar char="•"/>
-            </a:pPr>
-            <a:r>
-              <a:rPr lang="en-US" dirty="0">
-                <a:latin typeface="Inter"/>
-              </a:rPr>
-              <a:t>To classify this model, </a:t>
-            </a:r>
-            <a:r>
-              <a:rPr lang="en-US" b="1" dirty="0" err="1">
-                <a:latin typeface="Inter"/>
-              </a:rPr>
-              <a:t>KNeighborsClassifier</a:t>
-            </a:r>
-            <a:r>
-              <a:rPr lang="en-US" dirty="0">
-                <a:latin typeface="Inter"/>
-              </a:rPr>
-              <a:t> relative to the </a:t>
-            </a:r>
-            <a:r>
-              <a:rPr lang="en-US" b="1" dirty="0" err="1">
-                <a:latin typeface="Inter"/>
-              </a:rPr>
-              <a:t>sklearn.neighbors</a:t>
-            </a:r>
-            <a:r>
-              <a:rPr lang="en-US" b="1" dirty="0">
-                <a:latin typeface="Inter"/>
-              </a:rPr>
-              <a:t> </a:t>
-            </a:r>
-            <a:r>
-              <a:rPr lang="en-US" dirty="0">
-                <a:latin typeface="Inter"/>
-              </a:rPr>
-              <a:t>module was used. </a:t>
-            </a:r>
-          </a:p>
-          <a:p>
-            <a:pPr marL="285750" indent="-285750" algn="just">
-              <a:buFont typeface="Arial" panose="020B0604020202020204" pitchFamily="34" charset="0"/>
-              <a:buChar char="•"/>
-            </a:pPr>
-            <a:r>
-              <a:rPr lang="en-US" dirty="0" err="1">
-                <a:latin typeface="Inter"/>
-              </a:rPr>
-              <a:t>n_neighbors</a:t>
-            </a:r>
-            <a:r>
-              <a:rPr lang="en-US" dirty="0">
-                <a:latin typeface="Inter"/>
-              </a:rPr>
-              <a:t> = 5</a:t>
-            </a:r>
-            <a:endParaRPr lang="pt-PT" dirty="0">
-              <a:latin typeface="Inter"/>
-            </a:endParaRPr>
           </a:p>
         </p:txBody>
       </p:sp>
@@ -12895,7 +12032,7 @@
         <p:spPr>
           <a:xfrm>
             <a:off x="5136993" y="3453404"/>
-            <a:ext cx="3348916" cy="1423396"/>
+            <a:ext cx="3535946" cy="1423396"/>
           </a:xfrm>
           <a:prstGeom prst="rect">
             <a:avLst/>
@@ -13177,7 +12314,7 @@
               <a:rPr lang="en-US" dirty="0">
                 <a:latin typeface="Inter"/>
               </a:rPr>
-              <a:t> relative to the </a:t>
+              <a:t> from the </a:t>
             </a:r>
             <a:r>
               <a:rPr lang="en-US" b="1" dirty="0" err="1">
@@ -13233,6 +12370,668 @@
               </a:rPr>
               <a:t>: 1000</a:t>
             </a:r>
+          </a:p>
+        </p:txBody>
+      </p:sp>
+      <p:sp>
+        <p:nvSpPr>
+          <p:cNvPr id="6" name="Google Shape;242;p28">
+            <a:extLst>
+              <a:ext uri="{FF2B5EF4-FFF2-40B4-BE49-F238E27FC236}">
+                <a16:creationId xmlns:a16="http://schemas.microsoft.com/office/drawing/2014/main" id="{4F38ECF3-1458-F3AD-E4B3-DAF10854DBC0}"/>
+              </a:ext>
+            </a:extLst>
+          </p:cNvPr>
+          <p:cNvSpPr txBox="1">
+            <a:spLocks/>
+          </p:cNvSpPr>
+          <p:nvPr/>
+        </p:nvSpPr>
+        <p:spPr>
+          <a:xfrm>
+            <a:off x="5136993" y="1504397"/>
+            <a:ext cx="2869022" cy="371400"/>
+          </a:xfrm>
+          <a:prstGeom prst="rect">
+            <a:avLst/>
+          </a:prstGeom>
+          <a:noFill/>
+          <a:ln>
+            <a:noFill/>
+          </a:ln>
+        </p:spPr>
+        <p:txBody>
+          <a:bodyPr spcFirstLastPara="1" wrap="square" lIns="91425" tIns="91425" rIns="91425" bIns="91425" anchor="t" anchorCtr="0">
+            <a:noAutofit/>
+          </a:bodyPr>
+          <a:lstStyle>
+            <a:defPPr marR="0" lvl="0" algn="l" rtl="0">
+              <a:lnSpc>
+                <a:spcPct val="100000"/>
+              </a:lnSpc>
+              <a:spcBef>
+                <a:spcPts val="0"/>
+              </a:spcBef>
+              <a:spcAft>
+                <a:spcPts val="0"/>
+              </a:spcAft>
+            </a:defPPr>
+            <a:lvl1pPr marL="457200" marR="0" lvl="0" indent="-342900" algn="l" rtl="0">
+              <a:lnSpc>
+                <a:spcPct val="100000"/>
+              </a:lnSpc>
+              <a:spcBef>
+                <a:spcPts val="0"/>
+              </a:spcBef>
+              <a:spcAft>
+                <a:spcPts val="0"/>
+              </a:spcAft>
+              <a:buClr>
+                <a:schemeClr val="dk1"/>
+              </a:buClr>
+              <a:buSzPts val="1800"/>
+              <a:buFont typeface="Poppins"/>
+              <a:buNone/>
+              <a:defRPr sz="1800" b="0" i="0" u="none" strike="noStrike" cap="none">
+                <a:solidFill>
+                  <a:schemeClr val="dk1"/>
+                </a:solidFill>
+                <a:latin typeface="Poppins Black"/>
+                <a:ea typeface="Poppins Black"/>
+                <a:cs typeface="Poppins Black"/>
+                <a:sym typeface="Poppins Black"/>
+              </a:defRPr>
+            </a:lvl1pPr>
+            <a:lvl2pPr marL="914400" marR="0" lvl="1" indent="-317500" algn="l" rtl="0">
+              <a:lnSpc>
+                <a:spcPct val="100000"/>
+              </a:lnSpc>
+              <a:spcBef>
+                <a:spcPts val="1600"/>
+              </a:spcBef>
+              <a:spcAft>
+                <a:spcPts val="0"/>
+              </a:spcAft>
+              <a:buClr>
+                <a:schemeClr val="dk1"/>
+              </a:buClr>
+              <a:buSzPts val="1400"/>
+              <a:buFont typeface="Poppins"/>
+              <a:buNone/>
+              <a:defRPr sz="1400" b="0" i="0" u="none" strike="noStrike" cap="none">
+                <a:solidFill>
+                  <a:schemeClr val="dk1"/>
+                </a:solidFill>
+                <a:latin typeface="Poppins Black"/>
+                <a:ea typeface="Poppins Black"/>
+                <a:cs typeface="Poppins Black"/>
+                <a:sym typeface="Poppins Black"/>
+              </a:defRPr>
+            </a:lvl2pPr>
+            <a:lvl3pPr marL="1371600" marR="0" lvl="2" indent="-317500" algn="l" rtl="0">
+              <a:lnSpc>
+                <a:spcPct val="100000"/>
+              </a:lnSpc>
+              <a:spcBef>
+                <a:spcPts val="1600"/>
+              </a:spcBef>
+              <a:spcAft>
+                <a:spcPts val="0"/>
+              </a:spcAft>
+              <a:buClr>
+                <a:schemeClr val="dk1"/>
+              </a:buClr>
+              <a:buSzPts val="1400"/>
+              <a:buFont typeface="Poppins"/>
+              <a:buNone/>
+              <a:defRPr sz="1400" b="0" i="0" u="none" strike="noStrike" cap="none">
+                <a:solidFill>
+                  <a:schemeClr val="dk1"/>
+                </a:solidFill>
+                <a:latin typeface="Poppins Black"/>
+                <a:ea typeface="Poppins Black"/>
+                <a:cs typeface="Poppins Black"/>
+                <a:sym typeface="Poppins Black"/>
+              </a:defRPr>
+            </a:lvl3pPr>
+            <a:lvl4pPr marL="1828800" marR="0" lvl="3" indent="-317500" algn="l" rtl="0">
+              <a:lnSpc>
+                <a:spcPct val="100000"/>
+              </a:lnSpc>
+              <a:spcBef>
+                <a:spcPts val="1600"/>
+              </a:spcBef>
+              <a:spcAft>
+                <a:spcPts val="0"/>
+              </a:spcAft>
+              <a:buClr>
+                <a:schemeClr val="dk1"/>
+              </a:buClr>
+              <a:buSzPts val="1400"/>
+              <a:buFont typeface="Poppins"/>
+              <a:buNone/>
+              <a:defRPr sz="1400" b="0" i="0" u="none" strike="noStrike" cap="none">
+                <a:solidFill>
+                  <a:schemeClr val="dk1"/>
+                </a:solidFill>
+                <a:latin typeface="Poppins Black"/>
+                <a:ea typeface="Poppins Black"/>
+                <a:cs typeface="Poppins Black"/>
+                <a:sym typeface="Poppins Black"/>
+              </a:defRPr>
+            </a:lvl4pPr>
+            <a:lvl5pPr marL="2286000" marR="0" lvl="4" indent="-317500" algn="l" rtl="0">
+              <a:lnSpc>
+                <a:spcPct val="100000"/>
+              </a:lnSpc>
+              <a:spcBef>
+                <a:spcPts val="1600"/>
+              </a:spcBef>
+              <a:spcAft>
+                <a:spcPts val="0"/>
+              </a:spcAft>
+              <a:buClr>
+                <a:schemeClr val="dk1"/>
+              </a:buClr>
+              <a:buSzPts val="1400"/>
+              <a:buFont typeface="Poppins"/>
+              <a:buNone/>
+              <a:defRPr sz="1400" b="0" i="0" u="none" strike="noStrike" cap="none">
+                <a:solidFill>
+                  <a:schemeClr val="dk1"/>
+                </a:solidFill>
+                <a:latin typeface="Poppins Black"/>
+                <a:ea typeface="Poppins Black"/>
+                <a:cs typeface="Poppins Black"/>
+                <a:sym typeface="Poppins Black"/>
+              </a:defRPr>
+            </a:lvl5pPr>
+            <a:lvl6pPr marL="2743200" marR="0" lvl="5" indent="-317500" algn="l" rtl="0">
+              <a:lnSpc>
+                <a:spcPct val="100000"/>
+              </a:lnSpc>
+              <a:spcBef>
+                <a:spcPts val="1600"/>
+              </a:spcBef>
+              <a:spcAft>
+                <a:spcPts val="0"/>
+              </a:spcAft>
+              <a:buClr>
+                <a:schemeClr val="dk1"/>
+              </a:buClr>
+              <a:buSzPts val="1400"/>
+              <a:buFont typeface="Poppins"/>
+              <a:buNone/>
+              <a:defRPr sz="1400" b="0" i="0" u="none" strike="noStrike" cap="none">
+                <a:solidFill>
+                  <a:schemeClr val="dk1"/>
+                </a:solidFill>
+                <a:latin typeface="Poppins Black"/>
+                <a:ea typeface="Poppins Black"/>
+                <a:cs typeface="Poppins Black"/>
+                <a:sym typeface="Poppins Black"/>
+              </a:defRPr>
+            </a:lvl6pPr>
+            <a:lvl7pPr marL="3200400" marR="0" lvl="6" indent="-317500" algn="l" rtl="0">
+              <a:lnSpc>
+                <a:spcPct val="100000"/>
+              </a:lnSpc>
+              <a:spcBef>
+                <a:spcPts val="1600"/>
+              </a:spcBef>
+              <a:spcAft>
+                <a:spcPts val="0"/>
+              </a:spcAft>
+              <a:buClr>
+                <a:schemeClr val="dk1"/>
+              </a:buClr>
+              <a:buSzPts val="1400"/>
+              <a:buFont typeface="Poppins"/>
+              <a:buNone/>
+              <a:defRPr sz="1400" b="0" i="0" u="none" strike="noStrike" cap="none">
+                <a:solidFill>
+                  <a:schemeClr val="dk1"/>
+                </a:solidFill>
+                <a:latin typeface="Poppins Black"/>
+                <a:ea typeface="Poppins Black"/>
+                <a:cs typeface="Poppins Black"/>
+                <a:sym typeface="Poppins Black"/>
+              </a:defRPr>
+            </a:lvl7pPr>
+            <a:lvl8pPr marL="3657600" marR="0" lvl="7" indent="-317500" algn="l" rtl="0">
+              <a:lnSpc>
+                <a:spcPct val="100000"/>
+              </a:lnSpc>
+              <a:spcBef>
+                <a:spcPts val="1600"/>
+              </a:spcBef>
+              <a:spcAft>
+                <a:spcPts val="0"/>
+              </a:spcAft>
+              <a:buClr>
+                <a:schemeClr val="dk1"/>
+              </a:buClr>
+              <a:buSzPts val="1400"/>
+              <a:buFont typeface="Poppins"/>
+              <a:buNone/>
+              <a:defRPr sz="1400" b="0" i="0" u="none" strike="noStrike" cap="none">
+                <a:solidFill>
+                  <a:schemeClr val="dk1"/>
+                </a:solidFill>
+                <a:latin typeface="Poppins Black"/>
+                <a:ea typeface="Poppins Black"/>
+                <a:cs typeface="Poppins Black"/>
+                <a:sym typeface="Poppins Black"/>
+              </a:defRPr>
+            </a:lvl8pPr>
+            <a:lvl9pPr marL="4114800" marR="0" lvl="8" indent="-317500" algn="l" rtl="0">
+              <a:lnSpc>
+                <a:spcPct val="100000"/>
+              </a:lnSpc>
+              <a:spcBef>
+                <a:spcPts val="1600"/>
+              </a:spcBef>
+              <a:spcAft>
+                <a:spcPts val="1600"/>
+              </a:spcAft>
+              <a:buClr>
+                <a:schemeClr val="dk1"/>
+              </a:buClr>
+              <a:buSzPts val="1400"/>
+              <a:buFont typeface="Poppins"/>
+              <a:buNone/>
+              <a:defRPr sz="1400" b="0" i="0" u="none" strike="noStrike" cap="none">
+                <a:solidFill>
+                  <a:schemeClr val="dk1"/>
+                </a:solidFill>
+                <a:latin typeface="Poppins Black"/>
+                <a:ea typeface="Poppins Black"/>
+                <a:cs typeface="Poppins Black"/>
+                <a:sym typeface="Poppins Black"/>
+              </a:defRPr>
+            </a:lvl9pPr>
+          </a:lstStyle>
+          <a:p>
+            <a:pPr marL="0" indent="0">
+              <a:spcAft>
+                <a:spcPts val="1600"/>
+              </a:spcAft>
+            </a:pPr>
+            <a:r>
+              <a:rPr lang="pt-PT" dirty="0">
+                <a:latin typeface="Poppins" panose="00000500000000000000" pitchFamily="2" charset="0"/>
+                <a:cs typeface="Poppins" panose="00000500000000000000" pitchFamily="2" charset="0"/>
+              </a:rPr>
+              <a:t>K-</a:t>
+            </a:r>
+            <a:r>
+              <a:rPr lang="pt-PT" dirty="0" err="1">
+                <a:latin typeface="Poppins" panose="00000500000000000000" pitchFamily="2" charset="0"/>
+                <a:cs typeface="Poppins" panose="00000500000000000000" pitchFamily="2" charset="0"/>
+              </a:rPr>
+              <a:t>Nearest</a:t>
+            </a:r>
+            <a:r>
+              <a:rPr lang="pt-PT" dirty="0">
+                <a:latin typeface="Poppins" panose="00000500000000000000" pitchFamily="2" charset="0"/>
+                <a:cs typeface="Poppins" panose="00000500000000000000" pitchFamily="2" charset="0"/>
+              </a:rPr>
+              <a:t> </a:t>
+            </a:r>
+            <a:r>
+              <a:rPr lang="pt-PT" dirty="0" err="1">
+                <a:latin typeface="Poppins" panose="00000500000000000000" pitchFamily="2" charset="0"/>
+                <a:cs typeface="Poppins" panose="00000500000000000000" pitchFamily="2" charset="0"/>
+              </a:rPr>
+              <a:t>Neightbours</a:t>
+            </a:r>
+            <a:endParaRPr lang="pt-PT" dirty="0">
+              <a:latin typeface="Poppins" panose="00000500000000000000" pitchFamily="2" charset="0"/>
+              <a:cs typeface="Poppins" panose="00000500000000000000" pitchFamily="2" charset="0"/>
+            </a:endParaRPr>
+          </a:p>
+        </p:txBody>
+      </p:sp>
+      <p:sp>
+        <p:nvSpPr>
+          <p:cNvPr id="9" name="Google Shape;244;p28">
+            <a:extLst>
+              <a:ext uri="{FF2B5EF4-FFF2-40B4-BE49-F238E27FC236}">
+                <a16:creationId xmlns:a16="http://schemas.microsoft.com/office/drawing/2014/main" id="{B7943EA1-DE71-5FC8-CD78-6718134E9072}"/>
+              </a:ext>
+            </a:extLst>
+          </p:cNvPr>
+          <p:cNvSpPr txBox="1">
+            <a:spLocks/>
+          </p:cNvSpPr>
+          <p:nvPr/>
+        </p:nvSpPr>
+        <p:spPr>
+          <a:xfrm>
+            <a:off x="5136994" y="1855920"/>
+            <a:ext cx="3667570" cy="1209555"/>
+          </a:xfrm>
+          <a:prstGeom prst="rect">
+            <a:avLst/>
+          </a:prstGeom>
+          <a:noFill/>
+          <a:ln>
+            <a:noFill/>
+          </a:ln>
+        </p:spPr>
+        <p:txBody>
+          <a:bodyPr spcFirstLastPara="1" wrap="square" lIns="91425" tIns="91425" rIns="91425" bIns="91425" anchor="t" anchorCtr="0">
+            <a:noAutofit/>
+          </a:bodyPr>
+          <a:lstStyle>
+            <a:defPPr marR="0" lvl="0" algn="l" rtl="0">
+              <a:lnSpc>
+                <a:spcPct val="100000"/>
+              </a:lnSpc>
+              <a:spcBef>
+                <a:spcPts val="0"/>
+              </a:spcBef>
+              <a:spcAft>
+                <a:spcPts val="0"/>
+              </a:spcAft>
+            </a:defPPr>
+            <a:lvl1pPr marL="457200" marR="0" lvl="0" indent="-342900" algn="l" rtl="0">
+              <a:lnSpc>
+                <a:spcPct val="100000"/>
+              </a:lnSpc>
+              <a:spcBef>
+                <a:spcPts val="0"/>
+              </a:spcBef>
+              <a:spcAft>
+                <a:spcPts val="0"/>
+              </a:spcAft>
+              <a:buClr>
+                <a:schemeClr val="dk1"/>
+              </a:buClr>
+              <a:buSzPts val="1800"/>
+              <a:buFont typeface="Poppins"/>
+              <a:buNone/>
+              <a:defRPr sz="1400" b="0" i="0" u="none" strike="noStrike" cap="none">
+                <a:solidFill>
+                  <a:schemeClr val="dk1"/>
+                </a:solidFill>
+                <a:latin typeface="Poppins"/>
+                <a:ea typeface="Poppins"/>
+                <a:cs typeface="Poppins"/>
+                <a:sym typeface="Poppins"/>
+              </a:defRPr>
+            </a:lvl1pPr>
+            <a:lvl2pPr marL="914400" marR="0" lvl="1" indent="-317500" algn="l" rtl="0">
+              <a:lnSpc>
+                <a:spcPct val="100000"/>
+              </a:lnSpc>
+              <a:spcBef>
+                <a:spcPts val="0"/>
+              </a:spcBef>
+              <a:spcAft>
+                <a:spcPts val="0"/>
+              </a:spcAft>
+              <a:buClr>
+                <a:schemeClr val="dk1"/>
+              </a:buClr>
+              <a:buSzPts val="1400"/>
+              <a:buFont typeface="Poppins"/>
+              <a:buNone/>
+              <a:defRPr sz="1400" b="0" i="0" u="none" strike="noStrike" cap="none">
+                <a:solidFill>
+                  <a:schemeClr val="dk1"/>
+                </a:solidFill>
+                <a:latin typeface="Poppins"/>
+                <a:ea typeface="Poppins"/>
+                <a:cs typeface="Poppins"/>
+                <a:sym typeface="Poppins"/>
+              </a:defRPr>
+            </a:lvl2pPr>
+            <a:lvl3pPr marL="1371600" marR="0" lvl="2" indent="-317500" algn="l" rtl="0">
+              <a:lnSpc>
+                <a:spcPct val="100000"/>
+              </a:lnSpc>
+              <a:spcBef>
+                <a:spcPts val="0"/>
+              </a:spcBef>
+              <a:spcAft>
+                <a:spcPts val="0"/>
+              </a:spcAft>
+              <a:buClr>
+                <a:schemeClr val="dk1"/>
+              </a:buClr>
+              <a:buSzPts val="1400"/>
+              <a:buFont typeface="Poppins"/>
+              <a:buNone/>
+              <a:defRPr sz="1400" b="0" i="0" u="none" strike="noStrike" cap="none">
+                <a:solidFill>
+                  <a:schemeClr val="dk1"/>
+                </a:solidFill>
+                <a:latin typeface="Poppins"/>
+                <a:ea typeface="Poppins"/>
+                <a:cs typeface="Poppins"/>
+                <a:sym typeface="Poppins"/>
+              </a:defRPr>
+            </a:lvl3pPr>
+            <a:lvl4pPr marL="1828800" marR="0" lvl="3" indent="-317500" algn="l" rtl="0">
+              <a:lnSpc>
+                <a:spcPct val="100000"/>
+              </a:lnSpc>
+              <a:spcBef>
+                <a:spcPts val="0"/>
+              </a:spcBef>
+              <a:spcAft>
+                <a:spcPts val="0"/>
+              </a:spcAft>
+              <a:buClr>
+                <a:schemeClr val="dk1"/>
+              </a:buClr>
+              <a:buSzPts val="1400"/>
+              <a:buFont typeface="Poppins"/>
+              <a:buNone/>
+              <a:defRPr sz="1400" b="0" i="0" u="none" strike="noStrike" cap="none">
+                <a:solidFill>
+                  <a:schemeClr val="dk1"/>
+                </a:solidFill>
+                <a:latin typeface="Poppins"/>
+                <a:ea typeface="Poppins"/>
+                <a:cs typeface="Poppins"/>
+                <a:sym typeface="Poppins"/>
+              </a:defRPr>
+            </a:lvl4pPr>
+            <a:lvl5pPr marL="2286000" marR="0" lvl="4" indent="-317500" algn="l" rtl="0">
+              <a:lnSpc>
+                <a:spcPct val="100000"/>
+              </a:lnSpc>
+              <a:spcBef>
+                <a:spcPts val="0"/>
+              </a:spcBef>
+              <a:spcAft>
+                <a:spcPts val="0"/>
+              </a:spcAft>
+              <a:buClr>
+                <a:schemeClr val="dk1"/>
+              </a:buClr>
+              <a:buSzPts val="1400"/>
+              <a:buFont typeface="Poppins"/>
+              <a:buNone/>
+              <a:defRPr sz="1400" b="0" i="0" u="none" strike="noStrike" cap="none">
+                <a:solidFill>
+                  <a:schemeClr val="dk1"/>
+                </a:solidFill>
+                <a:latin typeface="Poppins"/>
+                <a:ea typeface="Poppins"/>
+                <a:cs typeface="Poppins"/>
+                <a:sym typeface="Poppins"/>
+              </a:defRPr>
+            </a:lvl5pPr>
+            <a:lvl6pPr marL="2743200" marR="0" lvl="5" indent="-317500" algn="l" rtl="0">
+              <a:lnSpc>
+                <a:spcPct val="100000"/>
+              </a:lnSpc>
+              <a:spcBef>
+                <a:spcPts val="0"/>
+              </a:spcBef>
+              <a:spcAft>
+                <a:spcPts val="0"/>
+              </a:spcAft>
+              <a:buClr>
+                <a:schemeClr val="dk1"/>
+              </a:buClr>
+              <a:buSzPts val="1400"/>
+              <a:buFont typeface="Poppins"/>
+              <a:buNone/>
+              <a:defRPr sz="1400" b="0" i="0" u="none" strike="noStrike" cap="none">
+                <a:solidFill>
+                  <a:schemeClr val="dk1"/>
+                </a:solidFill>
+                <a:latin typeface="Poppins"/>
+                <a:ea typeface="Poppins"/>
+                <a:cs typeface="Poppins"/>
+                <a:sym typeface="Poppins"/>
+              </a:defRPr>
+            </a:lvl6pPr>
+            <a:lvl7pPr marL="3200400" marR="0" lvl="6" indent="-317500" algn="l" rtl="0">
+              <a:lnSpc>
+                <a:spcPct val="100000"/>
+              </a:lnSpc>
+              <a:spcBef>
+                <a:spcPts val="0"/>
+              </a:spcBef>
+              <a:spcAft>
+                <a:spcPts val="0"/>
+              </a:spcAft>
+              <a:buClr>
+                <a:schemeClr val="dk1"/>
+              </a:buClr>
+              <a:buSzPts val="1400"/>
+              <a:buFont typeface="Poppins"/>
+              <a:buNone/>
+              <a:defRPr sz="1400" b="0" i="0" u="none" strike="noStrike" cap="none">
+                <a:solidFill>
+                  <a:schemeClr val="dk1"/>
+                </a:solidFill>
+                <a:latin typeface="Poppins"/>
+                <a:ea typeface="Poppins"/>
+                <a:cs typeface="Poppins"/>
+                <a:sym typeface="Poppins"/>
+              </a:defRPr>
+            </a:lvl7pPr>
+            <a:lvl8pPr marL="3657600" marR="0" lvl="7" indent="-317500" algn="l" rtl="0">
+              <a:lnSpc>
+                <a:spcPct val="100000"/>
+              </a:lnSpc>
+              <a:spcBef>
+                <a:spcPts val="0"/>
+              </a:spcBef>
+              <a:spcAft>
+                <a:spcPts val="0"/>
+              </a:spcAft>
+              <a:buClr>
+                <a:schemeClr val="dk1"/>
+              </a:buClr>
+              <a:buSzPts val="1400"/>
+              <a:buFont typeface="Poppins"/>
+              <a:buNone/>
+              <a:defRPr sz="1400" b="0" i="0" u="none" strike="noStrike" cap="none">
+                <a:solidFill>
+                  <a:schemeClr val="dk1"/>
+                </a:solidFill>
+                <a:latin typeface="Poppins"/>
+                <a:ea typeface="Poppins"/>
+                <a:cs typeface="Poppins"/>
+                <a:sym typeface="Poppins"/>
+              </a:defRPr>
+            </a:lvl8pPr>
+            <a:lvl9pPr marL="4114800" marR="0" lvl="8" indent="-317500" algn="l" rtl="0">
+              <a:lnSpc>
+                <a:spcPct val="100000"/>
+              </a:lnSpc>
+              <a:spcBef>
+                <a:spcPts val="0"/>
+              </a:spcBef>
+              <a:spcAft>
+                <a:spcPts val="0"/>
+              </a:spcAft>
+              <a:buClr>
+                <a:schemeClr val="dk1"/>
+              </a:buClr>
+              <a:buSzPts val="1400"/>
+              <a:buFont typeface="Poppins"/>
+              <a:buNone/>
+              <a:defRPr sz="1400" b="0" i="0" u="none" strike="noStrike" cap="none">
+                <a:solidFill>
+                  <a:schemeClr val="dk1"/>
+                </a:solidFill>
+                <a:latin typeface="Poppins"/>
+                <a:ea typeface="Poppins"/>
+                <a:cs typeface="Poppins"/>
+                <a:sym typeface="Poppins"/>
+              </a:defRPr>
+            </a:lvl9pPr>
+          </a:lstStyle>
+          <a:p>
+            <a:pPr marL="285750" indent="-285750" algn="just">
+              <a:buFont typeface="Arial" panose="020B0604020202020204" pitchFamily="34" charset="0"/>
+              <a:buChar char="•"/>
+            </a:pPr>
+            <a:r>
+              <a:rPr lang="en-US" dirty="0">
+                <a:latin typeface="Inter"/>
+              </a:rPr>
+              <a:t>This model was based on the implementation of the </a:t>
+            </a:r>
+            <a:r>
+              <a:rPr lang="en-US" b="1" dirty="0" err="1">
+                <a:latin typeface="Inter"/>
+              </a:rPr>
+              <a:t>KNeighborsClassifier</a:t>
+            </a:r>
+            <a:r>
+              <a:rPr lang="en-US" dirty="0">
+                <a:latin typeface="Inter"/>
+              </a:rPr>
+              <a:t> from the </a:t>
+            </a:r>
+            <a:r>
+              <a:rPr lang="en-US" b="1" dirty="0" err="1">
+                <a:latin typeface="Inter"/>
+              </a:rPr>
+              <a:t>sklearn.neighbors</a:t>
+            </a:r>
+            <a:r>
+              <a:rPr lang="en-US" b="1" dirty="0">
+                <a:latin typeface="Inter"/>
+              </a:rPr>
+              <a:t> </a:t>
+            </a:r>
+            <a:r>
+              <a:rPr lang="en-US" dirty="0">
+                <a:latin typeface="Inter"/>
+              </a:rPr>
+              <a:t>module.</a:t>
+            </a:r>
+          </a:p>
+          <a:p>
+            <a:pPr marL="285750" indent="-285750" algn="just">
+              <a:buFont typeface="Arial" panose="020B0604020202020204" pitchFamily="34" charset="0"/>
+              <a:buChar char="•"/>
+            </a:pPr>
+            <a:r>
+              <a:rPr lang="en-US" dirty="0" err="1">
+                <a:latin typeface="Inter"/>
+              </a:rPr>
+              <a:t>n_neighbors</a:t>
+            </a:r>
+            <a:r>
+              <a:rPr lang="en-US" dirty="0">
+                <a:latin typeface="Inter"/>
+              </a:rPr>
+              <a:t> = 5</a:t>
+            </a:r>
+            <a:endParaRPr lang="pt-PT" dirty="0">
+              <a:latin typeface="Inter"/>
+            </a:endParaRPr>
           </a:p>
         </p:txBody>
       </p:sp>
